--- a/07 Dependency Injection/DependencyInjection.pptx
+++ b/07 Dependency Injection/DependencyInjection.pptx
@@ -5,34 +5,39 @@
     <p:sldMasterId id="2147483659" r:id="rId1"/>
   </p:sldMasterIdLst>
   <p:notesMasterIdLst>
-    <p:notesMasterId r:id="rId27"/>
+    <p:notesMasterId r:id="rId32"/>
   </p:notesMasterIdLst>
   <p:sldIdLst>
     <p:sldId id="256" r:id="rId2"/>
-    <p:sldId id="264" r:id="rId3"/>
-    <p:sldId id="265" r:id="rId4"/>
-    <p:sldId id="268" r:id="rId5"/>
-    <p:sldId id="269" r:id="rId6"/>
-    <p:sldId id="270" r:id="rId7"/>
-    <p:sldId id="266" r:id="rId8"/>
-    <p:sldId id="271" r:id="rId9"/>
-    <p:sldId id="267" r:id="rId10"/>
-    <p:sldId id="272" r:id="rId11"/>
-    <p:sldId id="273" r:id="rId12"/>
-    <p:sldId id="274" r:id="rId13"/>
-    <p:sldId id="275" r:id="rId14"/>
-    <p:sldId id="276" r:id="rId15"/>
-    <p:sldId id="281" r:id="rId16"/>
-    <p:sldId id="278" r:id="rId17"/>
-    <p:sldId id="279" r:id="rId18"/>
-    <p:sldId id="280" r:id="rId19"/>
-    <p:sldId id="282" r:id="rId20"/>
-    <p:sldId id="283" r:id="rId21"/>
-    <p:sldId id="288" r:id="rId22"/>
-    <p:sldId id="286" r:id="rId23"/>
-    <p:sldId id="287" r:id="rId24"/>
-    <p:sldId id="285" r:id="rId25"/>
-    <p:sldId id="284" r:id="rId26"/>
+    <p:sldId id="294" r:id="rId3"/>
+    <p:sldId id="264" r:id="rId4"/>
+    <p:sldId id="265" r:id="rId5"/>
+    <p:sldId id="268" r:id="rId6"/>
+    <p:sldId id="269" r:id="rId7"/>
+    <p:sldId id="270" r:id="rId8"/>
+    <p:sldId id="266" r:id="rId9"/>
+    <p:sldId id="271" r:id="rId10"/>
+    <p:sldId id="267" r:id="rId11"/>
+    <p:sldId id="272" r:id="rId12"/>
+    <p:sldId id="273" r:id="rId13"/>
+    <p:sldId id="274" r:id="rId14"/>
+    <p:sldId id="275" r:id="rId15"/>
+    <p:sldId id="276" r:id="rId16"/>
+    <p:sldId id="281" r:id="rId17"/>
+    <p:sldId id="278" r:id="rId18"/>
+    <p:sldId id="279" r:id="rId19"/>
+    <p:sldId id="289" r:id="rId20"/>
+    <p:sldId id="280" r:id="rId21"/>
+    <p:sldId id="282" r:id="rId22"/>
+    <p:sldId id="283" r:id="rId23"/>
+    <p:sldId id="288" r:id="rId24"/>
+    <p:sldId id="286" r:id="rId25"/>
+    <p:sldId id="287" r:id="rId26"/>
+    <p:sldId id="291" r:id="rId27"/>
+    <p:sldId id="285" r:id="rId28"/>
+    <p:sldId id="290" r:id="rId29"/>
+    <p:sldId id="293" r:id="rId30"/>
+    <p:sldId id="292" r:id="rId31"/>
   </p:sldIdLst>
   <p:sldSz cx="9144000" cy="5143500" type="screen16x9"/>
   <p:notesSz cx="6858000" cy="9144000"/>
@@ -5870,6 +5875,152 @@
           <p:cNvPr id="2" name="Title 1">
             <a:extLst>
               <a:ext uri="{FF2B5EF4-FFF2-40B4-BE49-F238E27FC236}">
+                <a16:creationId xmlns:a16="http://schemas.microsoft.com/office/drawing/2014/main" id="{CC989A29-9E18-5641-932A-B1653BE704E5}"/>
+              </a:ext>
+            </a:extLst>
+          </p:cNvPr>
+          <p:cNvSpPr>
+            <a:spLocks noGrp="1"/>
+          </p:cNvSpPr>
+          <p:nvPr>
+            <p:ph type="title"/>
+          </p:nvPr>
+        </p:nvSpPr>
+        <p:spPr/>
+        <p:txBody>
+          <a:bodyPr/>
+          <a:lstStyle/>
+          <a:p>
+            <a:r>
+              <a:rPr lang="en-VN"/>
+              <a:t>Khó khăn khi lập trình, kiểm thử, bảo trì</a:t>
+            </a:r>
+          </a:p>
+        </p:txBody>
+      </p:sp>
+      <p:sp>
+        <p:nvSpPr>
+          <p:cNvPr id="3" name="Text Placeholder 2">
+            <a:extLst>
+              <a:ext uri="{FF2B5EF4-FFF2-40B4-BE49-F238E27FC236}">
+                <a16:creationId xmlns:a16="http://schemas.microsoft.com/office/drawing/2014/main" id="{5D58022A-7C46-734D-AC39-F34B6B0F4633}"/>
+              </a:ext>
+            </a:extLst>
+          </p:cNvPr>
+          <p:cNvSpPr>
+            <a:spLocks noGrp="1"/>
+          </p:cNvSpPr>
+          <p:nvPr>
+            <p:ph type="body" idx="1"/>
+          </p:nvPr>
+        </p:nvSpPr>
+        <p:spPr/>
+        <p:txBody>
+          <a:bodyPr/>
+          <a:lstStyle/>
+          <a:p>
+            <a:r>
+              <a:rPr lang="en-VN"/>
+              <a:t>Dependency gây ra Tightly Coupling</a:t>
+            </a:r>
+          </a:p>
+          <a:p>
+            <a:r>
+              <a:rPr lang="en-VN"/>
+              <a:t>Đặc điểm của Tightly Coupling là:</a:t>
+            </a:r>
+          </a:p>
+          <a:p>
+            <a:pPr lvl="1"/>
+            <a:r>
+              <a:rPr lang="en-VN"/>
+              <a:t>Dễ lập trình, khó kiểm thử, khó bảo trì, khó sửa lỗi</a:t>
+            </a:r>
+          </a:p>
+        </p:txBody>
+      </p:sp>
+      <p:pic>
+        <p:nvPicPr>
+          <p:cNvPr id="1026" name="Picture 2">
+            <a:extLst>
+              <a:ext uri="{FF2B5EF4-FFF2-40B4-BE49-F238E27FC236}">
+                <a16:creationId xmlns:a16="http://schemas.microsoft.com/office/drawing/2014/main" id="{49CC0124-3981-4D45-BADE-2D7347DC5DAB}"/>
+              </a:ext>
+            </a:extLst>
+          </p:cNvPr>
+          <p:cNvPicPr>
+            <a:picLocks noChangeAspect="1" noChangeArrowheads="1"/>
+          </p:cNvPicPr>
+          <p:nvPr/>
+        </p:nvPicPr>
+        <p:blipFill>
+          <a:blip r:embed="rId2">
+            <a:extLst>
+              <a:ext uri="{28A0092B-C50C-407E-A947-70E740481C1C}">
+                <a14:useLocalDpi xmlns:a14="http://schemas.microsoft.com/office/drawing/2010/main" val="0"/>
+              </a:ext>
+            </a:extLst>
+          </a:blip>
+          <a:srcRect/>
+          <a:stretch>
+            <a:fillRect/>
+          </a:stretch>
+        </p:blipFill>
+        <p:spPr bwMode="auto">
+          <a:xfrm>
+            <a:off x="2559170" y="2546828"/>
+            <a:ext cx="3731104" cy="2487403"/>
+          </a:xfrm>
+          <a:prstGeom prst="rect">
+            <a:avLst/>
+          </a:prstGeom>
+          <a:noFill/>
+          <a:extLst>
+            <a:ext uri="{909E8E84-426E-40DD-AFC4-6F175D3DCCD1}">
+              <a14:hiddenFill xmlns:a14="http://schemas.microsoft.com/office/drawing/2010/main">
+                <a:solidFill>
+                  <a:srgbClr val="FFFFFF"/>
+                </a:solidFill>
+              </a14:hiddenFill>
+            </a:ext>
+          </a:extLst>
+        </p:spPr>
+      </p:pic>
+    </p:spTree>
+    <p:extLst>
+      <p:ext uri="{BB962C8B-B14F-4D97-AF65-F5344CB8AC3E}">
+        <p14:creationId xmlns:p14="http://schemas.microsoft.com/office/powerpoint/2010/main" val="456619951"/>
+      </p:ext>
+    </p:extLst>
+  </p:cSld>
+  <p:clrMapOvr>
+    <a:masterClrMapping/>
+  </p:clrMapOvr>
+</p:sld>
+</file>
+
+<file path=ppt/slides/slide11.xml><?xml version="1.0" encoding="utf-8"?>
+<p:sld xmlns:a="http://schemas.openxmlformats.org/drawingml/2006/main" xmlns:r="http://schemas.openxmlformats.org/officeDocument/2006/relationships" xmlns:p="http://schemas.openxmlformats.org/presentationml/2006/main">
+  <p:cSld>
+    <p:spTree>
+      <p:nvGrpSpPr>
+        <p:cNvPr id="1" name=""/>
+        <p:cNvGrpSpPr/>
+        <p:nvPr/>
+      </p:nvGrpSpPr>
+      <p:grpSpPr>
+        <a:xfrm>
+          <a:off x="0" y="0"/>
+          <a:ext cx="0" cy="0"/>
+          <a:chOff x="0" y="0"/>
+          <a:chExt cx="0" cy="0"/>
+        </a:xfrm>
+      </p:grpSpPr>
+      <p:sp>
+        <p:nvSpPr>
+          <p:cNvPr id="2" name="Title 1">
+            <a:extLst>
+              <a:ext uri="{FF2B5EF4-FFF2-40B4-BE49-F238E27FC236}">
                 <a16:creationId xmlns:a16="http://schemas.microsoft.com/office/drawing/2014/main" id="{72FD0FDD-B5D6-CA46-9FFF-E24CCAA4AA74}"/>
               </a:ext>
             </a:extLst>
@@ -5984,7 +6135,7 @@
 </p:sld>
 </file>
 
-<file path=ppt/slides/slide11.xml><?xml version="1.0" encoding="utf-8"?>
+<file path=ppt/slides/slide12.xml><?xml version="1.0" encoding="utf-8"?>
 <p:sld xmlns:a="http://schemas.openxmlformats.org/drawingml/2006/main" xmlns:r="http://schemas.openxmlformats.org/officeDocument/2006/relationships" xmlns:p="http://schemas.openxmlformats.org/presentationml/2006/main">
   <p:cSld>
     <p:spTree>
@@ -6042,7 +6193,7 @@
 </p:sld>
 </file>
 
-<file path=ppt/slides/slide12.xml><?xml version="1.0" encoding="utf-8"?>
+<file path=ppt/slides/slide13.xml><?xml version="1.0" encoding="utf-8"?>
 <p:sld xmlns:a="http://schemas.openxmlformats.org/drawingml/2006/main" xmlns:r="http://schemas.openxmlformats.org/officeDocument/2006/relationships" xmlns:p="http://schemas.openxmlformats.org/presentationml/2006/main">
   <p:cSld>
     <p:spTree>
@@ -6253,7 +6404,7 @@
 </p:sld>
 </file>
 
-<file path=ppt/slides/slide13.xml><?xml version="1.0" encoding="utf-8"?>
+<file path=ppt/slides/slide14.xml><?xml version="1.0" encoding="utf-8"?>
 <p:sld xmlns:a="http://schemas.openxmlformats.org/drawingml/2006/main" xmlns:r="http://schemas.openxmlformats.org/officeDocument/2006/relationships" xmlns:p="http://schemas.openxmlformats.org/presentationml/2006/main">
   <p:cSld>
     <p:spTree>
@@ -6432,7 +6583,7 @@
 </p:sld>
 </file>
 
-<file path=ppt/slides/slide14.xml><?xml version="1.0" encoding="utf-8"?>
+<file path=ppt/slides/slide15.xml><?xml version="1.0" encoding="utf-8"?>
 <p:sld xmlns:a="http://schemas.openxmlformats.org/drawingml/2006/main" xmlns:r="http://schemas.openxmlformats.org/officeDocument/2006/relationships" xmlns:p="http://schemas.openxmlformats.org/presentationml/2006/main">
   <p:cSld>
     <p:spTree>
@@ -6544,7 +6695,7 @@
 </p:sld>
 </file>
 
-<file path=ppt/slides/slide15.xml><?xml version="1.0" encoding="utf-8"?>
+<file path=ppt/slides/slide16.xml><?xml version="1.0" encoding="utf-8"?>
 <p:sld xmlns:a="http://schemas.openxmlformats.org/drawingml/2006/main" xmlns:r="http://schemas.openxmlformats.org/officeDocument/2006/relationships" xmlns:p="http://schemas.openxmlformats.org/presentationml/2006/main">
   <p:cSld>
     <p:spTree>
@@ -6602,7 +6753,7 @@
 </p:sld>
 </file>
 
-<file path=ppt/slides/slide16.xml><?xml version="1.0" encoding="utf-8"?>
+<file path=ppt/slides/slide17.xml><?xml version="1.0" encoding="utf-8"?>
 <p:sld xmlns:a="http://schemas.openxmlformats.org/drawingml/2006/main" xmlns:r="http://schemas.openxmlformats.org/officeDocument/2006/relationships" xmlns:p="http://schemas.openxmlformats.org/presentationml/2006/main">
   <p:cSld>
     <p:spTree>
@@ -6714,7 +6865,7 @@
 </p:sld>
 </file>
 
-<file path=ppt/slides/slide17.xml><?xml version="1.0" encoding="utf-8"?>
+<file path=ppt/slides/slide18.xml><?xml version="1.0" encoding="utf-8"?>
 <p:sld xmlns:a="http://schemas.openxmlformats.org/drawingml/2006/main" xmlns:r="http://schemas.openxmlformats.org/officeDocument/2006/relationships" xmlns:p="http://schemas.openxmlformats.org/presentationml/2006/main">
   <p:cSld>
     <p:spTree>
@@ -6873,7 +7024,197 @@
 </p:sld>
 </file>
 
-<file path=ppt/slides/slide18.xml><?xml version="1.0" encoding="utf-8"?>
+<file path=ppt/slides/slide19.xml><?xml version="1.0" encoding="utf-8"?>
+<p:sld xmlns:a="http://schemas.openxmlformats.org/drawingml/2006/main" xmlns:r="http://schemas.openxmlformats.org/officeDocument/2006/relationships" xmlns:p="http://schemas.openxmlformats.org/presentationml/2006/main">
+  <p:cSld>
+    <p:spTree>
+      <p:nvGrpSpPr>
+        <p:cNvPr id="1" name=""/>
+        <p:cNvGrpSpPr/>
+        <p:nvPr/>
+      </p:nvGrpSpPr>
+      <p:grpSpPr>
+        <a:xfrm>
+          <a:off x="0" y="0"/>
+          <a:ext cx="0" cy="0"/>
+          <a:chOff x="0" y="0"/>
+          <a:chExt cx="0" cy="0"/>
+        </a:xfrm>
+      </p:grpSpPr>
+      <p:sp>
+        <p:nvSpPr>
+          <p:cNvPr id="2" name="Title 1">
+            <a:extLst>
+              <a:ext uri="{FF2B5EF4-FFF2-40B4-BE49-F238E27FC236}">
+                <a16:creationId xmlns:a16="http://schemas.microsoft.com/office/drawing/2014/main" id="{A78569C3-64D1-FD4F-8923-A6384A9C5CB0}"/>
+              </a:ext>
+            </a:extLst>
+          </p:cNvPr>
+          <p:cNvSpPr>
+            <a:spLocks noGrp="1"/>
+          </p:cNvSpPr>
+          <p:nvPr>
+            <p:ph type="title"/>
+          </p:nvPr>
+        </p:nvSpPr>
+        <p:spPr/>
+        <p:txBody>
+          <a:bodyPr/>
+          <a:lstStyle/>
+          <a:p>
+            <a:r>
+              <a:rPr lang="en-VN"/>
+              <a:t>Trình tự thực hiện DI bên trong Spring Boot</a:t>
+            </a:r>
+          </a:p>
+        </p:txBody>
+      </p:sp>
+      <p:sp>
+        <p:nvSpPr>
+          <p:cNvPr id="3" name="Text Placeholder 2">
+            <a:extLst>
+              <a:ext uri="{FF2B5EF4-FFF2-40B4-BE49-F238E27FC236}">
+                <a16:creationId xmlns:a16="http://schemas.microsoft.com/office/drawing/2014/main" id="{41F34A62-414A-B949-AC57-49649ACA091B}"/>
+              </a:ext>
+            </a:extLst>
+          </p:cNvPr>
+          <p:cNvSpPr>
+            <a:spLocks noGrp="1"/>
+          </p:cNvSpPr>
+          <p:nvPr>
+            <p:ph type="body" idx="1"/>
+          </p:nvPr>
+        </p:nvSpPr>
+        <p:spPr/>
+        <p:txBody>
+          <a:bodyPr/>
+          <a:lstStyle/>
+          <a:p>
+            <a:pPr>
+              <a:buFont typeface="+mj-lt"/>
+              <a:buAutoNum type="arabicPeriod"/>
+            </a:pPr>
+            <a:r>
+              <a:rPr lang="en-VN"/>
+              <a:t>Quét tất cả các class trong file *.class trong class</a:t>
+            </a:r>
+          </a:p>
+          <a:p>
+            <a:pPr>
+              <a:buFont typeface="+mj-lt"/>
+              <a:buAutoNum type="arabicPeriod"/>
+            </a:pPr>
+            <a:r>
+              <a:rPr lang="en-VN"/>
+              <a:t>Chọn ra những class được đánh dấu bởi annotation @Component hoặc biến thể của @Component hoặc các kiểu trả về từ hàm đánh dấu bởi @Bean</a:t>
+            </a:r>
+          </a:p>
+          <a:p>
+            <a:pPr>
+              <a:buFont typeface="+mj-lt"/>
+              <a:buAutoNum type="arabicPeriod"/>
+            </a:pPr>
+            <a:r>
+              <a:rPr lang="en-VN"/>
+              <a:t>Quét tiếp các annotation @Autowired, @DependensOn, @Primary, @Scope, @Lazy…để xây dựng thứ tự tạo đối tượng và lắp ghép (inject) chúng theo thứ tự hợp lý</a:t>
+            </a:r>
+          </a:p>
+          <a:p>
+            <a:pPr>
+              <a:buFont typeface="+mj-lt"/>
+              <a:buAutoNum type="arabicPeriod"/>
+            </a:pPr>
+            <a:r>
+              <a:rPr lang="en-VN"/>
+              <a:t>Kết thúc quá trình DI với các singleton component</a:t>
+            </a:r>
+          </a:p>
+          <a:p>
+            <a:pPr>
+              <a:buFont typeface="+mj-lt"/>
+              <a:buAutoNum type="arabicPeriod"/>
+            </a:pPr>
+            <a:r>
+              <a:rPr lang="en-VN"/>
+              <a:t>Quá trình tạo, lắp ghép đối tượng instant (non singleton) sẽ thực thi khi cần.</a:t>
+            </a:r>
+          </a:p>
+        </p:txBody>
+      </p:sp>
+    </p:spTree>
+    <p:extLst>
+      <p:ext uri="{BB962C8B-B14F-4D97-AF65-F5344CB8AC3E}">
+        <p14:creationId xmlns:p14="http://schemas.microsoft.com/office/powerpoint/2010/main" val="2695056517"/>
+      </p:ext>
+    </p:extLst>
+  </p:cSld>
+  <p:clrMapOvr>
+    <a:masterClrMapping/>
+  </p:clrMapOvr>
+</p:sld>
+</file>
+
+<file path=ppt/slides/slide2.xml><?xml version="1.0" encoding="utf-8"?>
+<p:sld xmlns:a="http://schemas.openxmlformats.org/drawingml/2006/main" xmlns:r="http://schemas.openxmlformats.org/officeDocument/2006/relationships" xmlns:p="http://schemas.openxmlformats.org/presentationml/2006/main">
+  <p:cSld>
+    <p:spTree>
+      <p:nvGrpSpPr>
+        <p:cNvPr id="1" name=""/>
+        <p:cNvGrpSpPr/>
+        <p:nvPr/>
+      </p:nvGrpSpPr>
+      <p:grpSpPr>
+        <a:xfrm>
+          <a:off x="0" y="0"/>
+          <a:ext cx="0" cy="0"/>
+          <a:chOff x="0" y="0"/>
+          <a:chExt cx="0" cy="0"/>
+        </a:xfrm>
+      </p:grpSpPr>
+      <p:pic>
+        <p:nvPicPr>
+          <p:cNvPr id="2" name="Picture 1">
+            <a:extLst>
+              <a:ext uri="{FF2B5EF4-FFF2-40B4-BE49-F238E27FC236}">
+                <a16:creationId xmlns:a16="http://schemas.microsoft.com/office/drawing/2014/main" id="{13F67D81-FBC6-604F-ADFF-86A3D79693AF}"/>
+              </a:ext>
+            </a:extLst>
+          </p:cNvPr>
+          <p:cNvPicPr>
+            <a:picLocks noChangeAspect="1"/>
+          </p:cNvPicPr>
+          <p:nvPr/>
+        </p:nvPicPr>
+        <p:blipFill>
+          <a:blip r:embed="rId2"/>
+          <a:stretch>
+            <a:fillRect/>
+          </a:stretch>
+        </p:blipFill>
+        <p:spPr>
+          <a:xfrm>
+            <a:off x="622171" y="0"/>
+            <a:ext cx="7899658" cy="5143500"/>
+          </a:xfrm>
+          <a:prstGeom prst="rect">
+            <a:avLst/>
+          </a:prstGeom>
+        </p:spPr>
+      </p:pic>
+    </p:spTree>
+    <p:extLst>
+      <p:ext uri="{BB962C8B-B14F-4D97-AF65-F5344CB8AC3E}">
+        <p14:creationId xmlns:p14="http://schemas.microsoft.com/office/powerpoint/2010/main" val="1134278561"/>
+      </p:ext>
+    </p:extLst>
+  </p:cSld>
+  <p:clrMapOvr>
+    <a:masterClrMapping/>
+  </p:clrMapOvr>
+</p:sld>
+</file>
+
+<file path=ppt/slides/slide20.xml><?xml version="1.0" encoding="utf-8"?>
 <p:sld xmlns:a="http://schemas.openxmlformats.org/drawingml/2006/main" xmlns:r="http://schemas.openxmlformats.org/officeDocument/2006/relationships" xmlns:p="http://schemas.openxmlformats.org/presentationml/2006/main">
   <p:cSld>
     <p:spTree>
@@ -7838,7 +8179,7 @@
 </p:sld>
 </file>
 
-<file path=ppt/slides/slide19.xml><?xml version="1.0" encoding="utf-8"?>
+<file path=ppt/slides/slide21.xml><?xml version="1.0" encoding="utf-8"?>
 <p:sld xmlns:a="http://schemas.openxmlformats.org/drawingml/2006/main" xmlns:r="http://schemas.openxmlformats.org/officeDocument/2006/relationships" xmlns:p="http://schemas.openxmlformats.org/presentationml/2006/main">
   <p:cSld>
     <p:spTree>
@@ -7896,121 +8237,7 @@
 </p:sld>
 </file>
 
-<file path=ppt/slides/slide2.xml><?xml version="1.0" encoding="utf-8"?>
-<p:sld xmlns:a="http://schemas.openxmlformats.org/drawingml/2006/main" xmlns:r="http://schemas.openxmlformats.org/officeDocument/2006/relationships" xmlns:p="http://schemas.openxmlformats.org/presentationml/2006/main">
-  <p:cSld>
-    <p:spTree>
-      <p:nvGrpSpPr>
-        <p:cNvPr id="1" name=""/>
-        <p:cNvGrpSpPr/>
-        <p:nvPr/>
-      </p:nvGrpSpPr>
-      <p:grpSpPr>
-        <a:xfrm>
-          <a:off x="0" y="0"/>
-          <a:ext cx="0" cy="0"/>
-          <a:chOff x="0" y="0"/>
-          <a:chExt cx="0" cy="0"/>
-        </a:xfrm>
-      </p:grpSpPr>
-      <p:sp>
-        <p:nvSpPr>
-          <p:cNvPr id="2" name="Title 1">
-            <a:extLst>
-              <a:ext uri="{FF2B5EF4-FFF2-40B4-BE49-F238E27FC236}">
-                <a16:creationId xmlns:a16="http://schemas.microsoft.com/office/drawing/2014/main" id="{5DCBC548-50DA-1A4C-B710-70A02FD0A664}"/>
-              </a:ext>
-            </a:extLst>
-          </p:cNvPr>
-          <p:cNvSpPr>
-            <a:spLocks noGrp="1"/>
-          </p:cNvSpPr>
-          <p:nvPr>
-            <p:ph type="title"/>
-          </p:nvPr>
-        </p:nvSpPr>
-        <p:spPr/>
-        <p:txBody>
-          <a:bodyPr/>
-          <a:lstStyle/>
-          <a:p>
-            <a:r>
-              <a:rPr lang="en-VN"/>
-              <a:t>Dependency Injection ~ Tiêm sự phụ thuộc</a:t>
-            </a:r>
-          </a:p>
-        </p:txBody>
-      </p:sp>
-      <p:sp>
-        <p:nvSpPr>
-          <p:cNvPr id="3" name="Text Placeholder 2">
-            <a:extLst>
-              <a:ext uri="{FF2B5EF4-FFF2-40B4-BE49-F238E27FC236}">
-                <a16:creationId xmlns:a16="http://schemas.microsoft.com/office/drawing/2014/main" id="{52B41B33-A6C1-4D4C-9934-4685F28E13D6}"/>
-              </a:ext>
-            </a:extLst>
-          </p:cNvPr>
-          <p:cNvSpPr>
-            <a:spLocks noGrp="1"/>
-          </p:cNvSpPr>
-          <p:nvPr>
-            <p:ph type="body" idx="1"/>
-          </p:nvPr>
-        </p:nvSpPr>
-        <p:spPr/>
-        <p:txBody>
-          <a:bodyPr/>
-          <a:lstStyle/>
-          <a:p>
-            <a:r>
-              <a:rPr lang="en-VN"/>
-              <a:t>Dependency Injection có thể hiểu theo cách dễ hơn:</a:t>
-            </a:r>
-          </a:p>
-          <a:p>
-            <a:pPr lvl="1"/>
-            <a:r>
-              <a:rPr lang="en-VN"/>
-              <a:t>Configurable Dependency</a:t>
-            </a:r>
-          </a:p>
-          <a:p>
-            <a:pPr lvl="1"/>
-            <a:r>
-              <a:rPr lang="en-VN"/>
-              <a:t>Dynamic Dependency</a:t>
-            </a:r>
-          </a:p>
-          <a:p>
-            <a:pPr lvl="1"/>
-            <a:r>
-              <a:rPr lang="en-VN"/>
-              <a:t>Auto configurable Dependency</a:t>
-            </a:r>
-          </a:p>
-          <a:p>
-            <a:pPr lvl="1"/>
-            <a:r>
-              <a:rPr lang="en-VN"/>
-              <a:t>Resolvable Dependency</a:t>
-            </a:r>
-          </a:p>
-        </p:txBody>
-      </p:sp>
-    </p:spTree>
-    <p:extLst>
-      <p:ext uri="{BB962C8B-B14F-4D97-AF65-F5344CB8AC3E}">
-        <p14:creationId xmlns:p14="http://schemas.microsoft.com/office/powerpoint/2010/main" val="3481705799"/>
-      </p:ext>
-    </p:extLst>
-  </p:cSld>
-  <p:clrMapOvr>
-    <a:masterClrMapping/>
-  </p:clrMapOvr>
-</p:sld>
-</file>
-
-<file path=ppt/slides/slide20.xml><?xml version="1.0" encoding="utf-8"?>
+<file path=ppt/slides/slide22.xml><?xml version="1.0" encoding="utf-8"?>
 <p:sld xmlns:a="http://schemas.openxmlformats.org/drawingml/2006/main" xmlns:r="http://schemas.openxmlformats.org/officeDocument/2006/relationships" xmlns:p="http://schemas.openxmlformats.org/presentationml/2006/main">
   <p:cSld>
     <p:spTree>
@@ -8120,7 +8347,7 @@
 </p:sld>
 </file>
 
-<file path=ppt/slides/slide21.xml><?xml version="1.0" encoding="utf-8"?>
+<file path=ppt/slides/slide23.xml><?xml version="1.0" encoding="utf-8"?>
 <p:sld xmlns:a="http://schemas.openxmlformats.org/drawingml/2006/main" xmlns:r="http://schemas.openxmlformats.org/officeDocument/2006/relationships" xmlns:p="http://schemas.openxmlformats.org/presentationml/2006/main">
   <p:cSld>
     <p:spTree>
@@ -8206,7 +8433,25 @@
             </a:pPr>
             <a:r>
               <a:rPr lang="en-VN"/>
-              <a:t>Các thuộc tính chỉ khai báo kiểu interface chứ </a:t>
+              <a:t>Các thuộc tính chỉ khai báo kiểu interface chứ không phải class cụ thể.</a:t>
+            </a:r>
+          </a:p>
+          <a:p>
+            <a:pPr marL="114300" indent="0">
+              <a:buNone/>
+            </a:pPr>
+            <a:r>
+              <a:rPr lang="en-VN"/>
+              <a:t>@Autowire của Spring Boot</a:t>
+            </a:r>
+          </a:p>
+          <a:p>
+            <a:pPr marL="114300" indent="0">
+              <a:buNone/>
+            </a:pPr>
+            <a:r>
+              <a:rPr lang="en-VN"/>
+              <a:t>@Inject là annotation có từ Java EE </a:t>
             </a:r>
           </a:p>
           <a:p>
@@ -8230,7 +8475,7 @@
 </p:sld>
 </file>
 
-<file path=ppt/slides/slide22.xml><?xml version="1.0" encoding="utf-8"?>
+<file path=ppt/slides/slide24.xml><?xml version="1.0" encoding="utf-8"?>
 <p:sld xmlns:a="http://schemas.openxmlformats.org/drawingml/2006/main" xmlns:r="http://schemas.openxmlformats.org/officeDocument/2006/relationships" xmlns:p="http://schemas.openxmlformats.org/presentationml/2006/main">
   <p:cSld>
     <p:spTree>
@@ -8325,7 +8570,7 @@
 </p:sld>
 </file>
 
-<file path=ppt/slides/slide23.xml><?xml version="1.0" encoding="utf-8"?>
+<file path=ppt/slides/slide25.xml><?xml version="1.0" encoding="utf-8"?>
 <p:sld xmlns:a="http://schemas.openxmlformats.org/drawingml/2006/main" xmlns:r="http://schemas.openxmlformats.org/officeDocument/2006/relationships" xmlns:p="http://schemas.openxmlformats.org/presentationml/2006/main">
   <p:cSld>
     <p:spTree>
@@ -10009,7 +10254,124 @@
 </p:sld>
 </file>
 
-<file path=ppt/slides/slide24.xml><?xml version="1.0" encoding="utf-8"?>
+<file path=ppt/slides/slide26.xml><?xml version="1.0" encoding="utf-8"?>
+<p:sld xmlns:a="http://schemas.openxmlformats.org/drawingml/2006/main" xmlns:r="http://schemas.openxmlformats.org/officeDocument/2006/relationships" xmlns:p="http://schemas.openxmlformats.org/presentationml/2006/main">
+  <p:cSld>
+    <p:spTree>
+      <p:nvGrpSpPr>
+        <p:cNvPr id="1" name=""/>
+        <p:cNvGrpSpPr/>
+        <p:nvPr/>
+      </p:nvGrpSpPr>
+      <p:grpSpPr>
+        <a:xfrm>
+          <a:off x="0" y="0"/>
+          <a:ext cx="0" cy="0"/>
+          <a:chOff x="0" y="0"/>
+          <a:chExt cx="0" cy="0"/>
+        </a:xfrm>
+      </p:grpSpPr>
+      <p:sp>
+        <p:nvSpPr>
+          <p:cNvPr id="2" name="Title 1">
+            <a:extLst>
+              <a:ext uri="{FF2B5EF4-FFF2-40B4-BE49-F238E27FC236}">
+                <a16:creationId xmlns:a16="http://schemas.microsoft.com/office/drawing/2014/main" id="{31CBA00E-0947-6942-8AD9-18A733301ADD}"/>
+              </a:ext>
+            </a:extLst>
+          </p:cNvPr>
+          <p:cNvSpPr>
+            <a:spLocks noGrp="1"/>
+          </p:cNvSpPr>
+          <p:nvPr>
+            <p:ph type="title"/>
+          </p:nvPr>
+        </p:nvSpPr>
+        <p:spPr/>
+        <p:txBody>
+          <a:bodyPr/>
+          <a:lstStyle/>
+          <a:p>
+            <a:r>
+              <a:rPr lang="en-VN"/>
+              <a:t>@Primary vs @Qualifier</a:t>
+            </a:r>
+          </a:p>
+        </p:txBody>
+      </p:sp>
+      <p:sp>
+        <p:nvSpPr>
+          <p:cNvPr id="3" name="Text Placeholder 2">
+            <a:extLst>
+              <a:ext uri="{FF2B5EF4-FFF2-40B4-BE49-F238E27FC236}">
+                <a16:creationId xmlns:a16="http://schemas.microsoft.com/office/drawing/2014/main" id="{F28D10D1-D092-084C-9BB1-A67AD4851BC2}"/>
+              </a:ext>
+            </a:extLst>
+          </p:cNvPr>
+          <p:cNvSpPr>
+            <a:spLocks noGrp="1"/>
+          </p:cNvSpPr>
+          <p:nvPr>
+            <p:ph type="body" idx="1"/>
+          </p:nvPr>
+        </p:nvSpPr>
+        <p:spPr/>
+        <p:txBody>
+          <a:bodyPr/>
+          <a:lstStyle/>
+          <a:p>
+            <a:pPr marL="114300" indent="0">
+              <a:buNone/>
+            </a:pPr>
+            <a:r>
+              <a:rPr lang="en-VN"/>
+              <a:t>Khi có nhiều hơn 1 Component cùng kiểu, Spring Boot sẽ không biết chọn Component nào để lắp ghép. Có 2 annotation giúp Spring Boot chọn component phù hợp</a:t>
+            </a:r>
+          </a:p>
+          <a:p>
+            <a:r>
+              <a:rPr lang="en-VN">
+                <a:solidFill>
+                  <a:srgbClr val="7030A0"/>
+                </a:solidFill>
+              </a:rPr>
+              <a:t>@Primary </a:t>
+            </a:r>
+            <a:r>
+              <a:rPr lang="en-VN"/>
+              <a:t>đánh dấu tại Component cần ưu tiên</a:t>
+            </a:r>
+          </a:p>
+          <a:p>
+            <a:r>
+              <a:rPr lang="en-VN">
+                <a:solidFill>
+                  <a:srgbClr val="7030A0"/>
+                </a:solidFill>
+              </a:rPr>
+              <a:t>@Qualifier </a:t>
+            </a:r>
+            <a:r>
+              <a:rPr lang="en-VN"/>
+              <a:t>chọn Component theo tên tại điểm lắp ghép. @Qualifier sẽ linh hoạt hơn khi ở mỗi điểm khác nhau, bạn cần chọn component khác nhau để lắp ghép.</a:t>
+            </a:r>
+          </a:p>
+        </p:txBody>
+      </p:sp>
+    </p:spTree>
+    <p:extLst>
+      <p:ext uri="{BB962C8B-B14F-4D97-AF65-F5344CB8AC3E}">
+        <p14:creationId xmlns:p14="http://schemas.microsoft.com/office/powerpoint/2010/main" val="2406167952"/>
+      </p:ext>
+    </p:extLst>
+  </p:cSld>
+  <p:clrMapOvr>
+    <a:masterClrMapping/>
+  </p:clrMapOvr>
+</p:sld>
+</file>
+
+<file path=ppt/slides/slide27.xml><?xml version="1.0" encoding="utf-8"?>
 <p:sld xmlns:a="http://schemas.openxmlformats.org/drawingml/2006/main" xmlns:r="http://schemas.openxmlformats.org/officeDocument/2006/relationships" xmlns:p="http://schemas.openxmlformats.org/presentationml/2006/main">
   <p:cSld>
     <p:spTree>
@@ -10049,7 +10411,7 @@
           <a:p>
             <a:r>
               <a:rPr lang="en-VN"/>
-              <a:t>@DependsOn mô tả sự phụ thuộc thứ tự khởi tạo giữa các bean</a:t>
+              <a:t>@DependsOn xác định phụ thuộc Component A với Component B</a:t>
             </a:r>
           </a:p>
         </p:txBody>
@@ -10068,7 +10430,7 @@
         </p:nvSpPr>
         <p:spPr>
           <a:xfrm>
-            <a:off x="1069318" y="1649841"/>
+            <a:off x="1091989" y="1181306"/>
             <a:ext cx="7485233" cy="2431691"/>
           </a:xfrm>
           <a:prstGeom prst="rect">
@@ -10659,6 +11021,71 @@
               <a:ea typeface="Calibri" panose="020F0502020204030204" pitchFamily="34" charset="0"/>
               <a:cs typeface="Times New Roman" panose="02020603050405020304" pitchFamily="18" charset="0"/>
             </a:endParaRPr>
+          </a:p>
+        </p:txBody>
+      </p:sp>
+      <p:sp>
+        <p:nvSpPr>
+          <p:cNvPr id="3" name="TextBox 2">
+            <a:extLst>
+              <a:ext uri="{FF2B5EF4-FFF2-40B4-BE49-F238E27FC236}">
+                <a16:creationId xmlns:a16="http://schemas.microsoft.com/office/drawing/2014/main" id="{E14FE10B-80DB-9741-920B-1135CF702557}"/>
+              </a:ext>
+            </a:extLst>
+          </p:cNvPr>
+          <p:cNvSpPr txBox="1"/>
+          <p:nvPr/>
+        </p:nvSpPr>
+        <p:spPr>
+          <a:xfrm>
+            <a:off x="272053" y="4156364"/>
+            <a:ext cx="9065302" cy="523220"/>
+          </a:xfrm>
+          <a:prstGeom prst="rect">
+            <a:avLst/>
+          </a:prstGeom>
+          <a:noFill/>
+        </p:spPr>
+        <p:txBody>
+          <a:bodyPr wrap="none" rtlCol="0">
+            <a:spAutoFit/>
+          </a:bodyPr>
+          <a:lstStyle/>
+          <a:p>
+            <a:r>
+              <a:rPr lang="en-VN"/>
+              <a:t>Khi có </a:t>
+            </a:r>
+            <a:r>
+              <a:rPr lang="en-US">
+                <a:latin typeface="RobotoMono Nerd Font" pitchFamily="2" charset="0"/>
+                <a:ea typeface="RobotoMono Nerd Font" pitchFamily="2" charset="0"/>
+              </a:rPr>
+              <a:t>@DependsOn({"powersupply"}) </a:t>
+            </a:r>
+            <a:r>
+              <a:rPr lang="en-US"/>
+              <a:t>thì PowerSupply sẽ được khởi tạo trước sau đó mới đến Computer</a:t>
+            </a:r>
+            <a:br>
+              <a:rPr lang="en-US"/>
+            </a:br>
+            <a:r>
+              <a:rPr lang="en-US"/>
+              <a:t>Ngược lại nếu bỏ </a:t>
+            </a:r>
+            <a:r>
+              <a:rPr lang="en-US">
+                <a:latin typeface="RobotoMono Nerd Font" pitchFamily="2" charset="0"/>
+                <a:ea typeface="RobotoMono Nerd Font" pitchFamily="2" charset="0"/>
+              </a:rPr>
+              <a:t>@DependsOn </a:t>
+            </a:r>
+            <a:r>
+              <a:rPr lang="en-US"/>
+              <a:t>thì Computer khởi tạo trước rồi mới đến PowerSupply</a:t>
+            </a:r>
+            <a:endParaRPr lang="en-VN"/>
           </a:p>
         </p:txBody>
       </p:sp>
@@ -10675,7 +11102,7 @@
 </p:sld>
 </file>
 
-<file path=ppt/slides/slide25.xml><?xml version="1.0" encoding="utf-8"?>
+<file path=ppt/slides/slide28.xml><?xml version="1.0" encoding="utf-8"?>
 <p:sld xmlns:a="http://schemas.openxmlformats.org/drawingml/2006/main" xmlns:r="http://schemas.openxmlformats.org/officeDocument/2006/relationships" xmlns:p="http://schemas.openxmlformats.org/presentationml/2006/main">
   <p:cSld>
     <p:spTree>
@@ -10694,10 +11121,10 @@
       </p:grpSpPr>
       <p:sp>
         <p:nvSpPr>
-          <p:cNvPr id="3" name="Title 2">
+          <p:cNvPr id="2" name="Title 1">
             <a:extLst>
               <a:ext uri="{FF2B5EF4-FFF2-40B4-BE49-F238E27FC236}">
-                <a16:creationId xmlns:a16="http://schemas.microsoft.com/office/drawing/2014/main" id="{5D5A686E-212C-A14A-AA90-3A6A87B030A2}"/>
+                <a16:creationId xmlns:a16="http://schemas.microsoft.com/office/drawing/2014/main" id="{81721E2D-7376-DA4A-9A27-6988F39D1F01}"/>
               </a:ext>
             </a:extLst>
           </p:cNvPr>
@@ -10715,17 +11142,2455 @@
           <a:p>
             <a:r>
               <a:rPr lang="en-VN"/>
-              <a:t>Q&amp;A</a:t>
+              <a:t>Collection injection</a:t>
             </a:r>
           </a:p>
         </p:txBody>
       </p:sp>
       <p:sp>
         <p:nvSpPr>
-          <p:cNvPr id="4" name="Text Placeholder 3">
+          <p:cNvPr id="4" name="Rectangle 3">
             <a:extLst>
               <a:ext uri="{FF2B5EF4-FFF2-40B4-BE49-F238E27FC236}">
-                <a16:creationId xmlns:a16="http://schemas.microsoft.com/office/drawing/2014/main" id="{4801E8E1-34BF-EE48-900B-25C0B52827E0}"/>
+                <a16:creationId xmlns:a16="http://schemas.microsoft.com/office/drawing/2014/main" id="{2048EB02-97B2-654F-9A83-B68F06DAF54E}"/>
+              </a:ext>
+            </a:extLst>
+          </p:cNvPr>
+          <p:cNvSpPr/>
+          <p:nvPr/>
+        </p:nvSpPr>
+        <p:spPr>
+          <a:xfrm>
+            <a:off x="200259" y="723165"/>
+            <a:ext cx="8709473" cy="523220"/>
+          </a:xfrm>
+          <a:prstGeom prst="rect">
+            <a:avLst/>
+          </a:prstGeom>
+          <a:solidFill>
+            <a:schemeClr val="bg2"/>
+          </a:solidFill>
+        </p:spPr>
+        <p:txBody>
+          <a:bodyPr wrap="square">
+            <a:spAutoFit/>
+          </a:bodyPr>
+          <a:lstStyle/>
+          <a:p>
+            <a:r>
+              <a:rPr lang="en-VN">
+                <a:solidFill>
+                  <a:srgbClr val="D4D4D4"/>
+                </a:solidFill>
+                <a:latin typeface="RobotoMono Nerd Font" pitchFamily="2" charset="0"/>
+                <a:ea typeface="Times New Roman" panose="02020603050405020304" pitchFamily="18" charset="0"/>
+                <a:cs typeface="Times New Roman" panose="02020603050405020304" pitchFamily="18" charset="0"/>
+              </a:rPr>
+              <a:t>@</a:t>
+            </a:r>
+            <a:r>
+              <a:rPr lang="en-VN">
+                <a:solidFill>
+                  <a:srgbClr val="4EC9B0"/>
+                </a:solidFill>
+                <a:latin typeface="RobotoMono Nerd Font" pitchFamily="2" charset="0"/>
+                <a:ea typeface="Times New Roman" panose="02020603050405020304" pitchFamily="18" charset="0"/>
+                <a:cs typeface="Times New Roman" panose="02020603050405020304" pitchFamily="18" charset="0"/>
+              </a:rPr>
+              <a:t>Autowired</a:t>
+            </a:r>
+            <a:r>
+              <a:rPr lang="en-VN">
+                <a:solidFill>
+                  <a:srgbClr val="D4D4D4"/>
+                </a:solidFill>
+                <a:latin typeface="RobotoMono Nerd Font" pitchFamily="2" charset="0"/>
+                <a:ea typeface="Times New Roman" panose="02020603050405020304" pitchFamily="18" charset="0"/>
+                <a:cs typeface="Times New Roman" panose="02020603050405020304" pitchFamily="18" charset="0"/>
+              </a:rPr>
+              <a:t> </a:t>
+            </a:r>
+            <a:r>
+              <a:rPr lang="en-VN">
+                <a:solidFill>
+                  <a:srgbClr val="569CD6"/>
+                </a:solidFill>
+                <a:latin typeface="RobotoMono Nerd Font" pitchFamily="2" charset="0"/>
+                <a:ea typeface="Times New Roman" panose="02020603050405020304" pitchFamily="18" charset="0"/>
+                <a:cs typeface="Times New Roman" panose="02020603050405020304" pitchFamily="18" charset="0"/>
+              </a:rPr>
+              <a:t>private</a:t>
+            </a:r>
+            <a:r>
+              <a:rPr lang="en-VN">
+                <a:solidFill>
+                  <a:srgbClr val="D4D4D4"/>
+                </a:solidFill>
+                <a:latin typeface="RobotoMono Nerd Font" pitchFamily="2" charset="0"/>
+                <a:ea typeface="Times New Roman" panose="02020603050405020304" pitchFamily="18" charset="0"/>
+                <a:cs typeface="Times New Roman" panose="02020603050405020304" pitchFamily="18" charset="0"/>
+              </a:rPr>
+              <a:t> </a:t>
+            </a:r>
+            <a:r>
+              <a:rPr lang="en-VN">
+                <a:solidFill>
+                  <a:srgbClr val="4EC9B0"/>
+                </a:solidFill>
+                <a:latin typeface="RobotoMono Nerd Font" pitchFamily="2" charset="0"/>
+                <a:ea typeface="Times New Roman" panose="02020603050405020304" pitchFamily="18" charset="0"/>
+                <a:cs typeface="Times New Roman" panose="02020603050405020304" pitchFamily="18" charset="0"/>
+              </a:rPr>
+              <a:t>List</a:t>
+            </a:r>
+            <a:r>
+              <a:rPr lang="en-VN">
+                <a:solidFill>
+                  <a:srgbClr val="D4D4D4"/>
+                </a:solidFill>
+                <a:latin typeface="RobotoMono Nerd Font" pitchFamily="2" charset="0"/>
+                <a:ea typeface="Times New Roman" panose="02020603050405020304" pitchFamily="18" charset="0"/>
+                <a:cs typeface="Times New Roman" panose="02020603050405020304" pitchFamily="18" charset="0"/>
+              </a:rPr>
+              <a:t>&lt;</a:t>
+            </a:r>
+            <a:r>
+              <a:rPr lang="en-VN">
+                <a:solidFill>
+                  <a:srgbClr val="4EC9B0"/>
+                </a:solidFill>
+                <a:latin typeface="RobotoMono Nerd Font" pitchFamily="2" charset="0"/>
+                <a:ea typeface="Times New Roman" panose="02020603050405020304" pitchFamily="18" charset="0"/>
+                <a:cs typeface="Times New Roman" panose="02020603050405020304" pitchFamily="18" charset="0"/>
+              </a:rPr>
+              <a:t>USB</a:t>
+            </a:r>
+            <a:r>
+              <a:rPr lang="en-VN">
+                <a:solidFill>
+                  <a:srgbClr val="D4D4D4"/>
+                </a:solidFill>
+                <a:latin typeface="RobotoMono Nerd Font" pitchFamily="2" charset="0"/>
+                <a:ea typeface="Times New Roman" panose="02020603050405020304" pitchFamily="18" charset="0"/>
+                <a:cs typeface="Times New Roman" panose="02020603050405020304" pitchFamily="18" charset="0"/>
+              </a:rPr>
+              <a:t>&gt; </a:t>
+            </a:r>
+            <a:r>
+              <a:rPr lang="en-VN">
+                <a:solidFill>
+                  <a:srgbClr val="9CDCFE"/>
+                </a:solidFill>
+                <a:latin typeface="RobotoMono Nerd Font" pitchFamily="2" charset="0"/>
+                <a:ea typeface="Times New Roman" panose="02020603050405020304" pitchFamily="18" charset="0"/>
+                <a:cs typeface="Times New Roman" panose="02020603050405020304" pitchFamily="18" charset="0"/>
+              </a:rPr>
+              <a:t>usbDevices2</a:t>
+            </a:r>
+            <a:r>
+              <a:rPr lang="en-VN">
+                <a:solidFill>
+                  <a:srgbClr val="D4D4D4"/>
+                </a:solidFill>
+                <a:latin typeface="RobotoMono Nerd Font" pitchFamily="2" charset="0"/>
+                <a:ea typeface="Times New Roman" panose="02020603050405020304" pitchFamily="18" charset="0"/>
+                <a:cs typeface="Times New Roman" panose="02020603050405020304" pitchFamily="18" charset="0"/>
+              </a:rPr>
+              <a:t>;  </a:t>
+            </a:r>
+            <a:r>
+              <a:rPr lang="en-VN">
+                <a:solidFill>
+                  <a:srgbClr val="6A9955"/>
+                </a:solidFill>
+                <a:latin typeface="RobotoMono Nerd Font" pitchFamily="2" charset="0"/>
+                <a:ea typeface="Times New Roman" panose="02020603050405020304" pitchFamily="18" charset="0"/>
+                <a:cs typeface="Times New Roman" panose="02020603050405020304" pitchFamily="18" charset="0"/>
+              </a:rPr>
+              <a:t>//Collection inject: tự động quét tất cả các đối tượng có kiểu USB nạp vào List</a:t>
+            </a:r>
+            <a:r>
+              <a:rPr lang="en-VN">
+                <a:effectLst/>
+              </a:rPr>
+              <a:t> </a:t>
+            </a:r>
+            <a:endParaRPr lang="en-VN"/>
+          </a:p>
+        </p:txBody>
+      </p:sp>
+      <p:sp>
+        <p:nvSpPr>
+          <p:cNvPr id="5" name="Rectangle 4">
+            <a:extLst>
+              <a:ext uri="{FF2B5EF4-FFF2-40B4-BE49-F238E27FC236}">
+                <a16:creationId xmlns:a16="http://schemas.microsoft.com/office/drawing/2014/main" id="{DD707A47-6696-A240-A72B-6CA15066E606}"/>
+              </a:ext>
+            </a:extLst>
+          </p:cNvPr>
+          <p:cNvSpPr/>
+          <p:nvPr/>
+        </p:nvSpPr>
+        <p:spPr>
+          <a:xfrm>
+            <a:off x="90686" y="1426335"/>
+            <a:ext cx="3173950" cy="1687193"/>
+          </a:xfrm>
+          <a:prstGeom prst="rect">
+            <a:avLst/>
+          </a:prstGeom>
+          <a:solidFill>
+            <a:schemeClr val="bg2"/>
+          </a:solidFill>
+        </p:spPr>
+        <p:txBody>
+          <a:bodyPr wrap="square">
+            <a:spAutoFit/>
+          </a:bodyPr>
+          <a:lstStyle/>
+          <a:p>
+            <a:pPr>
+              <a:lnSpc>
+                <a:spcPts val="1800"/>
+              </a:lnSpc>
+            </a:pPr>
+            <a:r>
+              <a:rPr lang="en-VN" sz="1100">
+                <a:solidFill>
+                  <a:srgbClr val="D4D4D4"/>
+                </a:solidFill>
+                <a:latin typeface="RobotoMono Nerd Font" pitchFamily="2" charset="0"/>
+                <a:ea typeface="Times New Roman" panose="02020603050405020304" pitchFamily="18" charset="0"/>
+                <a:cs typeface="Times New Roman" panose="02020603050405020304" pitchFamily="18" charset="0"/>
+              </a:rPr>
+              <a:t>@</a:t>
+            </a:r>
+            <a:r>
+              <a:rPr lang="en-VN" sz="1100">
+                <a:solidFill>
+                  <a:srgbClr val="4EC9B0"/>
+                </a:solidFill>
+                <a:latin typeface="RobotoMono Nerd Font" pitchFamily="2" charset="0"/>
+                <a:ea typeface="Times New Roman" panose="02020603050405020304" pitchFamily="18" charset="0"/>
+                <a:cs typeface="Times New Roman" panose="02020603050405020304" pitchFamily="18" charset="0"/>
+              </a:rPr>
+              <a:t>Component</a:t>
+            </a:r>
+            <a:r>
+              <a:rPr lang="en-VN" sz="1100">
+                <a:solidFill>
+                  <a:srgbClr val="D4D4D4"/>
+                </a:solidFill>
+                <a:latin typeface="RobotoMono Nerd Font" pitchFamily="2" charset="0"/>
+                <a:ea typeface="Times New Roman" panose="02020603050405020304" pitchFamily="18" charset="0"/>
+                <a:cs typeface="Times New Roman" panose="02020603050405020304" pitchFamily="18" charset="0"/>
+              </a:rPr>
+              <a:t>(</a:t>
+            </a:r>
+            <a:r>
+              <a:rPr lang="en-VN" sz="1100">
+                <a:solidFill>
+                  <a:srgbClr val="CE9178"/>
+                </a:solidFill>
+                <a:latin typeface="RobotoMono Nerd Font" pitchFamily="2" charset="0"/>
+                <a:ea typeface="Times New Roman" panose="02020603050405020304" pitchFamily="18" charset="0"/>
+                <a:cs typeface="Times New Roman" panose="02020603050405020304" pitchFamily="18" charset="0"/>
+              </a:rPr>
+              <a:t>"mouse"</a:t>
+            </a:r>
+            <a:r>
+              <a:rPr lang="en-VN" sz="1100">
+                <a:solidFill>
+                  <a:srgbClr val="D4D4D4"/>
+                </a:solidFill>
+                <a:latin typeface="RobotoMono Nerd Font" pitchFamily="2" charset="0"/>
+                <a:ea typeface="Times New Roman" panose="02020603050405020304" pitchFamily="18" charset="0"/>
+                <a:cs typeface="Times New Roman" panose="02020603050405020304" pitchFamily="18" charset="0"/>
+              </a:rPr>
+              <a:t>)</a:t>
+            </a:r>
+            <a:endParaRPr lang="en-VN" sz="1100">
+              <a:latin typeface="Calibri" panose="020F0502020204030204" pitchFamily="34" charset="0"/>
+              <a:ea typeface="Calibri" panose="020F0502020204030204" pitchFamily="34" charset="0"/>
+              <a:cs typeface="Times New Roman" panose="02020603050405020304" pitchFamily="18" charset="0"/>
+            </a:endParaRPr>
+          </a:p>
+          <a:p>
+            <a:pPr>
+              <a:lnSpc>
+                <a:spcPts val="1800"/>
+              </a:lnSpc>
+            </a:pPr>
+            <a:r>
+              <a:rPr lang="en-VN" sz="1100">
+                <a:solidFill>
+                  <a:srgbClr val="D4D4D4"/>
+                </a:solidFill>
+                <a:latin typeface="RobotoMono Nerd Font" pitchFamily="2" charset="0"/>
+                <a:ea typeface="Times New Roman" panose="02020603050405020304" pitchFamily="18" charset="0"/>
+                <a:cs typeface="Times New Roman" panose="02020603050405020304" pitchFamily="18" charset="0"/>
+              </a:rPr>
+              <a:t>@</a:t>
+            </a:r>
+            <a:r>
+              <a:rPr lang="en-VN" sz="1100">
+                <a:solidFill>
+                  <a:srgbClr val="4EC9B0"/>
+                </a:solidFill>
+                <a:latin typeface="RobotoMono Nerd Font" pitchFamily="2" charset="0"/>
+                <a:ea typeface="Times New Roman" panose="02020603050405020304" pitchFamily="18" charset="0"/>
+                <a:cs typeface="Times New Roman" panose="02020603050405020304" pitchFamily="18" charset="0"/>
+              </a:rPr>
+              <a:t>Order</a:t>
+            </a:r>
+            <a:r>
+              <a:rPr lang="en-VN" sz="1100">
+                <a:solidFill>
+                  <a:srgbClr val="D4D4D4"/>
+                </a:solidFill>
+                <a:latin typeface="RobotoMono Nerd Font" pitchFamily="2" charset="0"/>
+                <a:ea typeface="Times New Roman" panose="02020603050405020304" pitchFamily="18" charset="0"/>
+                <a:cs typeface="Times New Roman" panose="02020603050405020304" pitchFamily="18" charset="0"/>
+              </a:rPr>
+              <a:t>(</a:t>
+            </a:r>
+            <a:r>
+              <a:rPr lang="en-VN" sz="1100">
+                <a:solidFill>
+                  <a:srgbClr val="B5CEA8"/>
+                </a:solidFill>
+                <a:latin typeface="RobotoMono Nerd Font" pitchFamily="2" charset="0"/>
+                <a:ea typeface="Times New Roman" panose="02020603050405020304" pitchFamily="18" charset="0"/>
+                <a:cs typeface="Times New Roman" panose="02020603050405020304" pitchFamily="18" charset="0"/>
+              </a:rPr>
+              <a:t>2</a:t>
+            </a:r>
+            <a:r>
+              <a:rPr lang="en-VN" sz="1100">
+                <a:solidFill>
+                  <a:srgbClr val="D4D4D4"/>
+                </a:solidFill>
+                <a:latin typeface="RobotoMono Nerd Font" pitchFamily="2" charset="0"/>
+                <a:ea typeface="Times New Roman" panose="02020603050405020304" pitchFamily="18" charset="0"/>
+                <a:cs typeface="Times New Roman" panose="02020603050405020304" pitchFamily="18" charset="0"/>
+              </a:rPr>
+              <a:t>)</a:t>
+            </a:r>
+            <a:endParaRPr lang="en-VN" sz="1100">
+              <a:latin typeface="Calibri" panose="020F0502020204030204" pitchFamily="34" charset="0"/>
+              <a:ea typeface="Calibri" panose="020F0502020204030204" pitchFamily="34" charset="0"/>
+              <a:cs typeface="Times New Roman" panose="02020603050405020304" pitchFamily="18" charset="0"/>
+            </a:endParaRPr>
+          </a:p>
+          <a:p>
+            <a:pPr>
+              <a:lnSpc>
+                <a:spcPts val="1800"/>
+              </a:lnSpc>
+            </a:pPr>
+            <a:r>
+              <a:rPr lang="en-VN" sz="1100">
+                <a:solidFill>
+                  <a:srgbClr val="569CD6"/>
+                </a:solidFill>
+                <a:latin typeface="RobotoMono Nerd Font" pitchFamily="2" charset="0"/>
+                <a:ea typeface="Times New Roman" panose="02020603050405020304" pitchFamily="18" charset="0"/>
+                <a:cs typeface="Times New Roman" panose="02020603050405020304" pitchFamily="18" charset="0"/>
+              </a:rPr>
+              <a:t>public</a:t>
+            </a:r>
+            <a:r>
+              <a:rPr lang="en-VN" sz="1100">
+                <a:solidFill>
+                  <a:srgbClr val="D4D4D4"/>
+                </a:solidFill>
+                <a:latin typeface="RobotoMono Nerd Font" pitchFamily="2" charset="0"/>
+                <a:ea typeface="Times New Roman" panose="02020603050405020304" pitchFamily="18" charset="0"/>
+                <a:cs typeface="Times New Roman" panose="02020603050405020304" pitchFamily="18" charset="0"/>
+              </a:rPr>
+              <a:t> </a:t>
+            </a:r>
+            <a:r>
+              <a:rPr lang="en-VN" sz="1100">
+                <a:solidFill>
+                  <a:srgbClr val="569CD6"/>
+                </a:solidFill>
+                <a:latin typeface="RobotoMono Nerd Font" pitchFamily="2" charset="0"/>
+                <a:ea typeface="Times New Roman" panose="02020603050405020304" pitchFamily="18" charset="0"/>
+                <a:cs typeface="Times New Roman" panose="02020603050405020304" pitchFamily="18" charset="0"/>
+              </a:rPr>
+              <a:t>class</a:t>
+            </a:r>
+            <a:r>
+              <a:rPr lang="en-VN" sz="1100">
+                <a:solidFill>
+                  <a:srgbClr val="D4D4D4"/>
+                </a:solidFill>
+                <a:latin typeface="RobotoMono Nerd Font" pitchFamily="2" charset="0"/>
+                <a:ea typeface="Times New Roman" panose="02020603050405020304" pitchFamily="18" charset="0"/>
+                <a:cs typeface="Times New Roman" panose="02020603050405020304" pitchFamily="18" charset="0"/>
+              </a:rPr>
+              <a:t> </a:t>
+            </a:r>
+            <a:r>
+              <a:rPr lang="en-VN" sz="1100">
+                <a:solidFill>
+                  <a:srgbClr val="4EC9B0"/>
+                </a:solidFill>
+                <a:latin typeface="RobotoMono Nerd Font" pitchFamily="2" charset="0"/>
+                <a:ea typeface="Times New Roman" panose="02020603050405020304" pitchFamily="18" charset="0"/>
+                <a:cs typeface="Times New Roman" panose="02020603050405020304" pitchFamily="18" charset="0"/>
+              </a:rPr>
+              <a:t>Mouse</a:t>
+            </a:r>
+            <a:r>
+              <a:rPr lang="en-VN" sz="1100">
+                <a:solidFill>
+                  <a:srgbClr val="D4D4D4"/>
+                </a:solidFill>
+                <a:latin typeface="RobotoMono Nerd Font" pitchFamily="2" charset="0"/>
+                <a:ea typeface="Times New Roman" panose="02020603050405020304" pitchFamily="18" charset="0"/>
+                <a:cs typeface="Times New Roman" panose="02020603050405020304" pitchFamily="18" charset="0"/>
+              </a:rPr>
+              <a:t> </a:t>
+            </a:r>
+            <a:r>
+              <a:rPr lang="en-VN" sz="1100">
+                <a:solidFill>
+                  <a:srgbClr val="569CD6"/>
+                </a:solidFill>
+                <a:latin typeface="RobotoMono Nerd Font" pitchFamily="2" charset="0"/>
+                <a:ea typeface="Times New Roman" panose="02020603050405020304" pitchFamily="18" charset="0"/>
+                <a:cs typeface="Times New Roman" panose="02020603050405020304" pitchFamily="18" charset="0"/>
+              </a:rPr>
+              <a:t>implements</a:t>
+            </a:r>
+            <a:r>
+              <a:rPr lang="en-VN" sz="1100">
+                <a:solidFill>
+                  <a:srgbClr val="D4D4D4"/>
+                </a:solidFill>
+                <a:latin typeface="RobotoMono Nerd Font" pitchFamily="2" charset="0"/>
+                <a:ea typeface="Times New Roman" panose="02020603050405020304" pitchFamily="18" charset="0"/>
+                <a:cs typeface="Times New Roman" panose="02020603050405020304" pitchFamily="18" charset="0"/>
+              </a:rPr>
+              <a:t> </a:t>
+            </a:r>
+            <a:r>
+              <a:rPr lang="en-VN" sz="1100">
+                <a:solidFill>
+                  <a:srgbClr val="4EC9B0"/>
+                </a:solidFill>
+                <a:latin typeface="RobotoMono Nerd Font" pitchFamily="2" charset="0"/>
+                <a:ea typeface="Times New Roman" panose="02020603050405020304" pitchFamily="18" charset="0"/>
+                <a:cs typeface="Times New Roman" panose="02020603050405020304" pitchFamily="18" charset="0"/>
+              </a:rPr>
+              <a:t>USB1</a:t>
+            </a:r>
+            <a:r>
+              <a:rPr lang="en-VN" sz="1100">
+                <a:solidFill>
+                  <a:srgbClr val="D4D4D4"/>
+                </a:solidFill>
+                <a:latin typeface="RobotoMono Nerd Font" pitchFamily="2" charset="0"/>
+                <a:ea typeface="Times New Roman" panose="02020603050405020304" pitchFamily="18" charset="0"/>
+                <a:cs typeface="Times New Roman" panose="02020603050405020304" pitchFamily="18" charset="0"/>
+              </a:rPr>
+              <a:t>{</a:t>
+            </a:r>
+            <a:endParaRPr lang="en-VN" sz="1100">
+              <a:latin typeface="Calibri" panose="020F0502020204030204" pitchFamily="34" charset="0"/>
+              <a:ea typeface="Calibri" panose="020F0502020204030204" pitchFamily="34" charset="0"/>
+              <a:cs typeface="Times New Roman" panose="02020603050405020304" pitchFamily="18" charset="0"/>
+            </a:endParaRPr>
+          </a:p>
+          <a:p>
+            <a:pPr>
+              <a:lnSpc>
+                <a:spcPts val="1800"/>
+              </a:lnSpc>
+            </a:pPr>
+            <a:r>
+              <a:rPr lang="en-VN" sz="1100">
+                <a:solidFill>
+                  <a:srgbClr val="D4D4D4"/>
+                </a:solidFill>
+                <a:latin typeface="RobotoMono Nerd Font" pitchFamily="2" charset="0"/>
+                <a:ea typeface="Times New Roman" panose="02020603050405020304" pitchFamily="18" charset="0"/>
+                <a:cs typeface="Times New Roman" panose="02020603050405020304" pitchFamily="18" charset="0"/>
+              </a:rPr>
+              <a:t>  </a:t>
+            </a:r>
+            <a:r>
+              <a:rPr lang="en-VN" sz="1100">
+                <a:solidFill>
+                  <a:srgbClr val="569CD6"/>
+                </a:solidFill>
+                <a:latin typeface="RobotoMono Nerd Font" pitchFamily="2" charset="0"/>
+                <a:ea typeface="Times New Roman" panose="02020603050405020304" pitchFamily="18" charset="0"/>
+                <a:cs typeface="Times New Roman" panose="02020603050405020304" pitchFamily="18" charset="0"/>
+              </a:rPr>
+              <a:t>public</a:t>
+            </a:r>
+            <a:r>
+              <a:rPr lang="en-VN" sz="1100">
+                <a:solidFill>
+                  <a:srgbClr val="D4D4D4"/>
+                </a:solidFill>
+                <a:latin typeface="RobotoMono Nerd Font" pitchFamily="2" charset="0"/>
+                <a:ea typeface="Times New Roman" panose="02020603050405020304" pitchFamily="18" charset="0"/>
+                <a:cs typeface="Times New Roman" panose="02020603050405020304" pitchFamily="18" charset="0"/>
+              </a:rPr>
+              <a:t> </a:t>
+            </a:r>
+            <a:r>
+              <a:rPr lang="en-VN" sz="1100">
+                <a:solidFill>
+                  <a:srgbClr val="DCDCAA"/>
+                </a:solidFill>
+                <a:latin typeface="RobotoMono Nerd Font" pitchFamily="2" charset="0"/>
+                <a:ea typeface="Times New Roman" panose="02020603050405020304" pitchFamily="18" charset="0"/>
+                <a:cs typeface="Times New Roman" panose="02020603050405020304" pitchFamily="18" charset="0"/>
+              </a:rPr>
+              <a:t>Mouse</a:t>
+            </a:r>
+            <a:r>
+              <a:rPr lang="en-VN" sz="1100">
+                <a:solidFill>
+                  <a:srgbClr val="D4D4D4"/>
+                </a:solidFill>
+                <a:latin typeface="RobotoMono Nerd Font" pitchFamily="2" charset="0"/>
+                <a:ea typeface="Times New Roman" panose="02020603050405020304" pitchFamily="18" charset="0"/>
+                <a:cs typeface="Times New Roman" panose="02020603050405020304" pitchFamily="18" charset="0"/>
+              </a:rPr>
+              <a:t>() {</a:t>
+            </a:r>
+            <a:endParaRPr lang="en-VN" sz="1100">
+              <a:latin typeface="Calibri" panose="020F0502020204030204" pitchFamily="34" charset="0"/>
+              <a:ea typeface="Calibri" panose="020F0502020204030204" pitchFamily="34" charset="0"/>
+              <a:cs typeface="Times New Roman" panose="02020603050405020304" pitchFamily="18" charset="0"/>
+            </a:endParaRPr>
+          </a:p>
+          <a:p>
+            <a:pPr>
+              <a:lnSpc>
+                <a:spcPts val="1800"/>
+              </a:lnSpc>
+            </a:pPr>
+            <a:r>
+              <a:rPr lang="en-VN" sz="1100">
+                <a:solidFill>
+                  <a:srgbClr val="D4D4D4"/>
+                </a:solidFill>
+                <a:latin typeface="RobotoMono Nerd Font" pitchFamily="2" charset="0"/>
+                <a:ea typeface="Times New Roman" panose="02020603050405020304" pitchFamily="18" charset="0"/>
+                <a:cs typeface="Times New Roman" panose="02020603050405020304" pitchFamily="18" charset="0"/>
+              </a:rPr>
+              <a:t>    </a:t>
+            </a:r>
+            <a:r>
+              <a:rPr lang="en-VN" sz="1100">
+                <a:solidFill>
+                  <a:srgbClr val="4EC9B0"/>
+                </a:solidFill>
+                <a:latin typeface="RobotoMono Nerd Font" pitchFamily="2" charset="0"/>
+                <a:ea typeface="Times New Roman" panose="02020603050405020304" pitchFamily="18" charset="0"/>
+                <a:cs typeface="Times New Roman" panose="02020603050405020304" pitchFamily="18" charset="0"/>
+              </a:rPr>
+              <a:t>System</a:t>
+            </a:r>
+            <a:r>
+              <a:rPr lang="en-VN" sz="1100">
+                <a:solidFill>
+                  <a:srgbClr val="D4D4D4"/>
+                </a:solidFill>
+                <a:latin typeface="RobotoMono Nerd Font" pitchFamily="2" charset="0"/>
+                <a:ea typeface="Times New Roman" panose="02020603050405020304" pitchFamily="18" charset="0"/>
+                <a:cs typeface="Times New Roman" panose="02020603050405020304" pitchFamily="18" charset="0"/>
+              </a:rPr>
+              <a:t>.</a:t>
+            </a:r>
+            <a:r>
+              <a:rPr lang="en-VN" sz="1100">
+                <a:solidFill>
+                  <a:srgbClr val="4FC1FF"/>
+                </a:solidFill>
+                <a:latin typeface="RobotoMono Nerd Font" pitchFamily="2" charset="0"/>
+                <a:ea typeface="Times New Roman" panose="02020603050405020304" pitchFamily="18" charset="0"/>
+                <a:cs typeface="Times New Roman" panose="02020603050405020304" pitchFamily="18" charset="0"/>
+              </a:rPr>
+              <a:t>out</a:t>
+            </a:r>
+            <a:r>
+              <a:rPr lang="en-VN" sz="1100">
+                <a:solidFill>
+                  <a:srgbClr val="D4D4D4"/>
+                </a:solidFill>
+                <a:latin typeface="RobotoMono Nerd Font" pitchFamily="2" charset="0"/>
+                <a:ea typeface="Times New Roman" panose="02020603050405020304" pitchFamily="18" charset="0"/>
+                <a:cs typeface="Times New Roman" panose="02020603050405020304" pitchFamily="18" charset="0"/>
+              </a:rPr>
+              <a:t>.</a:t>
+            </a:r>
+            <a:r>
+              <a:rPr lang="en-VN" sz="1100">
+                <a:solidFill>
+                  <a:srgbClr val="DCDCAA"/>
+                </a:solidFill>
+                <a:latin typeface="RobotoMono Nerd Font" pitchFamily="2" charset="0"/>
+                <a:ea typeface="Times New Roman" panose="02020603050405020304" pitchFamily="18" charset="0"/>
+                <a:cs typeface="Times New Roman" panose="02020603050405020304" pitchFamily="18" charset="0"/>
+              </a:rPr>
+              <a:t>println</a:t>
+            </a:r>
+            <a:r>
+              <a:rPr lang="en-VN" sz="1100">
+                <a:solidFill>
+                  <a:srgbClr val="D4D4D4"/>
+                </a:solidFill>
+                <a:latin typeface="RobotoMono Nerd Font" pitchFamily="2" charset="0"/>
+                <a:ea typeface="Times New Roman" panose="02020603050405020304" pitchFamily="18" charset="0"/>
+                <a:cs typeface="Times New Roman" panose="02020603050405020304" pitchFamily="18" charset="0"/>
+              </a:rPr>
+              <a:t>(</a:t>
+            </a:r>
+            <a:r>
+              <a:rPr lang="en-VN" sz="1100">
+                <a:solidFill>
+                  <a:srgbClr val="CE9178"/>
+                </a:solidFill>
+                <a:latin typeface="RobotoMono Nerd Font" pitchFamily="2" charset="0"/>
+                <a:ea typeface="Times New Roman" panose="02020603050405020304" pitchFamily="18" charset="0"/>
+                <a:cs typeface="Times New Roman" panose="02020603050405020304" pitchFamily="18" charset="0"/>
+              </a:rPr>
+              <a:t>"Mouse"</a:t>
+            </a:r>
+            <a:r>
+              <a:rPr lang="en-VN" sz="1100">
+                <a:solidFill>
+                  <a:srgbClr val="D4D4D4"/>
+                </a:solidFill>
+                <a:latin typeface="RobotoMono Nerd Font" pitchFamily="2" charset="0"/>
+                <a:ea typeface="Times New Roman" panose="02020603050405020304" pitchFamily="18" charset="0"/>
+                <a:cs typeface="Times New Roman" panose="02020603050405020304" pitchFamily="18" charset="0"/>
+              </a:rPr>
+              <a:t>);</a:t>
+            </a:r>
+            <a:endParaRPr lang="en-VN" sz="1100">
+              <a:latin typeface="Calibri" panose="020F0502020204030204" pitchFamily="34" charset="0"/>
+              <a:ea typeface="Calibri" panose="020F0502020204030204" pitchFamily="34" charset="0"/>
+              <a:cs typeface="Times New Roman" panose="02020603050405020304" pitchFamily="18" charset="0"/>
+            </a:endParaRPr>
+          </a:p>
+          <a:p>
+            <a:pPr>
+              <a:lnSpc>
+                <a:spcPts val="1800"/>
+              </a:lnSpc>
+            </a:pPr>
+            <a:r>
+              <a:rPr lang="en-VN" sz="1100">
+                <a:solidFill>
+                  <a:srgbClr val="D4D4D4"/>
+                </a:solidFill>
+                <a:latin typeface="RobotoMono Nerd Font" pitchFamily="2" charset="0"/>
+                <a:ea typeface="Times New Roman" panose="02020603050405020304" pitchFamily="18" charset="0"/>
+                <a:cs typeface="Times New Roman" panose="02020603050405020304" pitchFamily="18" charset="0"/>
+              </a:rPr>
+              <a:t>  }</a:t>
+            </a:r>
+            <a:endParaRPr lang="en-VN" sz="1100">
+              <a:latin typeface="Calibri" panose="020F0502020204030204" pitchFamily="34" charset="0"/>
+              <a:ea typeface="Calibri" panose="020F0502020204030204" pitchFamily="34" charset="0"/>
+              <a:cs typeface="Times New Roman" panose="02020603050405020304" pitchFamily="18" charset="0"/>
+            </a:endParaRPr>
+          </a:p>
+          <a:p>
+            <a:pPr>
+              <a:lnSpc>
+                <a:spcPts val="1800"/>
+              </a:lnSpc>
+            </a:pPr>
+            <a:r>
+              <a:rPr lang="en-VN" sz="1100">
+                <a:solidFill>
+                  <a:srgbClr val="D4D4D4"/>
+                </a:solidFill>
+                <a:latin typeface="RobotoMono Nerd Font" pitchFamily="2" charset="0"/>
+                <a:ea typeface="Times New Roman" panose="02020603050405020304" pitchFamily="18" charset="0"/>
+                <a:cs typeface="Times New Roman" panose="02020603050405020304" pitchFamily="18" charset="0"/>
+              </a:rPr>
+              <a:t>}</a:t>
+            </a:r>
+            <a:endParaRPr lang="en-VN" sz="1100">
+              <a:latin typeface="Calibri" panose="020F0502020204030204" pitchFamily="34" charset="0"/>
+              <a:ea typeface="Calibri" panose="020F0502020204030204" pitchFamily="34" charset="0"/>
+              <a:cs typeface="Times New Roman" panose="02020603050405020304" pitchFamily="18" charset="0"/>
+            </a:endParaRPr>
+          </a:p>
+        </p:txBody>
+      </p:sp>
+      <p:sp>
+        <p:nvSpPr>
+          <p:cNvPr id="6" name="Rectangle 5">
+            <a:extLst>
+              <a:ext uri="{FF2B5EF4-FFF2-40B4-BE49-F238E27FC236}">
+                <a16:creationId xmlns:a16="http://schemas.microsoft.com/office/drawing/2014/main" id="{29481853-CDB4-4D43-8765-0F5899F50F9E}"/>
+              </a:ext>
+            </a:extLst>
+          </p:cNvPr>
+          <p:cNvSpPr/>
+          <p:nvPr/>
+        </p:nvSpPr>
+        <p:spPr>
+          <a:xfrm>
+            <a:off x="5505292" y="1509463"/>
+            <a:ext cx="3487567" cy="1697260"/>
+          </a:xfrm>
+          <a:prstGeom prst="rect">
+            <a:avLst/>
+          </a:prstGeom>
+          <a:solidFill>
+            <a:schemeClr val="bg2"/>
+          </a:solidFill>
+        </p:spPr>
+        <p:txBody>
+          <a:bodyPr wrap="square">
+            <a:spAutoFit/>
+          </a:bodyPr>
+          <a:lstStyle/>
+          <a:p>
+            <a:pPr>
+              <a:lnSpc>
+                <a:spcPts val="1800"/>
+              </a:lnSpc>
+            </a:pPr>
+            <a:r>
+              <a:rPr lang="en-VN" sz="1100">
+                <a:solidFill>
+                  <a:srgbClr val="D4D4D4"/>
+                </a:solidFill>
+                <a:latin typeface="RobotoMono Nerd Font" pitchFamily="2" charset="0"/>
+                <a:ea typeface="Times New Roman" panose="02020603050405020304" pitchFamily="18" charset="0"/>
+                <a:cs typeface="Times New Roman" panose="02020603050405020304" pitchFamily="18" charset="0"/>
+              </a:rPr>
+              <a:t>@</a:t>
+            </a:r>
+            <a:r>
+              <a:rPr lang="en-VN" sz="1100">
+                <a:solidFill>
+                  <a:srgbClr val="4EC9B0"/>
+                </a:solidFill>
+                <a:latin typeface="RobotoMono Nerd Font" pitchFamily="2" charset="0"/>
+                <a:ea typeface="Times New Roman" panose="02020603050405020304" pitchFamily="18" charset="0"/>
+                <a:cs typeface="Times New Roman" panose="02020603050405020304" pitchFamily="18" charset="0"/>
+              </a:rPr>
+              <a:t>Component</a:t>
+            </a:r>
+            <a:r>
+              <a:rPr lang="en-VN" sz="1100">
+                <a:solidFill>
+                  <a:srgbClr val="D4D4D4"/>
+                </a:solidFill>
+                <a:latin typeface="RobotoMono Nerd Font" pitchFamily="2" charset="0"/>
+                <a:ea typeface="Times New Roman" panose="02020603050405020304" pitchFamily="18" charset="0"/>
+                <a:cs typeface="Times New Roman" panose="02020603050405020304" pitchFamily="18" charset="0"/>
+              </a:rPr>
+              <a:t>(</a:t>
+            </a:r>
+            <a:r>
+              <a:rPr lang="en-VN" sz="1100">
+                <a:solidFill>
+                  <a:srgbClr val="CE9178"/>
+                </a:solidFill>
+                <a:latin typeface="RobotoMono Nerd Font" pitchFamily="2" charset="0"/>
+                <a:ea typeface="Times New Roman" panose="02020603050405020304" pitchFamily="18" charset="0"/>
+                <a:cs typeface="Times New Roman" panose="02020603050405020304" pitchFamily="18" charset="0"/>
+              </a:rPr>
+              <a:t>"keyboard"</a:t>
+            </a:r>
+            <a:r>
+              <a:rPr lang="en-VN" sz="1100">
+                <a:solidFill>
+                  <a:srgbClr val="D4D4D4"/>
+                </a:solidFill>
+                <a:latin typeface="RobotoMono Nerd Font" pitchFamily="2" charset="0"/>
+                <a:ea typeface="Times New Roman" panose="02020603050405020304" pitchFamily="18" charset="0"/>
+                <a:cs typeface="Times New Roman" panose="02020603050405020304" pitchFamily="18" charset="0"/>
+              </a:rPr>
+              <a:t>)</a:t>
+            </a:r>
+            <a:endParaRPr lang="en-VN" sz="1100">
+              <a:latin typeface="Calibri" panose="020F0502020204030204" pitchFamily="34" charset="0"/>
+              <a:ea typeface="Calibri" panose="020F0502020204030204" pitchFamily="34" charset="0"/>
+              <a:cs typeface="Times New Roman" panose="02020603050405020304" pitchFamily="18" charset="0"/>
+            </a:endParaRPr>
+          </a:p>
+          <a:p>
+            <a:pPr>
+              <a:lnSpc>
+                <a:spcPts val="1800"/>
+              </a:lnSpc>
+            </a:pPr>
+            <a:r>
+              <a:rPr lang="en-VN" sz="1100">
+                <a:solidFill>
+                  <a:srgbClr val="D4D4D4"/>
+                </a:solidFill>
+                <a:latin typeface="RobotoMono Nerd Font" pitchFamily="2" charset="0"/>
+                <a:ea typeface="Times New Roman" panose="02020603050405020304" pitchFamily="18" charset="0"/>
+                <a:cs typeface="Times New Roman" panose="02020603050405020304" pitchFamily="18" charset="0"/>
+              </a:rPr>
+              <a:t>@</a:t>
+            </a:r>
+            <a:r>
+              <a:rPr lang="en-VN" sz="1100">
+                <a:solidFill>
+                  <a:srgbClr val="4EC9B0"/>
+                </a:solidFill>
+                <a:latin typeface="RobotoMono Nerd Font" pitchFamily="2" charset="0"/>
+                <a:ea typeface="Times New Roman" panose="02020603050405020304" pitchFamily="18" charset="0"/>
+                <a:cs typeface="Times New Roman" panose="02020603050405020304" pitchFamily="18" charset="0"/>
+              </a:rPr>
+              <a:t>Order</a:t>
+            </a:r>
+            <a:r>
+              <a:rPr lang="en-VN" sz="1100">
+                <a:solidFill>
+                  <a:srgbClr val="D4D4D4"/>
+                </a:solidFill>
+                <a:latin typeface="RobotoMono Nerd Font" pitchFamily="2" charset="0"/>
+                <a:ea typeface="Times New Roman" panose="02020603050405020304" pitchFamily="18" charset="0"/>
+                <a:cs typeface="Times New Roman" panose="02020603050405020304" pitchFamily="18" charset="0"/>
+              </a:rPr>
+              <a:t>(</a:t>
+            </a:r>
+            <a:r>
+              <a:rPr lang="en-VN" sz="1100">
+                <a:solidFill>
+                  <a:srgbClr val="B5CEA8"/>
+                </a:solidFill>
+                <a:latin typeface="RobotoMono Nerd Font" pitchFamily="2" charset="0"/>
+                <a:ea typeface="Times New Roman" panose="02020603050405020304" pitchFamily="18" charset="0"/>
+                <a:cs typeface="Times New Roman" panose="02020603050405020304" pitchFamily="18" charset="0"/>
+              </a:rPr>
+              <a:t>5</a:t>
+            </a:r>
+            <a:r>
+              <a:rPr lang="en-VN" sz="1100">
+                <a:solidFill>
+                  <a:srgbClr val="D4D4D4"/>
+                </a:solidFill>
+                <a:latin typeface="RobotoMono Nerd Font" pitchFamily="2" charset="0"/>
+                <a:ea typeface="Times New Roman" panose="02020603050405020304" pitchFamily="18" charset="0"/>
+                <a:cs typeface="Times New Roman" panose="02020603050405020304" pitchFamily="18" charset="0"/>
+              </a:rPr>
+              <a:t>)</a:t>
+            </a:r>
+            <a:endParaRPr lang="en-VN" sz="1100">
+              <a:latin typeface="Calibri" panose="020F0502020204030204" pitchFamily="34" charset="0"/>
+              <a:ea typeface="Calibri" panose="020F0502020204030204" pitchFamily="34" charset="0"/>
+              <a:cs typeface="Times New Roman" panose="02020603050405020304" pitchFamily="18" charset="0"/>
+            </a:endParaRPr>
+          </a:p>
+          <a:p>
+            <a:pPr>
+              <a:lnSpc>
+                <a:spcPts val="1800"/>
+              </a:lnSpc>
+            </a:pPr>
+            <a:r>
+              <a:rPr lang="en-VN" sz="1100">
+                <a:solidFill>
+                  <a:srgbClr val="569CD6"/>
+                </a:solidFill>
+                <a:latin typeface="RobotoMono Nerd Font" pitchFamily="2" charset="0"/>
+                <a:ea typeface="Times New Roman" panose="02020603050405020304" pitchFamily="18" charset="0"/>
+                <a:cs typeface="Times New Roman" panose="02020603050405020304" pitchFamily="18" charset="0"/>
+              </a:rPr>
+              <a:t>public</a:t>
+            </a:r>
+            <a:r>
+              <a:rPr lang="en-VN" sz="1100">
+                <a:solidFill>
+                  <a:srgbClr val="D4D4D4"/>
+                </a:solidFill>
+                <a:latin typeface="RobotoMono Nerd Font" pitchFamily="2" charset="0"/>
+                <a:ea typeface="Times New Roman" panose="02020603050405020304" pitchFamily="18" charset="0"/>
+                <a:cs typeface="Times New Roman" panose="02020603050405020304" pitchFamily="18" charset="0"/>
+              </a:rPr>
+              <a:t> </a:t>
+            </a:r>
+            <a:r>
+              <a:rPr lang="en-VN" sz="1100">
+                <a:solidFill>
+                  <a:srgbClr val="569CD6"/>
+                </a:solidFill>
+                <a:latin typeface="RobotoMono Nerd Font" pitchFamily="2" charset="0"/>
+                <a:ea typeface="Times New Roman" panose="02020603050405020304" pitchFamily="18" charset="0"/>
+                <a:cs typeface="Times New Roman" panose="02020603050405020304" pitchFamily="18" charset="0"/>
+              </a:rPr>
+              <a:t>class</a:t>
+            </a:r>
+            <a:r>
+              <a:rPr lang="en-VN" sz="1100">
+                <a:solidFill>
+                  <a:srgbClr val="D4D4D4"/>
+                </a:solidFill>
+                <a:latin typeface="RobotoMono Nerd Font" pitchFamily="2" charset="0"/>
+                <a:ea typeface="Times New Roman" panose="02020603050405020304" pitchFamily="18" charset="0"/>
+                <a:cs typeface="Times New Roman" panose="02020603050405020304" pitchFamily="18" charset="0"/>
+              </a:rPr>
+              <a:t> </a:t>
+            </a:r>
+            <a:r>
+              <a:rPr lang="en-VN" sz="1100">
+                <a:solidFill>
+                  <a:srgbClr val="4EC9B0"/>
+                </a:solidFill>
+                <a:latin typeface="RobotoMono Nerd Font" pitchFamily="2" charset="0"/>
+                <a:ea typeface="Times New Roman" panose="02020603050405020304" pitchFamily="18" charset="0"/>
+                <a:cs typeface="Times New Roman" panose="02020603050405020304" pitchFamily="18" charset="0"/>
+              </a:rPr>
+              <a:t>Keyboard</a:t>
+            </a:r>
+            <a:r>
+              <a:rPr lang="en-VN" sz="1100">
+                <a:solidFill>
+                  <a:srgbClr val="D4D4D4"/>
+                </a:solidFill>
+                <a:latin typeface="RobotoMono Nerd Font" pitchFamily="2" charset="0"/>
+                <a:ea typeface="Times New Roman" panose="02020603050405020304" pitchFamily="18" charset="0"/>
+                <a:cs typeface="Times New Roman" panose="02020603050405020304" pitchFamily="18" charset="0"/>
+              </a:rPr>
+              <a:t> </a:t>
+            </a:r>
+            <a:r>
+              <a:rPr lang="en-VN" sz="1100">
+                <a:solidFill>
+                  <a:srgbClr val="569CD6"/>
+                </a:solidFill>
+                <a:latin typeface="RobotoMono Nerd Font" pitchFamily="2" charset="0"/>
+                <a:ea typeface="Times New Roman" panose="02020603050405020304" pitchFamily="18" charset="0"/>
+                <a:cs typeface="Times New Roman" panose="02020603050405020304" pitchFamily="18" charset="0"/>
+              </a:rPr>
+              <a:t>implements</a:t>
+            </a:r>
+            <a:r>
+              <a:rPr lang="en-VN" sz="1100">
+                <a:solidFill>
+                  <a:srgbClr val="D4D4D4"/>
+                </a:solidFill>
+                <a:latin typeface="RobotoMono Nerd Font" pitchFamily="2" charset="0"/>
+                <a:ea typeface="Times New Roman" panose="02020603050405020304" pitchFamily="18" charset="0"/>
+                <a:cs typeface="Times New Roman" panose="02020603050405020304" pitchFamily="18" charset="0"/>
+              </a:rPr>
+              <a:t> </a:t>
+            </a:r>
+            <a:r>
+              <a:rPr lang="en-VN" sz="1100">
+                <a:solidFill>
+                  <a:srgbClr val="4EC9B0"/>
+                </a:solidFill>
+                <a:latin typeface="RobotoMono Nerd Font" pitchFamily="2" charset="0"/>
+                <a:ea typeface="Times New Roman" panose="02020603050405020304" pitchFamily="18" charset="0"/>
+                <a:cs typeface="Times New Roman" panose="02020603050405020304" pitchFamily="18" charset="0"/>
+              </a:rPr>
+              <a:t>USB1</a:t>
+            </a:r>
+            <a:r>
+              <a:rPr lang="en-VN" sz="1100">
+                <a:solidFill>
+                  <a:srgbClr val="D4D4D4"/>
+                </a:solidFill>
+                <a:latin typeface="RobotoMono Nerd Font" pitchFamily="2" charset="0"/>
+                <a:ea typeface="Times New Roman" panose="02020603050405020304" pitchFamily="18" charset="0"/>
+                <a:cs typeface="Times New Roman" panose="02020603050405020304" pitchFamily="18" charset="0"/>
+              </a:rPr>
+              <a:t> {</a:t>
+            </a:r>
+            <a:endParaRPr lang="en-VN" sz="1100">
+              <a:latin typeface="Calibri" panose="020F0502020204030204" pitchFamily="34" charset="0"/>
+              <a:ea typeface="Calibri" panose="020F0502020204030204" pitchFamily="34" charset="0"/>
+              <a:cs typeface="Times New Roman" panose="02020603050405020304" pitchFamily="18" charset="0"/>
+            </a:endParaRPr>
+          </a:p>
+          <a:p>
+            <a:pPr>
+              <a:lnSpc>
+                <a:spcPts val="1800"/>
+              </a:lnSpc>
+            </a:pPr>
+            <a:r>
+              <a:rPr lang="en-VN" sz="1100">
+                <a:solidFill>
+                  <a:srgbClr val="D4D4D4"/>
+                </a:solidFill>
+                <a:latin typeface="RobotoMono Nerd Font" pitchFamily="2" charset="0"/>
+                <a:ea typeface="Times New Roman" panose="02020603050405020304" pitchFamily="18" charset="0"/>
+                <a:cs typeface="Times New Roman" panose="02020603050405020304" pitchFamily="18" charset="0"/>
+              </a:rPr>
+              <a:t>  </a:t>
+            </a:r>
+            <a:r>
+              <a:rPr lang="en-VN" sz="1100">
+                <a:solidFill>
+                  <a:srgbClr val="569CD6"/>
+                </a:solidFill>
+                <a:latin typeface="RobotoMono Nerd Font" pitchFamily="2" charset="0"/>
+                <a:ea typeface="Times New Roman" panose="02020603050405020304" pitchFamily="18" charset="0"/>
+                <a:cs typeface="Times New Roman" panose="02020603050405020304" pitchFamily="18" charset="0"/>
+              </a:rPr>
+              <a:t>public</a:t>
+            </a:r>
+            <a:r>
+              <a:rPr lang="en-VN" sz="1100">
+                <a:solidFill>
+                  <a:srgbClr val="D4D4D4"/>
+                </a:solidFill>
+                <a:latin typeface="RobotoMono Nerd Font" pitchFamily="2" charset="0"/>
+                <a:ea typeface="Times New Roman" panose="02020603050405020304" pitchFamily="18" charset="0"/>
+                <a:cs typeface="Times New Roman" panose="02020603050405020304" pitchFamily="18" charset="0"/>
+              </a:rPr>
+              <a:t> </a:t>
+            </a:r>
+            <a:r>
+              <a:rPr lang="en-VN" sz="1100">
+                <a:solidFill>
+                  <a:srgbClr val="DCDCAA"/>
+                </a:solidFill>
+                <a:latin typeface="RobotoMono Nerd Font" pitchFamily="2" charset="0"/>
+                <a:ea typeface="Times New Roman" panose="02020603050405020304" pitchFamily="18" charset="0"/>
+                <a:cs typeface="Times New Roman" panose="02020603050405020304" pitchFamily="18" charset="0"/>
+              </a:rPr>
+              <a:t>Keyboard</a:t>
+            </a:r>
+            <a:r>
+              <a:rPr lang="en-VN" sz="1100">
+                <a:solidFill>
+                  <a:srgbClr val="D4D4D4"/>
+                </a:solidFill>
+                <a:latin typeface="RobotoMono Nerd Font" pitchFamily="2" charset="0"/>
+                <a:ea typeface="Times New Roman" panose="02020603050405020304" pitchFamily="18" charset="0"/>
+                <a:cs typeface="Times New Roman" panose="02020603050405020304" pitchFamily="18" charset="0"/>
+              </a:rPr>
+              <a:t>() {</a:t>
+            </a:r>
+            <a:endParaRPr lang="en-VN" sz="1100">
+              <a:latin typeface="Calibri" panose="020F0502020204030204" pitchFamily="34" charset="0"/>
+              <a:ea typeface="Calibri" panose="020F0502020204030204" pitchFamily="34" charset="0"/>
+              <a:cs typeface="Times New Roman" panose="02020603050405020304" pitchFamily="18" charset="0"/>
+            </a:endParaRPr>
+          </a:p>
+          <a:p>
+            <a:pPr>
+              <a:lnSpc>
+                <a:spcPts val="1800"/>
+              </a:lnSpc>
+            </a:pPr>
+            <a:r>
+              <a:rPr lang="en-VN" sz="1100">
+                <a:solidFill>
+                  <a:srgbClr val="D4D4D4"/>
+                </a:solidFill>
+                <a:latin typeface="RobotoMono Nerd Font" pitchFamily="2" charset="0"/>
+                <a:ea typeface="Times New Roman" panose="02020603050405020304" pitchFamily="18" charset="0"/>
+                <a:cs typeface="Times New Roman" panose="02020603050405020304" pitchFamily="18" charset="0"/>
+              </a:rPr>
+              <a:t>    </a:t>
+            </a:r>
+            <a:r>
+              <a:rPr lang="en-VN" sz="1100">
+                <a:solidFill>
+                  <a:srgbClr val="4EC9B0"/>
+                </a:solidFill>
+                <a:latin typeface="RobotoMono Nerd Font" pitchFamily="2" charset="0"/>
+                <a:ea typeface="Times New Roman" panose="02020603050405020304" pitchFamily="18" charset="0"/>
+                <a:cs typeface="Times New Roman" panose="02020603050405020304" pitchFamily="18" charset="0"/>
+              </a:rPr>
+              <a:t>System</a:t>
+            </a:r>
+            <a:r>
+              <a:rPr lang="en-VN" sz="1100">
+                <a:solidFill>
+                  <a:srgbClr val="D4D4D4"/>
+                </a:solidFill>
+                <a:latin typeface="RobotoMono Nerd Font" pitchFamily="2" charset="0"/>
+                <a:ea typeface="Times New Roman" panose="02020603050405020304" pitchFamily="18" charset="0"/>
+                <a:cs typeface="Times New Roman" panose="02020603050405020304" pitchFamily="18" charset="0"/>
+              </a:rPr>
+              <a:t>.</a:t>
+            </a:r>
+            <a:r>
+              <a:rPr lang="en-VN" sz="1100">
+                <a:solidFill>
+                  <a:srgbClr val="4FC1FF"/>
+                </a:solidFill>
+                <a:latin typeface="RobotoMono Nerd Font" pitchFamily="2" charset="0"/>
+                <a:ea typeface="Times New Roman" panose="02020603050405020304" pitchFamily="18" charset="0"/>
+                <a:cs typeface="Times New Roman" panose="02020603050405020304" pitchFamily="18" charset="0"/>
+              </a:rPr>
+              <a:t>out</a:t>
+            </a:r>
+            <a:r>
+              <a:rPr lang="en-VN" sz="1100">
+                <a:solidFill>
+                  <a:srgbClr val="D4D4D4"/>
+                </a:solidFill>
+                <a:latin typeface="RobotoMono Nerd Font" pitchFamily="2" charset="0"/>
+                <a:ea typeface="Times New Roman" panose="02020603050405020304" pitchFamily="18" charset="0"/>
+                <a:cs typeface="Times New Roman" panose="02020603050405020304" pitchFamily="18" charset="0"/>
+              </a:rPr>
+              <a:t>.</a:t>
+            </a:r>
+            <a:r>
+              <a:rPr lang="en-VN" sz="1100">
+                <a:solidFill>
+                  <a:srgbClr val="DCDCAA"/>
+                </a:solidFill>
+                <a:latin typeface="RobotoMono Nerd Font" pitchFamily="2" charset="0"/>
+                <a:ea typeface="Times New Roman" panose="02020603050405020304" pitchFamily="18" charset="0"/>
+                <a:cs typeface="Times New Roman" panose="02020603050405020304" pitchFamily="18" charset="0"/>
+              </a:rPr>
+              <a:t>println</a:t>
+            </a:r>
+            <a:r>
+              <a:rPr lang="en-VN" sz="1100">
+                <a:solidFill>
+                  <a:srgbClr val="D4D4D4"/>
+                </a:solidFill>
+                <a:latin typeface="RobotoMono Nerd Font" pitchFamily="2" charset="0"/>
+                <a:ea typeface="Times New Roman" panose="02020603050405020304" pitchFamily="18" charset="0"/>
+                <a:cs typeface="Times New Roman" panose="02020603050405020304" pitchFamily="18" charset="0"/>
+              </a:rPr>
+              <a:t>(</a:t>
+            </a:r>
+            <a:r>
+              <a:rPr lang="en-VN" sz="1100">
+                <a:solidFill>
+                  <a:srgbClr val="CE9178"/>
+                </a:solidFill>
+                <a:latin typeface="RobotoMono Nerd Font" pitchFamily="2" charset="0"/>
+                <a:ea typeface="Times New Roman" panose="02020603050405020304" pitchFamily="18" charset="0"/>
+                <a:cs typeface="Times New Roman" panose="02020603050405020304" pitchFamily="18" charset="0"/>
+              </a:rPr>
+              <a:t>"Keyboard"</a:t>
+            </a:r>
+            <a:r>
+              <a:rPr lang="en-VN" sz="1100">
+                <a:solidFill>
+                  <a:srgbClr val="D4D4D4"/>
+                </a:solidFill>
+                <a:latin typeface="RobotoMono Nerd Font" pitchFamily="2" charset="0"/>
+                <a:ea typeface="Times New Roman" panose="02020603050405020304" pitchFamily="18" charset="0"/>
+                <a:cs typeface="Times New Roman" panose="02020603050405020304" pitchFamily="18" charset="0"/>
+              </a:rPr>
+              <a:t>);</a:t>
+            </a:r>
+            <a:endParaRPr lang="en-VN" sz="1100">
+              <a:latin typeface="Calibri" panose="020F0502020204030204" pitchFamily="34" charset="0"/>
+              <a:ea typeface="Calibri" panose="020F0502020204030204" pitchFamily="34" charset="0"/>
+              <a:cs typeface="Times New Roman" panose="02020603050405020304" pitchFamily="18" charset="0"/>
+            </a:endParaRPr>
+          </a:p>
+          <a:p>
+            <a:pPr>
+              <a:lnSpc>
+                <a:spcPts val="1800"/>
+              </a:lnSpc>
+            </a:pPr>
+            <a:r>
+              <a:rPr lang="en-VN" sz="1100">
+                <a:solidFill>
+                  <a:srgbClr val="D4D4D4"/>
+                </a:solidFill>
+                <a:latin typeface="RobotoMono Nerd Font" pitchFamily="2" charset="0"/>
+                <a:ea typeface="Times New Roman" panose="02020603050405020304" pitchFamily="18" charset="0"/>
+                <a:cs typeface="Times New Roman" panose="02020603050405020304" pitchFamily="18" charset="0"/>
+              </a:rPr>
+              <a:t>  }</a:t>
+            </a:r>
+            <a:endParaRPr lang="en-VN" sz="1100">
+              <a:latin typeface="Calibri" panose="020F0502020204030204" pitchFamily="34" charset="0"/>
+              <a:ea typeface="Calibri" panose="020F0502020204030204" pitchFamily="34" charset="0"/>
+              <a:cs typeface="Times New Roman" panose="02020603050405020304" pitchFamily="18" charset="0"/>
+            </a:endParaRPr>
+          </a:p>
+          <a:p>
+            <a:pPr>
+              <a:lnSpc>
+                <a:spcPts val="1800"/>
+              </a:lnSpc>
+            </a:pPr>
+            <a:r>
+              <a:rPr lang="en-VN" sz="1100">
+                <a:solidFill>
+                  <a:srgbClr val="D4D4D4"/>
+                </a:solidFill>
+                <a:latin typeface="RobotoMono Nerd Font" pitchFamily="2" charset="0"/>
+                <a:ea typeface="Times New Roman" panose="02020603050405020304" pitchFamily="18" charset="0"/>
+                <a:cs typeface="Times New Roman" panose="02020603050405020304" pitchFamily="18" charset="0"/>
+              </a:rPr>
+              <a:t>}</a:t>
+            </a:r>
+            <a:endParaRPr lang="en-VN" sz="1100">
+              <a:latin typeface="Calibri" panose="020F0502020204030204" pitchFamily="34" charset="0"/>
+              <a:ea typeface="Calibri" panose="020F0502020204030204" pitchFamily="34" charset="0"/>
+              <a:cs typeface="Times New Roman" panose="02020603050405020304" pitchFamily="18" charset="0"/>
+            </a:endParaRPr>
+          </a:p>
+        </p:txBody>
+      </p:sp>
+      <p:sp>
+        <p:nvSpPr>
+          <p:cNvPr id="7" name="Rectangle 6">
+            <a:extLst>
+              <a:ext uri="{FF2B5EF4-FFF2-40B4-BE49-F238E27FC236}">
+                <a16:creationId xmlns:a16="http://schemas.microsoft.com/office/drawing/2014/main" id="{1DA7C071-9A32-644D-B30F-F4266C6A755B}"/>
+              </a:ext>
+            </a:extLst>
+          </p:cNvPr>
+          <p:cNvSpPr/>
+          <p:nvPr/>
+        </p:nvSpPr>
+        <p:spPr>
+          <a:xfrm>
+            <a:off x="2875447" y="3446240"/>
+            <a:ext cx="3328871" cy="1697260"/>
+          </a:xfrm>
+          <a:prstGeom prst="rect">
+            <a:avLst/>
+          </a:prstGeom>
+          <a:solidFill>
+            <a:schemeClr val="bg2"/>
+          </a:solidFill>
+        </p:spPr>
+        <p:txBody>
+          <a:bodyPr wrap="square">
+            <a:spAutoFit/>
+          </a:bodyPr>
+          <a:lstStyle/>
+          <a:p>
+            <a:pPr>
+              <a:lnSpc>
+                <a:spcPts val="1800"/>
+              </a:lnSpc>
+            </a:pPr>
+            <a:r>
+              <a:rPr lang="en-VN" sz="1100">
+                <a:solidFill>
+                  <a:srgbClr val="D4D4D4"/>
+                </a:solidFill>
+                <a:latin typeface="RobotoMono Nerd Font" pitchFamily="2" charset="0"/>
+                <a:ea typeface="Times New Roman" panose="02020603050405020304" pitchFamily="18" charset="0"/>
+                <a:cs typeface="Times New Roman" panose="02020603050405020304" pitchFamily="18" charset="0"/>
+              </a:rPr>
+              <a:t>@</a:t>
+            </a:r>
+            <a:r>
+              <a:rPr lang="en-VN" sz="1100">
+                <a:solidFill>
+                  <a:srgbClr val="4EC9B0"/>
+                </a:solidFill>
+                <a:latin typeface="RobotoMono Nerd Font" pitchFamily="2" charset="0"/>
+                <a:ea typeface="Times New Roman" panose="02020603050405020304" pitchFamily="18" charset="0"/>
+                <a:cs typeface="Times New Roman" panose="02020603050405020304" pitchFamily="18" charset="0"/>
+              </a:rPr>
+              <a:t>Component</a:t>
+            </a:r>
+            <a:endParaRPr lang="en-VN" sz="1100">
+              <a:latin typeface="Calibri" panose="020F0502020204030204" pitchFamily="34" charset="0"/>
+              <a:ea typeface="Calibri" panose="020F0502020204030204" pitchFamily="34" charset="0"/>
+              <a:cs typeface="Times New Roman" panose="02020603050405020304" pitchFamily="18" charset="0"/>
+            </a:endParaRPr>
+          </a:p>
+          <a:p>
+            <a:pPr>
+              <a:lnSpc>
+                <a:spcPts val="1800"/>
+              </a:lnSpc>
+            </a:pPr>
+            <a:r>
+              <a:rPr lang="en-VN" sz="1100">
+                <a:solidFill>
+                  <a:srgbClr val="D4D4D4"/>
+                </a:solidFill>
+                <a:latin typeface="RobotoMono Nerd Font" pitchFamily="2" charset="0"/>
+                <a:ea typeface="Times New Roman" panose="02020603050405020304" pitchFamily="18" charset="0"/>
+                <a:cs typeface="Times New Roman" panose="02020603050405020304" pitchFamily="18" charset="0"/>
+              </a:rPr>
+              <a:t>@</a:t>
+            </a:r>
+            <a:r>
+              <a:rPr lang="en-VN" sz="1100">
+                <a:solidFill>
+                  <a:srgbClr val="4EC9B0"/>
+                </a:solidFill>
+                <a:latin typeface="RobotoMono Nerd Font" pitchFamily="2" charset="0"/>
+                <a:ea typeface="Times New Roman" panose="02020603050405020304" pitchFamily="18" charset="0"/>
+                <a:cs typeface="Times New Roman" panose="02020603050405020304" pitchFamily="18" charset="0"/>
+              </a:rPr>
+              <a:t>Order</a:t>
+            </a:r>
+            <a:r>
+              <a:rPr lang="en-VN" sz="1100">
+                <a:solidFill>
+                  <a:srgbClr val="D4D4D4"/>
+                </a:solidFill>
+                <a:latin typeface="RobotoMono Nerd Font" pitchFamily="2" charset="0"/>
+                <a:ea typeface="Times New Roman" panose="02020603050405020304" pitchFamily="18" charset="0"/>
+                <a:cs typeface="Times New Roman" panose="02020603050405020304" pitchFamily="18" charset="0"/>
+              </a:rPr>
+              <a:t>(</a:t>
+            </a:r>
+            <a:r>
+              <a:rPr lang="en-VN" sz="1100">
+                <a:solidFill>
+                  <a:srgbClr val="B5CEA8"/>
+                </a:solidFill>
+                <a:latin typeface="RobotoMono Nerd Font" pitchFamily="2" charset="0"/>
+                <a:ea typeface="Times New Roman" panose="02020603050405020304" pitchFamily="18" charset="0"/>
+                <a:cs typeface="Times New Roman" panose="02020603050405020304" pitchFamily="18" charset="0"/>
+              </a:rPr>
+              <a:t>3</a:t>
+            </a:r>
+            <a:r>
+              <a:rPr lang="en-VN" sz="1100">
+                <a:solidFill>
+                  <a:srgbClr val="D4D4D4"/>
+                </a:solidFill>
+                <a:latin typeface="RobotoMono Nerd Font" pitchFamily="2" charset="0"/>
+                <a:ea typeface="Times New Roman" panose="02020603050405020304" pitchFamily="18" charset="0"/>
+                <a:cs typeface="Times New Roman" panose="02020603050405020304" pitchFamily="18" charset="0"/>
+              </a:rPr>
+              <a:t>)</a:t>
+            </a:r>
+            <a:endParaRPr lang="en-VN" sz="1100">
+              <a:latin typeface="Calibri" panose="020F0502020204030204" pitchFamily="34" charset="0"/>
+              <a:ea typeface="Calibri" panose="020F0502020204030204" pitchFamily="34" charset="0"/>
+              <a:cs typeface="Times New Roman" panose="02020603050405020304" pitchFamily="18" charset="0"/>
+            </a:endParaRPr>
+          </a:p>
+          <a:p>
+            <a:pPr>
+              <a:lnSpc>
+                <a:spcPts val="1800"/>
+              </a:lnSpc>
+            </a:pPr>
+            <a:r>
+              <a:rPr lang="en-VN" sz="1100">
+                <a:solidFill>
+                  <a:srgbClr val="569CD6"/>
+                </a:solidFill>
+                <a:latin typeface="RobotoMono Nerd Font" pitchFamily="2" charset="0"/>
+                <a:ea typeface="Times New Roman" panose="02020603050405020304" pitchFamily="18" charset="0"/>
+                <a:cs typeface="Times New Roman" panose="02020603050405020304" pitchFamily="18" charset="0"/>
+              </a:rPr>
+              <a:t>public</a:t>
+            </a:r>
+            <a:r>
+              <a:rPr lang="en-VN" sz="1100">
+                <a:solidFill>
+                  <a:srgbClr val="D4D4D4"/>
+                </a:solidFill>
+                <a:latin typeface="RobotoMono Nerd Font" pitchFamily="2" charset="0"/>
+                <a:ea typeface="Times New Roman" panose="02020603050405020304" pitchFamily="18" charset="0"/>
+                <a:cs typeface="Times New Roman" panose="02020603050405020304" pitchFamily="18" charset="0"/>
+              </a:rPr>
+              <a:t> </a:t>
+            </a:r>
+            <a:r>
+              <a:rPr lang="en-VN" sz="1100">
+                <a:solidFill>
+                  <a:srgbClr val="569CD6"/>
+                </a:solidFill>
+                <a:latin typeface="RobotoMono Nerd Font" pitchFamily="2" charset="0"/>
+                <a:ea typeface="Times New Roman" panose="02020603050405020304" pitchFamily="18" charset="0"/>
+                <a:cs typeface="Times New Roman" panose="02020603050405020304" pitchFamily="18" charset="0"/>
+              </a:rPr>
+              <a:t>class</a:t>
+            </a:r>
+            <a:r>
+              <a:rPr lang="en-VN" sz="1100">
+                <a:solidFill>
+                  <a:srgbClr val="D4D4D4"/>
+                </a:solidFill>
+                <a:latin typeface="RobotoMono Nerd Font" pitchFamily="2" charset="0"/>
+                <a:ea typeface="Times New Roman" panose="02020603050405020304" pitchFamily="18" charset="0"/>
+                <a:cs typeface="Times New Roman" panose="02020603050405020304" pitchFamily="18" charset="0"/>
+              </a:rPr>
+              <a:t> </a:t>
+            </a:r>
+            <a:r>
+              <a:rPr lang="en-VN" sz="1100">
+                <a:solidFill>
+                  <a:srgbClr val="4EC9B0"/>
+                </a:solidFill>
+                <a:latin typeface="RobotoMono Nerd Font" pitchFamily="2" charset="0"/>
+                <a:ea typeface="Times New Roman" panose="02020603050405020304" pitchFamily="18" charset="0"/>
+                <a:cs typeface="Times New Roman" panose="02020603050405020304" pitchFamily="18" charset="0"/>
+              </a:rPr>
+              <a:t>WebCam</a:t>
+            </a:r>
+            <a:r>
+              <a:rPr lang="en-VN" sz="1100">
+                <a:solidFill>
+                  <a:srgbClr val="D4D4D4"/>
+                </a:solidFill>
+                <a:latin typeface="RobotoMono Nerd Font" pitchFamily="2" charset="0"/>
+                <a:ea typeface="Times New Roman" panose="02020603050405020304" pitchFamily="18" charset="0"/>
+                <a:cs typeface="Times New Roman" panose="02020603050405020304" pitchFamily="18" charset="0"/>
+              </a:rPr>
+              <a:t> </a:t>
+            </a:r>
+            <a:r>
+              <a:rPr lang="en-VN" sz="1100">
+                <a:solidFill>
+                  <a:srgbClr val="569CD6"/>
+                </a:solidFill>
+                <a:latin typeface="RobotoMono Nerd Font" pitchFamily="2" charset="0"/>
+                <a:ea typeface="Times New Roman" panose="02020603050405020304" pitchFamily="18" charset="0"/>
+                <a:cs typeface="Times New Roman" panose="02020603050405020304" pitchFamily="18" charset="0"/>
+              </a:rPr>
+              <a:t>implements</a:t>
+            </a:r>
+            <a:r>
+              <a:rPr lang="en-VN" sz="1100">
+                <a:solidFill>
+                  <a:srgbClr val="D4D4D4"/>
+                </a:solidFill>
+                <a:latin typeface="RobotoMono Nerd Font" pitchFamily="2" charset="0"/>
+                <a:ea typeface="Times New Roman" panose="02020603050405020304" pitchFamily="18" charset="0"/>
+                <a:cs typeface="Times New Roman" panose="02020603050405020304" pitchFamily="18" charset="0"/>
+              </a:rPr>
+              <a:t> </a:t>
+            </a:r>
+            <a:r>
+              <a:rPr lang="en-VN" sz="1100">
+                <a:solidFill>
+                  <a:srgbClr val="4EC9B0"/>
+                </a:solidFill>
+                <a:latin typeface="RobotoMono Nerd Font" pitchFamily="2" charset="0"/>
+                <a:ea typeface="Times New Roman" panose="02020603050405020304" pitchFamily="18" charset="0"/>
+                <a:cs typeface="Times New Roman" panose="02020603050405020304" pitchFamily="18" charset="0"/>
+              </a:rPr>
+              <a:t>USB2</a:t>
+            </a:r>
+            <a:r>
+              <a:rPr lang="en-VN" sz="1100">
+                <a:solidFill>
+                  <a:srgbClr val="D4D4D4"/>
+                </a:solidFill>
+                <a:latin typeface="RobotoMono Nerd Font" pitchFamily="2" charset="0"/>
+                <a:ea typeface="Times New Roman" panose="02020603050405020304" pitchFamily="18" charset="0"/>
+                <a:cs typeface="Times New Roman" panose="02020603050405020304" pitchFamily="18" charset="0"/>
+              </a:rPr>
+              <a:t> {</a:t>
+            </a:r>
+            <a:endParaRPr lang="en-VN" sz="1100">
+              <a:latin typeface="Calibri" panose="020F0502020204030204" pitchFamily="34" charset="0"/>
+              <a:ea typeface="Calibri" panose="020F0502020204030204" pitchFamily="34" charset="0"/>
+              <a:cs typeface="Times New Roman" panose="02020603050405020304" pitchFamily="18" charset="0"/>
+            </a:endParaRPr>
+          </a:p>
+          <a:p>
+            <a:pPr>
+              <a:lnSpc>
+                <a:spcPts val="1800"/>
+              </a:lnSpc>
+            </a:pPr>
+            <a:r>
+              <a:rPr lang="en-VN" sz="1100">
+                <a:solidFill>
+                  <a:srgbClr val="D4D4D4"/>
+                </a:solidFill>
+                <a:latin typeface="RobotoMono Nerd Font" pitchFamily="2" charset="0"/>
+                <a:ea typeface="Times New Roman" panose="02020603050405020304" pitchFamily="18" charset="0"/>
+                <a:cs typeface="Times New Roman" panose="02020603050405020304" pitchFamily="18" charset="0"/>
+              </a:rPr>
+              <a:t>  </a:t>
+            </a:r>
+            <a:r>
+              <a:rPr lang="en-VN" sz="1100">
+                <a:solidFill>
+                  <a:srgbClr val="569CD6"/>
+                </a:solidFill>
+                <a:latin typeface="RobotoMono Nerd Font" pitchFamily="2" charset="0"/>
+                <a:ea typeface="Times New Roman" panose="02020603050405020304" pitchFamily="18" charset="0"/>
+                <a:cs typeface="Times New Roman" panose="02020603050405020304" pitchFamily="18" charset="0"/>
+              </a:rPr>
+              <a:t>public</a:t>
+            </a:r>
+            <a:r>
+              <a:rPr lang="en-VN" sz="1100">
+                <a:solidFill>
+                  <a:srgbClr val="D4D4D4"/>
+                </a:solidFill>
+                <a:latin typeface="RobotoMono Nerd Font" pitchFamily="2" charset="0"/>
+                <a:ea typeface="Times New Roman" panose="02020603050405020304" pitchFamily="18" charset="0"/>
+                <a:cs typeface="Times New Roman" panose="02020603050405020304" pitchFamily="18" charset="0"/>
+              </a:rPr>
+              <a:t> </a:t>
+            </a:r>
+            <a:r>
+              <a:rPr lang="en-VN" sz="1100">
+                <a:solidFill>
+                  <a:srgbClr val="DCDCAA"/>
+                </a:solidFill>
+                <a:latin typeface="RobotoMono Nerd Font" pitchFamily="2" charset="0"/>
+                <a:ea typeface="Times New Roman" panose="02020603050405020304" pitchFamily="18" charset="0"/>
+                <a:cs typeface="Times New Roman" panose="02020603050405020304" pitchFamily="18" charset="0"/>
+              </a:rPr>
+              <a:t>WebCam</a:t>
+            </a:r>
+            <a:r>
+              <a:rPr lang="en-VN" sz="1100">
+                <a:solidFill>
+                  <a:srgbClr val="D4D4D4"/>
+                </a:solidFill>
+                <a:latin typeface="RobotoMono Nerd Font" pitchFamily="2" charset="0"/>
+                <a:ea typeface="Times New Roman" panose="02020603050405020304" pitchFamily="18" charset="0"/>
+                <a:cs typeface="Times New Roman" panose="02020603050405020304" pitchFamily="18" charset="0"/>
+              </a:rPr>
+              <a:t>() {</a:t>
+            </a:r>
+            <a:endParaRPr lang="en-VN" sz="1100">
+              <a:latin typeface="Calibri" panose="020F0502020204030204" pitchFamily="34" charset="0"/>
+              <a:ea typeface="Calibri" panose="020F0502020204030204" pitchFamily="34" charset="0"/>
+              <a:cs typeface="Times New Roman" panose="02020603050405020304" pitchFamily="18" charset="0"/>
+            </a:endParaRPr>
+          </a:p>
+          <a:p>
+            <a:pPr>
+              <a:lnSpc>
+                <a:spcPts val="1800"/>
+              </a:lnSpc>
+            </a:pPr>
+            <a:r>
+              <a:rPr lang="en-VN" sz="1100">
+                <a:solidFill>
+                  <a:srgbClr val="D4D4D4"/>
+                </a:solidFill>
+                <a:latin typeface="RobotoMono Nerd Font" pitchFamily="2" charset="0"/>
+                <a:ea typeface="Times New Roman" panose="02020603050405020304" pitchFamily="18" charset="0"/>
+                <a:cs typeface="Times New Roman" panose="02020603050405020304" pitchFamily="18" charset="0"/>
+              </a:rPr>
+              <a:t>    </a:t>
+            </a:r>
+            <a:r>
+              <a:rPr lang="en-VN" sz="1100">
+                <a:solidFill>
+                  <a:srgbClr val="4EC9B0"/>
+                </a:solidFill>
+                <a:latin typeface="RobotoMono Nerd Font" pitchFamily="2" charset="0"/>
+                <a:ea typeface="Times New Roman" panose="02020603050405020304" pitchFamily="18" charset="0"/>
+                <a:cs typeface="Times New Roman" panose="02020603050405020304" pitchFamily="18" charset="0"/>
+              </a:rPr>
+              <a:t>System</a:t>
+            </a:r>
+            <a:r>
+              <a:rPr lang="en-VN" sz="1100">
+                <a:solidFill>
+                  <a:srgbClr val="D4D4D4"/>
+                </a:solidFill>
+                <a:latin typeface="RobotoMono Nerd Font" pitchFamily="2" charset="0"/>
+                <a:ea typeface="Times New Roman" panose="02020603050405020304" pitchFamily="18" charset="0"/>
+                <a:cs typeface="Times New Roman" panose="02020603050405020304" pitchFamily="18" charset="0"/>
+              </a:rPr>
+              <a:t>.</a:t>
+            </a:r>
+            <a:r>
+              <a:rPr lang="en-VN" sz="1100">
+                <a:solidFill>
+                  <a:srgbClr val="4FC1FF"/>
+                </a:solidFill>
+                <a:latin typeface="RobotoMono Nerd Font" pitchFamily="2" charset="0"/>
+                <a:ea typeface="Times New Roman" panose="02020603050405020304" pitchFamily="18" charset="0"/>
+                <a:cs typeface="Times New Roman" panose="02020603050405020304" pitchFamily="18" charset="0"/>
+              </a:rPr>
+              <a:t>out</a:t>
+            </a:r>
+            <a:r>
+              <a:rPr lang="en-VN" sz="1100">
+                <a:solidFill>
+                  <a:srgbClr val="D4D4D4"/>
+                </a:solidFill>
+                <a:latin typeface="RobotoMono Nerd Font" pitchFamily="2" charset="0"/>
+                <a:ea typeface="Times New Roman" panose="02020603050405020304" pitchFamily="18" charset="0"/>
+                <a:cs typeface="Times New Roman" panose="02020603050405020304" pitchFamily="18" charset="0"/>
+              </a:rPr>
+              <a:t>.</a:t>
+            </a:r>
+            <a:r>
+              <a:rPr lang="en-VN" sz="1100">
+                <a:solidFill>
+                  <a:srgbClr val="DCDCAA"/>
+                </a:solidFill>
+                <a:latin typeface="RobotoMono Nerd Font" pitchFamily="2" charset="0"/>
+                <a:ea typeface="Times New Roman" panose="02020603050405020304" pitchFamily="18" charset="0"/>
+                <a:cs typeface="Times New Roman" panose="02020603050405020304" pitchFamily="18" charset="0"/>
+              </a:rPr>
+              <a:t>println</a:t>
+            </a:r>
+            <a:r>
+              <a:rPr lang="en-VN" sz="1100">
+                <a:solidFill>
+                  <a:srgbClr val="D4D4D4"/>
+                </a:solidFill>
+                <a:latin typeface="RobotoMono Nerd Font" pitchFamily="2" charset="0"/>
+                <a:ea typeface="Times New Roman" panose="02020603050405020304" pitchFamily="18" charset="0"/>
+                <a:cs typeface="Times New Roman" panose="02020603050405020304" pitchFamily="18" charset="0"/>
+              </a:rPr>
+              <a:t>(</a:t>
+            </a:r>
+            <a:r>
+              <a:rPr lang="en-VN" sz="1100">
+                <a:solidFill>
+                  <a:srgbClr val="CE9178"/>
+                </a:solidFill>
+                <a:latin typeface="RobotoMono Nerd Font" pitchFamily="2" charset="0"/>
+                <a:ea typeface="Times New Roman" panose="02020603050405020304" pitchFamily="18" charset="0"/>
+                <a:cs typeface="Times New Roman" panose="02020603050405020304" pitchFamily="18" charset="0"/>
+              </a:rPr>
+              <a:t>"Web cam"</a:t>
+            </a:r>
+            <a:r>
+              <a:rPr lang="en-VN" sz="1100">
+                <a:solidFill>
+                  <a:srgbClr val="D4D4D4"/>
+                </a:solidFill>
+                <a:latin typeface="RobotoMono Nerd Font" pitchFamily="2" charset="0"/>
+                <a:ea typeface="Times New Roman" panose="02020603050405020304" pitchFamily="18" charset="0"/>
+                <a:cs typeface="Times New Roman" panose="02020603050405020304" pitchFamily="18" charset="0"/>
+              </a:rPr>
+              <a:t>);</a:t>
+            </a:r>
+            <a:endParaRPr lang="en-VN" sz="1100">
+              <a:latin typeface="Calibri" panose="020F0502020204030204" pitchFamily="34" charset="0"/>
+              <a:ea typeface="Calibri" panose="020F0502020204030204" pitchFamily="34" charset="0"/>
+              <a:cs typeface="Times New Roman" panose="02020603050405020304" pitchFamily="18" charset="0"/>
+            </a:endParaRPr>
+          </a:p>
+          <a:p>
+            <a:pPr>
+              <a:lnSpc>
+                <a:spcPts val="1800"/>
+              </a:lnSpc>
+            </a:pPr>
+            <a:r>
+              <a:rPr lang="en-VN" sz="1100">
+                <a:solidFill>
+                  <a:srgbClr val="D4D4D4"/>
+                </a:solidFill>
+                <a:latin typeface="RobotoMono Nerd Font" pitchFamily="2" charset="0"/>
+                <a:ea typeface="Times New Roman" panose="02020603050405020304" pitchFamily="18" charset="0"/>
+                <a:cs typeface="Times New Roman" panose="02020603050405020304" pitchFamily="18" charset="0"/>
+              </a:rPr>
+              <a:t>  }</a:t>
+            </a:r>
+            <a:endParaRPr lang="en-VN" sz="1100">
+              <a:latin typeface="Calibri" panose="020F0502020204030204" pitchFamily="34" charset="0"/>
+              <a:ea typeface="Calibri" panose="020F0502020204030204" pitchFamily="34" charset="0"/>
+              <a:cs typeface="Times New Roman" panose="02020603050405020304" pitchFamily="18" charset="0"/>
+            </a:endParaRPr>
+          </a:p>
+          <a:p>
+            <a:pPr>
+              <a:lnSpc>
+                <a:spcPts val="1800"/>
+              </a:lnSpc>
+            </a:pPr>
+            <a:r>
+              <a:rPr lang="en-VN" sz="1100">
+                <a:solidFill>
+                  <a:srgbClr val="D4D4D4"/>
+                </a:solidFill>
+                <a:latin typeface="RobotoMono Nerd Font" pitchFamily="2" charset="0"/>
+                <a:ea typeface="Times New Roman" panose="02020603050405020304" pitchFamily="18" charset="0"/>
+                <a:cs typeface="Times New Roman" panose="02020603050405020304" pitchFamily="18" charset="0"/>
+              </a:rPr>
+              <a:t>}</a:t>
+            </a:r>
+            <a:endParaRPr lang="en-VN" sz="1100">
+              <a:latin typeface="Calibri" panose="020F0502020204030204" pitchFamily="34" charset="0"/>
+              <a:ea typeface="Calibri" panose="020F0502020204030204" pitchFamily="34" charset="0"/>
+              <a:cs typeface="Times New Roman" panose="02020603050405020304" pitchFamily="18" charset="0"/>
+            </a:endParaRPr>
+          </a:p>
+        </p:txBody>
+      </p:sp>
+      <p:cxnSp>
+        <p:nvCxnSpPr>
+          <p:cNvPr id="9" name="Straight Arrow Connector 8">
+            <a:extLst>
+              <a:ext uri="{FF2B5EF4-FFF2-40B4-BE49-F238E27FC236}">
+                <a16:creationId xmlns:a16="http://schemas.microsoft.com/office/drawing/2014/main" id="{9A30527C-2D4C-1D4B-93DE-C59FFD3603A7}"/>
+              </a:ext>
+            </a:extLst>
+          </p:cNvPr>
+          <p:cNvCxnSpPr>
+            <a:stCxn id="5" idx="2"/>
+            <a:endCxn id="7" idx="1"/>
+          </p:cNvCxnSpPr>
+          <p:nvPr/>
+        </p:nvCxnSpPr>
+        <p:spPr>
+          <a:xfrm>
+            <a:off x="1677661" y="3113528"/>
+            <a:ext cx="1197786" cy="1181342"/>
+          </a:xfrm>
+          <a:prstGeom prst="straightConnector1">
+            <a:avLst/>
+          </a:prstGeom>
+          <a:ln w="57150">
+            <a:tailEnd type="triangle"/>
+          </a:ln>
+        </p:spPr>
+        <p:style>
+          <a:lnRef idx="1">
+            <a:schemeClr val="accent1"/>
+          </a:lnRef>
+          <a:fillRef idx="0">
+            <a:schemeClr val="accent1"/>
+          </a:fillRef>
+          <a:effectRef idx="0">
+            <a:schemeClr val="accent1"/>
+          </a:effectRef>
+          <a:fontRef idx="minor">
+            <a:schemeClr val="tx1"/>
+          </a:fontRef>
+        </p:style>
+      </p:cxnSp>
+      <p:cxnSp>
+        <p:nvCxnSpPr>
+          <p:cNvPr id="10" name="Straight Arrow Connector 9">
+            <a:extLst>
+              <a:ext uri="{FF2B5EF4-FFF2-40B4-BE49-F238E27FC236}">
+                <a16:creationId xmlns:a16="http://schemas.microsoft.com/office/drawing/2014/main" id="{55983140-7364-B149-A9CC-3FA291A5AB9E}"/>
+              </a:ext>
+            </a:extLst>
+          </p:cNvPr>
+          <p:cNvCxnSpPr>
+            <a:cxnSpLocks/>
+            <a:stCxn id="7" idx="3"/>
+            <a:endCxn id="6" idx="2"/>
+          </p:cNvCxnSpPr>
+          <p:nvPr/>
+        </p:nvCxnSpPr>
+        <p:spPr>
+          <a:xfrm flipV="1">
+            <a:off x="6204318" y="3206723"/>
+            <a:ext cx="1044758" cy="1088147"/>
+          </a:xfrm>
+          <a:prstGeom prst="straightConnector1">
+            <a:avLst/>
+          </a:prstGeom>
+          <a:ln w="57150">
+            <a:tailEnd type="triangle"/>
+          </a:ln>
+        </p:spPr>
+        <p:style>
+          <a:lnRef idx="1">
+            <a:schemeClr val="accent1"/>
+          </a:lnRef>
+          <a:fillRef idx="0">
+            <a:schemeClr val="accent1"/>
+          </a:fillRef>
+          <a:effectRef idx="0">
+            <a:schemeClr val="accent1"/>
+          </a:effectRef>
+          <a:fontRef idx="minor">
+            <a:schemeClr val="tx1"/>
+          </a:fontRef>
+        </p:style>
+      </p:cxnSp>
+      <p:sp>
+        <p:nvSpPr>
+          <p:cNvPr id="16" name="TextBox 15">
+            <a:extLst>
+              <a:ext uri="{FF2B5EF4-FFF2-40B4-BE49-F238E27FC236}">
+                <a16:creationId xmlns:a16="http://schemas.microsoft.com/office/drawing/2014/main" id="{AFF3D2B9-5F40-BF44-812D-57DC534ED4E9}"/>
+              </a:ext>
+            </a:extLst>
+          </p:cNvPr>
+          <p:cNvSpPr txBox="1"/>
+          <p:nvPr/>
+        </p:nvSpPr>
+        <p:spPr>
+          <a:xfrm>
+            <a:off x="287167" y="4299947"/>
+            <a:ext cx="2476960" cy="523220"/>
+          </a:xfrm>
+          <a:prstGeom prst="rect">
+            <a:avLst/>
+          </a:prstGeom>
+          <a:noFill/>
+        </p:spPr>
+        <p:txBody>
+          <a:bodyPr wrap="none" rtlCol="0">
+            <a:spAutoFit/>
+          </a:bodyPr>
+          <a:lstStyle/>
+          <a:p>
+            <a:r>
+              <a:rPr lang="en-VN"/>
+              <a:t>@Order  xác định thứ tự nạp</a:t>
+            </a:r>
+          </a:p>
+          <a:p>
+            <a:r>
+              <a:rPr lang="en-VN"/>
+              <a:t>vào</a:t>
+            </a:r>
+          </a:p>
+        </p:txBody>
+      </p:sp>
+    </p:spTree>
+    <p:extLst>
+      <p:ext uri="{BB962C8B-B14F-4D97-AF65-F5344CB8AC3E}">
+        <p14:creationId xmlns:p14="http://schemas.microsoft.com/office/powerpoint/2010/main" val="708278783"/>
+      </p:ext>
+    </p:extLst>
+  </p:cSld>
+  <p:clrMapOvr>
+    <a:masterClrMapping/>
+  </p:clrMapOvr>
+</p:sld>
+</file>
+
+<file path=ppt/slides/slide29.xml><?xml version="1.0" encoding="utf-8"?>
+<p:sld xmlns:a="http://schemas.openxmlformats.org/drawingml/2006/main" xmlns:r="http://schemas.openxmlformats.org/officeDocument/2006/relationships" xmlns:p="http://schemas.openxmlformats.org/presentationml/2006/main">
+  <p:cSld>
+    <p:spTree>
+      <p:nvGrpSpPr>
+        <p:cNvPr id="1" name=""/>
+        <p:cNvGrpSpPr/>
+        <p:nvPr/>
+      </p:nvGrpSpPr>
+      <p:grpSpPr>
+        <a:xfrm>
+          <a:off x="0" y="0"/>
+          <a:ext cx="0" cy="0"/>
+          <a:chOff x="0" y="0"/>
+          <a:chExt cx="0" cy="0"/>
+        </a:xfrm>
+      </p:grpSpPr>
+      <p:sp>
+        <p:nvSpPr>
+          <p:cNvPr id="2" name="Title 1">
+            <a:extLst>
+              <a:ext uri="{FF2B5EF4-FFF2-40B4-BE49-F238E27FC236}">
+                <a16:creationId xmlns:a16="http://schemas.microsoft.com/office/drawing/2014/main" id="{755B37F2-E173-D74E-991C-A298E1B23B9C}"/>
+              </a:ext>
+            </a:extLst>
+          </p:cNvPr>
+          <p:cNvSpPr>
+            <a:spLocks noGrp="1"/>
+          </p:cNvSpPr>
+          <p:nvPr>
+            <p:ph type="title"/>
+          </p:nvPr>
+        </p:nvSpPr>
+        <p:spPr/>
+        <p:txBody>
+          <a:bodyPr/>
+          <a:lstStyle/>
+          <a:p>
+            <a:r>
+              <a:rPr lang="en-VN" sz="2000"/>
+              <a:t>@Value đọc dữ liệu từ file cấu hình hoặc biểu thức giá trị</a:t>
+            </a:r>
+          </a:p>
+        </p:txBody>
+      </p:sp>
+      <p:sp>
+        <p:nvSpPr>
+          <p:cNvPr id="3" name="Text Placeholder 2">
+            <a:extLst>
+              <a:ext uri="{FF2B5EF4-FFF2-40B4-BE49-F238E27FC236}">
+                <a16:creationId xmlns:a16="http://schemas.microsoft.com/office/drawing/2014/main" id="{849C3797-DA1B-624E-A6DB-D4A2AA7B476C}"/>
+              </a:ext>
+            </a:extLst>
+          </p:cNvPr>
+          <p:cNvSpPr>
+            <a:spLocks noGrp="1"/>
+          </p:cNvSpPr>
+          <p:nvPr>
+            <p:ph type="body" idx="1"/>
+          </p:nvPr>
+        </p:nvSpPr>
+        <p:spPr>
+          <a:xfrm>
+            <a:off x="506321" y="2728087"/>
+            <a:ext cx="8448993" cy="2197014"/>
+          </a:xfrm>
+        </p:spPr>
+        <p:txBody>
+          <a:bodyPr/>
+          <a:lstStyle/>
+          <a:p>
+            <a:pPr marL="114300" indent="0">
+              <a:buNone/>
+            </a:pPr>
+            <a:r>
+              <a:rPr lang="en-VN"/>
+              <a:t>Tham khảo thêm</a:t>
+            </a:r>
+            <a:br>
+              <a:rPr lang="en-VN"/>
+            </a:br>
+            <a:r>
+              <a:rPr lang="en-US"/>
+              <a:t>https://www.baeldung.com/spring-value-annotation</a:t>
+            </a:r>
+            <a:endParaRPr lang="en-VN"/>
+          </a:p>
+        </p:txBody>
+      </p:sp>
+      <p:sp>
+        <p:nvSpPr>
+          <p:cNvPr id="4" name="Rectangle 3">
+            <a:extLst>
+              <a:ext uri="{FF2B5EF4-FFF2-40B4-BE49-F238E27FC236}">
+                <a16:creationId xmlns:a16="http://schemas.microsoft.com/office/drawing/2014/main" id="{47B9B68A-AF87-8F47-B544-2DC87EC43C76}"/>
+              </a:ext>
+            </a:extLst>
+          </p:cNvPr>
+          <p:cNvSpPr/>
+          <p:nvPr/>
+        </p:nvSpPr>
+        <p:spPr>
+          <a:xfrm>
+            <a:off x="355180" y="856124"/>
+            <a:ext cx="2743201" cy="1367169"/>
+          </a:xfrm>
+          <a:prstGeom prst="rect">
+            <a:avLst/>
+          </a:prstGeom>
+          <a:solidFill>
+            <a:schemeClr val="bg2"/>
+          </a:solidFill>
+        </p:spPr>
+        <p:txBody>
+          <a:bodyPr wrap="square">
+            <a:spAutoFit/>
+          </a:bodyPr>
+          <a:lstStyle/>
+          <a:p>
+            <a:pPr>
+              <a:lnSpc>
+                <a:spcPct val="120000"/>
+              </a:lnSpc>
+            </a:pPr>
+            <a:r>
+              <a:rPr lang="en-VN">
+                <a:solidFill>
+                  <a:srgbClr val="D4D4D4"/>
+                </a:solidFill>
+                <a:latin typeface="RobotoMono Nerd Font" pitchFamily="2" charset="0"/>
+                <a:ea typeface="Times New Roman" panose="02020603050405020304" pitchFamily="18" charset="0"/>
+                <a:cs typeface="Times New Roman" panose="02020603050405020304" pitchFamily="18" charset="0"/>
+              </a:rPr>
+              <a:t>@</a:t>
+            </a:r>
+            <a:r>
+              <a:rPr lang="en-VN">
+                <a:solidFill>
+                  <a:srgbClr val="4EC9B0"/>
+                </a:solidFill>
+                <a:latin typeface="RobotoMono Nerd Font" pitchFamily="2" charset="0"/>
+                <a:ea typeface="Times New Roman" panose="02020603050405020304" pitchFamily="18" charset="0"/>
+                <a:cs typeface="Times New Roman" panose="02020603050405020304" pitchFamily="18" charset="0"/>
+              </a:rPr>
+              <a:t>Component</a:t>
+            </a:r>
+            <a:endParaRPr lang="en-VN">
+              <a:latin typeface="Calibri" panose="020F0502020204030204" pitchFamily="34" charset="0"/>
+              <a:ea typeface="Calibri" panose="020F0502020204030204" pitchFamily="34" charset="0"/>
+              <a:cs typeface="Times New Roman" panose="02020603050405020304" pitchFamily="18" charset="0"/>
+            </a:endParaRPr>
+          </a:p>
+          <a:p>
+            <a:pPr>
+              <a:lnSpc>
+                <a:spcPct val="120000"/>
+              </a:lnSpc>
+            </a:pPr>
+            <a:r>
+              <a:rPr lang="en-VN">
+                <a:solidFill>
+                  <a:srgbClr val="D4D4D4"/>
+                </a:solidFill>
+                <a:latin typeface="RobotoMono Nerd Font" pitchFamily="2" charset="0"/>
+                <a:ea typeface="Times New Roman" panose="02020603050405020304" pitchFamily="18" charset="0"/>
+                <a:cs typeface="Times New Roman" panose="02020603050405020304" pitchFamily="18" charset="0"/>
+              </a:rPr>
+              <a:t>@</a:t>
+            </a:r>
+            <a:r>
+              <a:rPr lang="en-VN">
+                <a:solidFill>
+                  <a:srgbClr val="4EC9B0"/>
+                </a:solidFill>
+                <a:latin typeface="RobotoMono Nerd Font" pitchFamily="2" charset="0"/>
+                <a:ea typeface="Times New Roman" panose="02020603050405020304" pitchFamily="18" charset="0"/>
+                <a:cs typeface="Times New Roman" panose="02020603050405020304" pitchFamily="18" charset="0"/>
+              </a:rPr>
+              <a:t>Configuration</a:t>
+            </a:r>
+            <a:endParaRPr lang="en-VN">
+              <a:latin typeface="Calibri" panose="020F0502020204030204" pitchFamily="34" charset="0"/>
+              <a:ea typeface="Calibri" panose="020F0502020204030204" pitchFamily="34" charset="0"/>
+              <a:cs typeface="Times New Roman" panose="02020603050405020304" pitchFamily="18" charset="0"/>
+            </a:endParaRPr>
+          </a:p>
+          <a:p>
+            <a:pPr>
+              <a:lnSpc>
+                <a:spcPct val="120000"/>
+              </a:lnSpc>
+            </a:pPr>
+            <a:r>
+              <a:rPr lang="en-VN">
+                <a:solidFill>
+                  <a:srgbClr val="569CD6"/>
+                </a:solidFill>
+                <a:latin typeface="RobotoMono Nerd Font" pitchFamily="2" charset="0"/>
+                <a:ea typeface="Times New Roman" panose="02020603050405020304" pitchFamily="18" charset="0"/>
+                <a:cs typeface="Times New Roman" panose="02020603050405020304" pitchFamily="18" charset="0"/>
+              </a:rPr>
+              <a:t>public</a:t>
+            </a:r>
+            <a:r>
+              <a:rPr lang="en-VN">
+                <a:solidFill>
+                  <a:srgbClr val="D4D4D4"/>
+                </a:solidFill>
+                <a:latin typeface="RobotoMono Nerd Font" pitchFamily="2" charset="0"/>
+                <a:ea typeface="Times New Roman" panose="02020603050405020304" pitchFamily="18" charset="0"/>
+                <a:cs typeface="Times New Roman" panose="02020603050405020304" pitchFamily="18" charset="0"/>
+              </a:rPr>
+              <a:t> </a:t>
+            </a:r>
+            <a:r>
+              <a:rPr lang="en-VN">
+                <a:solidFill>
+                  <a:srgbClr val="569CD6"/>
+                </a:solidFill>
+                <a:latin typeface="RobotoMono Nerd Font" pitchFamily="2" charset="0"/>
+                <a:ea typeface="Times New Roman" panose="02020603050405020304" pitchFamily="18" charset="0"/>
+                <a:cs typeface="Times New Roman" panose="02020603050405020304" pitchFamily="18" charset="0"/>
+              </a:rPr>
+              <a:t>class</a:t>
+            </a:r>
+            <a:r>
+              <a:rPr lang="en-VN">
+                <a:solidFill>
+                  <a:srgbClr val="D4D4D4"/>
+                </a:solidFill>
+                <a:latin typeface="RobotoMono Nerd Font" pitchFamily="2" charset="0"/>
+                <a:ea typeface="Times New Roman" panose="02020603050405020304" pitchFamily="18" charset="0"/>
+                <a:cs typeface="Times New Roman" panose="02020603050405020304" pitchFamily="18" charset="0"/>
+              </a:rPr>
+              <a:t> </a:t>
+            </a:r>
+            <a:r>
+              <a:rPr lang="en-VN">
+                <a:solidFill>
+                  <a:srgbClr val="4EC9B0"/>
+                </a:solidFill>
+                <a:latin typeface="RobotoMono Nerd Font" pitchFamily="2" charset="0"/>
+                <a:ea typeface="Times New Roman" panose="02020603050405020304" pitchFamily="18" charset="0"/>
+                <a:cs typeface="Times New Roman" panose="02020603050405020304" pitchFamily="18" charset="0"/>
+              </a:rPr>
+              <a:t>Computer</a:t>
+            </a:r>
+            <a:r>
+              <a:rPr lang="en-VN">
+                <a:solidFill>
+                  <a:srgbClr val="D4D4D4"/>
+                </a:solidFill>
+                <a:latin typeface="RobotoMono Nerd Font" pitchFamily="2" charset="0"/>
+                <a:ea typeface="Times New Roman" panose="02020603050405020304" pitchFamily="18" charset="0"/>
+                <a:cs typeface="Times New Roman" panose="02020603050405020304" pitchFamily="18" charset="0"/>
+              </a:rPr>
+              <a:t> {</a:t>
+            </a:r>
+            <a:endParaRPr lang="en-VN">
+              <a:latin typeface="Calibri" panose="020F0502020204030204" pitchFamily="34" charset="0"/>
+              <a:ea typeface="Calibri" panose="020F0502020204030204" pitchFamily="34" charset="0"/>
+              <a:cs typeface="Times New Roman" panose="02020603050405020304" pitchFamily="18" charset="0"/>
+            </a:endParaRPr>
+          </a:p>
+          <a:p>
+            <a:pPr>
+              <a:lnSpc>
+                <a:spcPct val="120000"/>
+              </a:lnSpc>
+            </a:pPr>
+            <a:r>
+              <a:rPr lang="en-VN">
+                <a:solidFill>
+                  <a:srgbClr val="D4D4D4"/>
+                </a:solidFill>
+                <a:latin typeface="RobotoMono Nerd Font" pitchFamily="2" charset="0"/>
+                <a:ea typeface="Times New Roman" panose="02020603050405020304" pitchFamily="18" charset="0"/>
+                <a:cs typeface="Times New Roman" panose="02020603050405020304" pitchFamily="18" charset="0"/>
+              </a:rPr>
+              <a:t>  @</a:t>
+            </a:r>
+            <a:r>
+              <a:rPr lang="en-VN">
+                <a:solidFill>
+                  <a:srgbClr val="4EC9B0"/>
+                </a:solidFill>
+                <a:latin typeface="RobotoMono Nerd Font" pitchFamily="2" charset="0"/>
+                <a:ea typeface="Times New Roman" panose="02020603050405020304" pitchFamily="18" charset="0"/>
+                <a:cs typeface="Times New Roman" panose="02020603050405020304" pitchFamily="18" charset="0"/>
+              </a:rPr>
+              <a:t>Value</a:t>
+            </a:r>
+            <a:r>
+              <a:rPr lang="en-VN">
+                <a:solidFill>
+                  <a:srgbClr val="D4D4D4"/>
+                </a:solidFill>
+                <a:latin typeface="RobotoMono Nerd Font" pitchFamily="2" charset="0"/>
+                <a:ea typeface="Times New Roman" panose="02020603050405020304" pitchFamily="18" charset="0"/>
+                <a:cs typeface="Times New Roman" panose="02020603050405020304" pitchFamily="18" charset="0"/>
+              </a:rPr>
+              <a:t>(</a:t>
+            </a:r>
+            <a:r>
+              <a:rPr lang="en-VN">
+                <a:solidFill>
+                  <a:srgbClr val="CE9178"/>
+                </a:solidFill>
+                <a:latin typeface="RobotoMono Nerd Font" pitchFamily="2" charset="0"/>
+                <a:ea typeface="Times New Roman" panose="02020603050405020304" pitchFamily="18" charset="0"/>
+                <a:cs typeface="Times New Roman" panose="02020603050405020304" pitchFamily="18" charset="0"/>
+              </a:rPr>
+              <a:t>"${model}"</a:t>
+            </a:r>
+            <a:r>
+              <a:rPr lang="en-VN">
+                <a:solidFill>
+                  <a:srgbClr val="D4D4D4"/>
+                </a:solidFill>
+                <a:latin typeface="RobotoMono Nerd Font" pitchFamily="2" charset="0"/>
+                <a:ea typeface="Times New Roman" panose="02020603050405020304" pitchFamily="18" charset="0"/>
+                <a:cs typeface="Times New Roman" panose="02020603050405020304" pitchFamily="18" charset="0"/>
+              </a:rPr>
+              <a:t>)</a:t>
+            </a:r>
+            <a:endParaRPr lang="en-VN">
+              <a:latin typeface="Calibri" panose="020F0502020204030204" pitchFamily="34" charset="0"/>
+              <a:ea typeface="Calibri" panose="020F0502020204030204" pitchFamily="34" charset="0"/>
+              <a:cs typeface="Times New Roman" panose="02020603050405020304" pitchFamily="18" charset="0"/>
+            </a:endParaRPr>
+          </a:p>
+          <a:p>
+            <a:pPr>
+              <a:lnSpc>
+                <a:spcPct val="120000"/>
+              </a:lnSpc>
+            </a:pPr>
+            <a:r>
+              <a:rPr lang="en-VN">
+                <a:solidFill>
+                  <a:srgbClr val="D4D4D4"/>
+                </a:solidFill>
+                <a:latin typeface="RobotoMono Nerd Font" pitchFamily="2" charset="0"/>
+                <a:ea typeface="Times New Roman" panose="02020603050405020304" pitchFamily="18" charset="0"/>
+                <a:cs typeface="Times New Roman" panose="02020603050405020304" pitchFamily="18" charset="0"/>
+              </a:rPr>
+              <a:t>  </a:t>
+            </a:r>
+            <a:r>
+              <a:rPr lang="en-VN">
+                <a:solidFill>
+                  <a:srgbClr val="569CD6"/>
+                </a:solidFill>
+                <a:latin typeface="RobotoMono Nerd Font" pitchFamily="2" charset="0"/>
+                <a:ea typeface="Times New Roman" panose="02020603050405020304" pitchFamily="18" charset="0"/>
+                <a:cs typeface="Times New Roman" panose="02020603050405020304" pitchFamily="18" charset="0"/>
+              </a:rPr>
+              <a:t>private</a:t>
+            </a:r>
+            <a:r>
+              <a:rPr lang="en-VN">
+                <a:solidFill>
+                  <a:srgbClr val="D4D4D4"/>
+                </a:solidFill>
+                <a:latin typeface="RobotoMono Nerd Font" pitchFamily="2" charset="0"/>
+                <a:ea typeface="Times New Roman" panose="02020603050405020304" pitchFamily="18" charset="0"/>
+                <a:cs typeface="Times New Roman" panose="02020603050405020304" pitchFamily="18" charset="0"/>
+              </a:rPr>
+              <a:t> </a:t>
+            </a:r>
+            <a:r>
+              <a:rPr lang="en-VN">
+                <a:solidFill>
+                  <a:srgbClr val="4EC9B0"/>
+                </a:solidFill>
+                <a:latin typeface="RobotoMono Nerd Font" pitchFamily="2" charset="0"/>
+                <a:ea typeface="Times New Roman" panose="02020603050405020304" pitchFamily="18" charset="0"/>
+                <a:cs typeface="Times New Roman" panose="02020603050405020304" pitchFamily="18" charset="0"/>
+              </a:rPr>
+              <a:t>String</a:t>
+            </a:r>
+            <a:r>
+              <a:rPr lang="en-VN">
+                <a:solidFill>
+                  <a:srgbClr val="D4D4D4"/>
+                </a:solidFill>
+                <a:latin typeface="RobotoMono Nerd Font" pitchFamily="2" charset="0"/>
+                <a:ea typeface="Times New Roman" panose="02020603050405020304" pitchFamily="18" charset="0"/>
+                <a:cs typeface="Times New Roman" panose="02020603050405020304" pitchFamily="18" charset="0"/>
+              </a:rPr>
+              <a:t> </a:t>
+            </a:r>
+            <a:r>
+              <a:rPr lang="en-VN">
+                <a:solidFill>
+                  <a:srgbClr val="9CDCFE"/>
+                </a:solidFill>
+                <a:latin typeface="RobotoMono Nerd Font" pitchFamily="2" charset="0"/>
+                <a:ea typeface="Times New Roman" panose="02020603050405020304" pitchFamily="18" charset="0"/>
+                <a:cs typeface="Times New Roman" panose="02020603050405020304" pitchFamily="18" charset="0"/>
+              </a:rPr>
+              <a:t>model</a:t>
+            </a:r>
+            <a:r>
+              <a:rPr lang="en-VN">
+                <a:solidFill>
+                  <a:srgbClr val="D4D4D4"/>
+                </a:solidFill>
+                <a:latin typeface="RobotoMono Nerd Font" pitchFamily="2" charset="0"/>
+                <a:ea typeface="Times New Roman" panose="02020603050405020304" pitchFamily="18" charset="0"/>
+                <a:cs typeface="Times New Roman" panose="02020603050405020304" pitchFamily="18" charset="0"/>
+              </a:rPr>
+              <a:t>;</a:t>
+            </a:r>
+            <a:endParaRPr lang="en-VN">
+              <a:latin typeface="Calibri" panose="020F0502020204030204" pitchFamily="34" charset="0"/>
+              <a:ea typeface="Calibri" panose="020F0502020204030204" pitchFamily="34" charset="0"/>
+              <a:cs typeface="Times New Roman" panose="02020603050405020304" pitchFamily="18" charset="0"/>
+            </a:endParaRPr>
+          </a:p>
+        </p:txBody>
+      </p:sp>
+      <p:sp>
+        <p:nvSpPr>
+          <p:cNvPr id="6" name="Folded Corner 5">
+            <a:extLst>
+              <a:ext uri="{FF2B5EF4-FFF2-40B4-BE49-F238E27FC236}">
+                <a16:creationId xmlns:a16="http://schemas.microsoft.com/office/drawing/2014/main" id="{A7B16A56-F970-2042-B57F-AE980709BF48}"/>
+              </a:ext>
+            </a:extLst>
+          </p:cNvPr>
+          <p:cNvSpPr/>
+          <p:nvPr/>
+        </p:nvSpPr>
+        <p:spPr>
+          <a:xfrm>
+            <a:off x="5017865" y="1473621"/>
+            <a:ext cx="1874143" cy="506320"/>
+          </a:xfrm>
+          <a:prstGeom prst="foldedCorner">
+            <a:avLst/>
+          </a:prstGeom>
+        </p:spPr>
+        <p:style>
+          <a:lnRef idx="2">
+            <a:schemeClr val="accent1">
+              <a:shade val="50000"/>
+            </a:schemeClr>
+          </a:lnRef>
+          <a:fillRef idx="1">
+            <a:schemeClr val="accent1"/>
+          </a:fillRef>
+          <a:effectRef idx="0">
+            <a:schemeClr val="accent1"/>
+          </a:effectRef>
+          <a:fontRef idx="minor">
+            <a:schemeClr val="lt1"/>
+          </a:fontRef>
+        </p:style>
+        <p:txBody>
+          <a:bodyPr rtlCol="0" anchor="ctr"/>
+          <a:lstStyle/>
+          <a:p>
+            <a:r>
+              <a:rPr lang="en-US">
+                <a:solidFill>
+                  <a:srgbClr val="D4D4D4"/>
+                </a:solidFill>
+                <a:latin typeface="RobotoMono Nerd Font" pitchFamily="2" charset="0"/>
+              </a:rPr>
+              <a:t>model=</a:t>
+            </a:r>
+            <a:r>
+              <a:rPr lang="en-US">
+                <a:solidFill>
+                  <a:srgbClr val="FFFF00"/>
+                </a:solidFill>
+                <a:latin typeface="RobotoMono Nerd Font" pitchFamily="2" charset="0"/>
+              </a:rPr>
+              <a:t>Alienware</a:t>
+            </a:r>
+          </a:p>
+        </p:txBody>
+      </p:sp>
+      <p:sp>
+        <p:nvSpPr>
+          <p:cNvPr id="7" name="TextBox 6">
+            <a:extLst>
+              <a:ext uri="{FF2B5EF4-FFF2-40B4-BE49-F238E27FC236}">
+                <a16:creationId xmlns:a16="http://schemas.microsoft.com/office/drawing/2014/main" id="{377C4F07-8FC5-A649-B643-A25F02442427}"/>
+              </a:ext>
+            </a:extLst>
+          </p:cNvPr>
+          <p:cNvSpPr txBox="1"/>
+          <p:nvPr/>
+        </p:nvSpPr>
+        <p:spPr>
+          <a:xfrm>
+            <a:off x="5025423" y="1964827"/>
+            <a:ext cx="1906291" cy="307777"/>
+          </a:xfrm>
+          <a:prstGeom prst="rect">
+            <a:avLst/>
+          </a:prstGeom>
+          <a:noFill/>
+        </p:spPr>
+        <p:txBody>
+          <a:bodyPr wrap="none" rtlCol="0">
+            <a:spAutoFit/>
+          </a:bodyPr>
+          <a:lstStyle/>
+          <a:p>
+            <a:r>
+              <a:rPr lang="en-US"/>
+              <a:t>a</a:t>
+            </a:r>
+            <a:r>
+              <a:rPr lang="en-VN"/>
+              <a:t>pplication.properties</a:t>
+            </a:r>
+          </a:p>
+        </p:txBody>
+      </p:sp>
+      <p:sp>
+        <p:nvSpPr>
+          <p:cNvPr id="8" name="Left Arrow 7">
+            <a:extLst>
+              <a:ext uri="{FF2B5EF4-FFF2-40B4-BE49-F238E27FC236}">
+                <a16:creationId xmlns:a16="http://schemas.microsoft.com/office/drawing/2014/main" id="{310C0ECB-E2DE-824E-968D-1D410D368074}"/>
+              </a:ext>
+            </a:extLst>
+          </p:cNvPr>
+          <p:cNvSpPr/>
+          <p:nvPr/>
+        </p:nvSpPr>
+        <p:spPr>
+          <a:xfrm>
+            <a:off x="3136165" y="1647431"/>
+            <a:ext cx="1783458" cy="234268"/>
+          </a:xfrm>
+          <a:prstGeom prst="leftArrow">
+            <a:avLst/>
+          </a:prstGeom>
+        </p:spPr>
+        <p:style>
+          <a:lnRef idx="2">
+            <a:schemeClr val="accent1">
+              <a:shade val="50000"/>
+            </a:schemeClr>
+          </a:lnRef>
+          <a:fillRef idx="1">
+            <a:schemeClr val="accent1"/>
+          </a:fillRef>
+          <a:effectRef idx="0">
+            <a:schemeClr val="accent1"/>
+          </a:effectRef>
+          <a:fontRef idx="minor">
+            <a:schemeClr val="lt1"/>
+          </a:fontRef>
+        </p:style>
+        <p:txBody>
+          <a:bodyPr rtlCol="0" anchor="ctr"/>
+          <a:lstStyle/>
+          <a:p>
+            <a:pPr algn="ctr"/>
+            <a:endParaRPr lang="en-VN"/>
+          </a:p>
+        </p:txBody>
+      </p:sp>
+    </p:spTree>
+    <p:extLst>
+      <p:ext uri="{BB962C8B-B14F-4D97-AF65-F5344CB8AC3E}">
+        <p14:creationId xmlns:p14="http://schemas.microsoft.com/office/powerpoint/2010/main" val="1661562674"/>
+      </p:ext>
+    </p:extLst>
+  </p:cSld>
+  <p:clrMapOvr>
+    <a:masterClrMapping/>
+  </p:clrMapOvr>
+</p:sld>
+</file>
+
+<file path=ppt/slides/slide3.xml><?xml version="1.0" encoding="utf-8"?>
+<p:sld xmlns:a="http://schemas.openxmlformats.org/drawingml/2006/main" xmlns:r="http://schemas.openxmlformats.org/officeDocument/2006/relationships" xmlns:p="http://schemas.openxmlformats.org/presentationml/2006/main">
+  <p:cSld>
+    <p:spTree>
+      <p:nvGrpSpPr>
+        <p:cNvPr id="1" name=""/>
+        <p:cNvGrpSpPr/>
+        <p:nvPr/>
+      </p:nvGrpSpPr>
+      <p:grpSpPr>
+        <a:xfrm>
+          <a:off x="0" y="0"/>
+          <a:ext cx="0" cy="0"/>
+          <a:chOff x="0" y="0"/>
+          <a:chExt cx="0" cy="0"/>
+        </a:xfrm>
+      </p:grpSpPr>
+      <p:sp>
+        <p:nvSpPr>
+          <p:cNvPr id="2" name="Title 1">
+            <a:extLst>
+              <a:ext uri="{FF2B5EF4-FFF2-40B4-BE49-F238E27FC236}">
+                <a16:creationId xmlns:a16="http://schemas.microsoft.com/office/drawing/2014/main" id="{5DCBC548-50DA-1A4C-B710-70A02FD0A664}"/>
+              </a:ext>
+            </a:extLst>
+          </p:cNvPr>
+          <p:cNvSpPr>
+            <a:spLocks noGrp="1"/>
+          </p:cNvSpPr>
+          <p:nvPr>
+            <p:ph type="title"/>
+          </p:nvPr>
+        </p:nvSpPr>
+        <p:spPr/>
+        <p:txBody>
+          <a:bodyPr/>
+          <a:lstStyle/>
+          <a:p>
+            <a:r>
+              <a:rPr lang="en-VN"/>
+              <a:t>Dependency Injection ~ Tiêm sự phụ thuộc</a:t>
+            </a:r>
+          </a:p>
+        </p:txBody>
+      </p:sp>
+      <p:sp>
+        <p:nvSpPr>
+          <p:cNvPr id="3" name="Text Placeholder 2">
+            <a:extLst>
+              <a:ext uri="{FF2B5EF4-FFF2-40B4-BE49-F238E27FC236}">
+                <a16:creationId xmlns:a16="http://schemas.microsoft.com/office/drawing/2014/main" id="{52B41B33-A6C1-4D4C-9934-4685F28E13D6}"/>
               </a:ext>
             </a:extLst>
           </p:cNvPr>
@@ -10743,36 +13608,57 @@
           <a:p>
             <a:r>
               <a:rPr lang="en-VN"/>
-              <a:t>Q: Khác biệt giữa @Autowired vs @Inject</a:t>
-            </a:r>
-            <a:br>
+              <a:t>Dependency Injection có thể hiểu theo cách dễ hơn:</a:t>
+            </a:r>
+          </a:p>
+          <a:p>
+            <a:pPr lvl="1"/>
+            <a:r>
               <a:rPr lang="en-VN"/>
-            </a:br>
+              <a:t>Configurable Dependency</a:t>
+            </a:r>
+          </a:p>
+          <a:p>
+            <a:pPr lvl="1"/>
             <a:r>
               <a:rPr lang="en-VN"/>
-              <a:t>A: </a:t>
-            </a:r>
-            <a:r>
-              <a:rPr lang="en-US"/>
-              <a:t>https://www.tutorialspoint.com/difference-between-inject-and-autowired</a:t>
-            </a:r>
-            <a:endParaRPr lang="en-VN"/>
-          </a:p>
-          <a:p>
+              <a:t>Dynamic Dependency</a:t>
+            </a:r>
+          </a:p>
+          <a:p>
+            <a:pPr lvl="1"/>
             <a:r>
               <a:rPr lang="en-VN"/>
-              <a:t>Q: </a:t>
-            </a:r>
-          </a:p>
-          <a:p>
-            <a:endParaRPr lang="en-VN"/>
+              <a:t>Auto configurable Dependency</a:t>
+            </a:r>
+          </a:p>
+          <a:p>
+            <a:pPr lvl="1"/>
+            <a:r>
+              <a:rPr lang="en-VN"/>
+              <a:t>Resolvable Dependency</a:t>
+            </a:r>
+          </a:p>
+          <a:p>
+            <a:r>
+              <a:rPr lang="en-VN"/>
+              <a:t>Để các bạn không bị rối trí bởi từ ngữ khó hiểu, các bạn hãy hiểu Dependency Injection là </a:t>
+            </a:r>
+            <a:r>
+              <a:rPr lang="en-VN" b="1">
+                <a:solidFill>
+                  <a:srgbClr val="7030A0"/>
+                </a:solidFill>
+              </a:rPr>
+              <a:t>lắp ghép các thành phần lại</a:t>
+            </a:r>
           </a:p>
         </p:txBody>
       </p:sp>
     </p:spTree>
     <p:extLst>
       <p:ext uri="{BB962C8B-B14F-4D97-AF65-F5344CB8AC3E}">
-        <p14:creationId xmlns:p14="http://schemas.microsoft.com/office/powerpoint/2010/main" val="723435979"/>
+        <p14:creationId xmlns:p14="http://schemas.microsoft.com/office/powerpoint/2010/main" val="3481705799"/>
       </p:ext>
     </p:extLst>
   </p:cSld>
@@ -10782,7 +13668,111 @@
 </p:sld>
 </file>
 
-<file path=ppt/slides/slide3.xml><?xml version="1.0" encoding="utf-8"?>
+<file path=ppt/slides/slide30.xml><?xml version="1.0" encoding="utf-8"?>
+<p:sld xmlns:a="http://schemas.openxmlformats.org/drawingml/2006/main" xmlns:r="http://schemas.openxmlformats.org/officeDocument/2006/relationships" xmlns:p="http://schemas.openxmlformats.org/presentationml/2006/main">
+  <p:cSld>
+    <p:spTree>
+      <p:nvGrpSpPr>
+        <p:cNvPr id="1" name=""/>
+        <p:cNvGrpSpPr/>
+        <p:nvPr/>
+      </p:nvGrpSpPr>
+      <p:grpSpPr>
+        <a:xfrm>
+          <a:off x="0" y="0"/>
+          <a:ext cx="0" cy="0"/>
+          <a:chOff x="0" y="0"/>
+          <a:chExt cx="0" cy="0"/>
+        </a:xfrm>
+      </p:grpSpPr>
+      <p:sp>
+        <p:nvSpPr>
+          <p:cNvPr id="2" name="Title 1">
+            <a:extLst>
+              <a:ext uri="{FF2B5EF4-FFF2-40B4-BE49-F238E27FC236}">
+                <a16:creationId xmlns:a16="http://schemas.microsoft.com/office/drawing/2014/main" id="{02D6282A-6107-BA46-9D89-BB2F29F7093B}"/>
+              </a:ext>
+            </a:extLst>
+          </p:cNvPr>
+          <p:cNvSpPr>
+            <a:spLocks noGrp="1"/>
+          </p:cNvSpPr>
+          <p:nvPr>
+            <p:ph type="title"/>
+          </p:nvPr>
+        </p:nvSpPr>
+        <p:spPr/>
+        <p:txBody>
+          <a:bodyPr/>
+          <a:lstStyle/>
+          <a:p>
+            <a:r>
+              <a:rPr lang="en-VN"/>
+              <a:t>Bài tập thực hành</a:t>
+            </a:r>
+          </a:p>
+        </p:txBody>
+      </p:sp>
+      <p:sp>
+        <p:nvSpPr>
+          <p:cNvPr id="3" name="Text Placeholder 2">
+            <a:extLst>
+              <a:ext uri="{FF2B5EF4-FFF2-40B4-BE49-F238E27FC236}">
+                <a16:creationId xmlns:a16="http://schemas.microsoft.com/office/drawing/2014/main" id="{256D3ACF-5A0D-274A-B8A7-E6C4333AD17A}"/>
+              </a:ext>
+            </a:extLst>
+          </p:cNvPr>
+          <p:cNvSpPr>
+            <a:spLocks noGrp="1"/>
+          </p:cNvSpPr>
+          <p:nvPr>
+            <p:ph type="body" idx="1"/>
+          </p:nvPr>
+        </p:nvSpPr>
+        <p:spPr/>
+        <p:txBody>
+          <a:bodyPr/>
+          <a:lstStyle/>
+          <a:p>
+            <a:r>
+              <a:rPr lang="en-VN"/>
+              <a:t>Hãy tạo 2 profile trong application.properties: “dev” và “prod”</a:t>
+            </a:r>
+          </a:p>
+          <a:p>
+            <a:r>
+              <a:rPr lang="en-VN"/>
+              <a:t>Tạo một interface Booster và 2 class thể hiện Booster là DebugOverClock và FastOverClock</a:t>
+            </a:r>
+          </a:p>
+          <a:p>
+            <a:r>
+              <a:rPr lang="en-VN"/>
+              <a:t>Khi active profile là “dev” hãy inject DebugOverClock</a:t>
+            </a:r>
+          </a:p>
+          <a:p>
+            <a:r>
+              <a:rPr lang="en-VN"/>
+              <a:t>Khi active profile là “prod” hãy inject FastOverClock</a:t>
+            </a:r>
+          </a:p>
+        </p:txBody>
+      </p:sp>
+    </p:spTree>
+    <p:extLst>
+      <p:ext uri="{BB962C8B-B14F-4D97-AF65-F5344CB8AC3E}">
+        <p14:creationId xmlns:p14="http://schemas.microsoft.com/office/powerpoint/2010/main" val="1531385119"/>
+      </p:ext>
+    </p:extLst>
+  </p:cSld>
+  <p:clrMapOvr>
+    <a:masterClrMapping/>
+  </p:clrMapOvr>
+</p:sld>
+</file>
+
+<file path=ppt/slides/slide4.xml><?xml version="1.0" encoding="utf-8"?>
 <p:sld xmlns:a="http://schemas.openxmlformats.org/drawingml/2006/main" xmlns:r="http://schemas.openxmlformats.org/officeDocument/2006/relationships" xmlns:p="http://schemas.openxmlformats.org/presentationml/2006/main">
   <p:cSld>
     <p:spTree>
@@ -10890,7 +13880,7 @@
 </p:sld>
 </file>
 
-<file path=ppt/slides/slide4.xml><?xml version="1.0" encoding="utf-8"?>
+<file path=ppt/slides/slide5.xml><?xml version="1.0" encoding="utf-8"?>
 <p:sld xmlns:a="http://schemas.openxmlformats.org/drawingml/2006/main" xmlns:r="http://schemas.openxmlformats.org/officeDocument/2006/relationships" xmlns:p="http://schemas.openxmlformats.org/presentationml/2006/main">
   <p:cSld>
     <p:spTree>
@@ -11845,7 +14835,7 @@
 </p:sld>
 </file>
 
-<file path=ppt/slides/slide5.xml><?xml version="1.0" encoding="utf-8"?>
+<file path=ppt/slides/slide6.xml><?xml version="1.0" encoding="utf-8"?>
 <p:sld xmlns:a="http://schemas.openxmlformats.org/drawingml/2006/main" xmlns:r="http://schemas.openxmlformats.org/officeDocument/2006/relationships" xmlns:p="http://schemas.openxmlformats.org/presentationml/2006/main">
   <p:cSld>
     <p:spTree>
@@ -12361,7 +15351,7 @@
 </p:sld>
 </file>
 
-<file path=ppt/slides/slide6.xml><?xml version="1.0" encoding="utf-8"?>
+<file path=ppt/slides/slide7.xml><?xml version="1.0" encoding="utf-8"?>
 <p:sld xmlns:a="http://schemas.openxmlformats.org/drawingml/2006/main" xmlns:r="http://schemas.openxmlformats.org/officeDocument/2006/relationships" xmlns:p="http://schemas.openxmlformats.org/presentationml/2006/main">
   <p:cSld>
     <p:spTree>
@@ -13216,7 +16206,7 @@
 </p:sld>
 </file>
 
-<file path=ppt/slides/slide7.xml><?xml version="1.0" encoding="utf-8"?>
+<file path=ppt/slides/slide8.xml><?xml version="1.0" encoding="utf-8"?>
 <p:sld xmlns:a="http://schemas.openxmlformats.org/drawingml/2006/main" xmlns:r="http://schemas.openxmlformats.org/officeDocument/2006/relationships" xmlns:p="http://schemas.openxmlformats.org/presentationml/2006/main">
   <p:cSld>
     <p:spTree>
@@ -13374,7 +16364,7 @@
 </p:sld>
 </file>
 
-<file path=ppt/slides/slide8.xml><?xml version="1.0" encoding="utf-8"?>
+<file path=ppt/slides/slide9.xml><?xml version="1.0" encoding="utf-8"?>
 <p:sld xmlns:a="http://schemas.openxmlformats.org/drawingml/2006/main" xmlns:r="http://schemas.openxmlformats.org/officeDocument/2006/relationships" xmlns:p="http://schemas.openxmlformats.org/presentationml/2006/main">
   <p:cSld>
     <p:spTree>
@@ -14530,152 +17520,6 @@
     <p:extLst>
       <p:ext uri="{BB962C8B-B14F-4D97-AF65-F5344CB8AC3E}">
         <p14:creationId xmlns:p14="http://schemas.microsoft.com/office/powerpoint/2010/main" val="3870972611"/>
-      </p:ext>
-    </p:extLst>
-  </p:cSld>
-  <p:clrMapOvr>
-    <a:masterClrMapping/>
-  </p:clrMapOvr>
-</p:sld>
-</file>
-
-<file path=ppt/slides/slide9.xml><?xml version="1.0" encoding="utf-8"?>
-<p:sld xmlns:a="http://schemas.openxmlformats.org/drawingml/2006/main" xmlns:r="http://schemas.openxmlformats.org/officeDocument/2006/relationships" xmlns:p="http://schemas.openxmlformats.org/presentationml/2006/main">
-  <p:cSld>
-    <p:spTree>
-      <p:nvGrpSpPr>
-        <p:cNvPr id="1" name=""/>
-        <p:cNvGrpSpPr/>
-        <p:nvPr/>
-      </p:nvGrpSpPr>
-      <p:grpSpPr>
-        <a:xfrm>
-          <a:off x="0" y="0"/>
-          <a:ext cx="0" cy="0"/>
-          <a:chOff x="0" y="0"/>
-          <a:chExt cx="0" cy="0"/>
-        </a:xfrm>
-      </p:grpSpPr>
-      <p:sp>
-        <p:nvSpPr>
-          <p:cNvPr id="2" name="Title 1">
-            <a:extLst>
-              <a:ext uri="{FF2B5EF4-FFF2-40B4-BE49-F238E27FC236}">
-                <a16:creationId xmlns:a16="http://schemas.microsoft.com/office/drawing/2014/main" id="{CC989A29-9E18-5641-932A-B1653BE704E5}"/>
-              </a:ext>
-            </a:extLst>
-          </p:cNvPr>
-          <p:cNvSpPr>
-            <a:spLocks noGrp="1"/>
-          </p:cNvSpPr>
-          <p:nvPr>
-            <p:ph type="title"/>
-          </p:nvPr>
-        </p:nvSpPr>
-        <p:spPr/>
-        <p:txBody>
-          <a:bodyPr/>
-          <a:lstStyle/>
-          <a:p>
-            <a:r>
-              <a:rPr lang="en-VN"/>
-              <a:t>Khó khăn khi lập trình, kiểm thử, bảo trì</a:t>
-            </a:r>
-          </a:p>
-        </p:txBody>
-      </p:sp>
-      <p:sp>
-        <p:nvSpPr>
-          <p:cNvPr id="3" name="Text Placeholder 2">
-            <a:extLst>
-              <a:ext uri="{FF2B5EF4-FFF2-40B4-BE49-F238E27FC236}">
-                <a16:creationId xmlns:a16="http://schemas.microsoft.com/office/drawing/2014/main" id="{5D58022A-7C46-734D-AC39-F34B6B0F4633}"/>
-              </a:ext>
-            </a:extLst>
-          </p:cNvPr>
-          <p:cNvSpPr>
-            <a:spLocks noGrp="1"/>
-          </p:cNvSpPr>
-          <p:nvPr>
-            <p:ph type="body" idx="1"/>
-          </p:nvPr>
-        </p:nvSpPr>
-        <p:spPr/>
-        <p:txBody>
-          <a:bodyPr/>
-          <a:lstStyle/>
-          <a:p>
-            <a:r>
-              <a:rPr lang="en-VN"/>
-              <a:t>Dependency gây ra Tightly Coupling</a:t>
-            </a:r>
-          </a:p>
-          <a:p>
-            <a:r>
-              <a:rPr lang="en-VN"/>
-              <a:t>Đặc điểm của Tightly Coupling là:</a:t>
-            </a:r>
-          </a:p>
-          <a:p>
-            <a:pPr lvl="1"/>
-            <a:r>
-              <a:rPr lang="en-VN"/>
-              <a:t>Dễ lập trình, khó kiểm thử, khó bảo trì, khó sửa lỗi</a:t>
-            </a:r>
-          </a:p>
-        </p:txBody>
-      </p:sp>
-      <p:pic>
-        <p:nvPicPr>
-          <p:cNvPr id="1026" name="Picture 2">
-            <a:extLst>
-              <a:ext uri="{FF2B5EF4-FFF2-40B4-BE49-F238E27FC236}">
-                <a16:creationId xmlns:a16="http://schemas.microsoft.com/office/drawing/2014/main" id="{49CC0124-3981-4D45-BADE-2D7347DC5DAB}"/>
-              </a:ext>
-            </a:extLst>
-          </p:cNvPr>
-          <p:cNvPicPr>
-            <a:picLocks noChangeAspect="1" noChangeArrowheads="1"/>
-          </p:cNvPicPr>
-          <p:nvPr/>
-        </p:nvPicPr>
-        <p:blipFill>
-          <a:blip r:embed="rId2">
-            <a:extLst>
-              <a:ext uri="{28A0092B-C50C-407E-A947-70E740481C1C}">
-                <a14:useLocalDpi xmlns:a14="http://schemas.microsoft.com/office/drawing/2010/main" val="0"/>
-              </a:ext>
-            </a:extLst>
-          </a:blip>
-          <a:srcRect/>
-          <a:stretch>
-            <a:fillRect/>
-          </a:stretch>
-        </p:blipFill>
-        <p:spPr bwMode="auto">
-          <a:xfrm>
-            <a:off x="2559170" y="2546828"/>
-            <a:ext cx="3731104" cy="2487403"/>
-          </a:xfrm>
-          <a:prstGeom prst="rect">
-            <a:avLst/>
-          </a:prstGeom>
-          <a:noFill/>
-          <a:extLst>
-            <a:ext uri="{909E8E84-426E-40DD-AFC4-6F175D3DCCD1}">
-              <a14:hiddenFill xmlns:a14="http://schemas.microsoft.com/office/drawing/2010/main">
-                <a:solidFill>
-                  <a:srgbClr val="FFFFFF"/>
-                </a:solidFill>
-              </a14:hiddenFill>
-            </a:ext>
-          </a:extLst>
-        </p:spPr>
-      </p:pic>
-    </p:spTree>
-    <p:extLst>
-      <p:ext uri="{BB962C8B-B14F-4D97-AF65-F5344CB8AC3E}">
-        <p14:creationId xmlns:p14="http://schemas.microsoft.com/office/powerpoint/2010/main" val="456619951"/>
       </p:ext>
     </p:extLst>
   </p:cSld>

--- a/07 Dependency Injection/DependencyInjection.pptx
+++ b/07 Dependency Injection/DependencyInjection.pptx
@@ -5,7 +5,7 @@
     <p:sldMasterId id="2147483659" r:id="rId1"/>
   </p:sldMasterIdLst>
   <p:notesMasterIdLst>
-    <p:notesMasterId r:id="rId32"/>
+    <p:notesMasterId r:id="rId33"/>
   </p:notesMasterIdLst>
   <p:sldIdLst>
     <p:sldId id="256" r:id="rId2"/>
@@ -35,9 +35,10 @@
     <p:sldId id="287" r:id="rId26"/>
     <p:sldId id="291" r:id="rId27"/>
     <p:sldId id="285" r:id="rId28"/>
-    <p:sldId id="290" r:id="rId29"/>
-    <p:sldId id="293" r:id="rId30"/>
-    <p:sldId id="292" r:id="rId31"/>
+    <p:sldId id="295" r:id="rId29"/>
+    <p:sldId id="290" r:id="rId30"/>
+    <p:sldId id="293" r:id="rId31"/>
+    <p:sldId id="292" r:id="rId32"/>
   </p:sldIdLst>
   <p:sldSz cx="9144000" cy="5143500" type="screen16x9"/>
   <p:notesSz cx="6858000" cy="9144000"/>
@@ -10404,13 +10405,18 @@
             <p:ph type="title"/>
           </p:nvPr>
         </p:nvSpPr>
-        <p:spPr/>
+        <p:spPr>
+          <a:xfrm>
+            <a:off x="48445" y="106650"/>
+            <a:ext cx="9016832" cy="535200"/>
+          </a:xfrm>
+        </p:spPr>
         <p:txBody>
           <a:bodyPr/>
           <a:lstStyle/>
           <a:p>
             <a:r>
-              <a:rPr lang="en-VN"/>
+              <a:rPr lang="en-VN" sz="1900"/>
               <a:t>@DependsOn xác định phụ thuộc Component A với Component B</a:t>
             </a:r>
           </a:p>
@@ -11103,6 +11109,1037 @@
 </file>
 
 <file path=ppt/slides/slide28.xml><?xml version="1.0" encoding="utf-8"?>
+<p:sld xmlns:a="http://schemas.openxmlformats.org/drawingml/2006/main" xmlns:r="http://schemas.openxmlformats.org/officeDocument/2006/relationships" xmlns:p="http://schemas.openxmlformats.org/presentationml/2006/main">
+  <p:cSld>
+    <p:spTree>
+      <p:nvGrpSpPr>
+        <p:cNvPr id="1" name=""/>
+        <p:cNvGrpSpPr/>
+        <p:nvPr/>
+      </p:nvGrpSpPr>
+      <p:grpSpPr>
+        <a:xfrm>
+          <a:off x="0" y="0"/>
+          <a:ext cx="0" cy="0"/>
+          <a:chOff x="0" y="0"/>
+          <a:chExt cx="0" cy="0"/>
+        </a:xfrm>
+      </p:grpSpPr>
+      <p:sp>
+        <p:nvSpPr>
+          <p:cNvPr id="2" name="Title 1">
+            <a:extLst>
+              <a:ext uri="{FF2B5EF4-FFF2-40B4-BE49-F238E27FC236}">
+                <a16:creationId xmlns:a16="http://schemas.microsoft.com/office/drawing/2014/main" id="{536DA04D-7BB4-9645-9FC9-A08B5B60048F}"/>
+              </a:ext>
+            </a:extLst>
+          </p:cNvPr>
+          <p:cNvSpPr>
+            <a:spLocks noGrp="1"/>
+          </p:cNvSpPr>
+          <p:nvPr>
+            <p:ph type="title"/>
+          </p:nvPr>
+        </p:nvSpPr>
+        <p:spPr/>
+        <p:txBody>
+          <a:bodyPr/>
+          <a:lstStyle/>
+          <a:p>
+            <a:r>
+              <a:rPr lang="en-VN" sz="2000"/>
+              <a:t>Loại bỏ một bean ra khỏi tiến trình component scan</a:t>
+            </a:r>
+          </a:p>
+        </p:txBody>
+      </p:sp>
+      <p:sp>
+        <p:nvSpPr>
+          <p:cNvPr id="3" name="Text Placeholder 2">
+            <a:extLst>
+              <a:ext uri="{FF2B5EF4-FFF2-40B4-BE49-F238E27FC236}">
+                <a16:creationId xmlns:a16="http://schemas.microsoft.com/office/drawing/2014/main" id="{1C1E3CBB-04B1-3E4B-9549-9A1A91656E73}"/>
+              </a:ext>
+            </a:extLst>
+          </p:cNvPr>
+          <p:cNvSpPr>
+            <a:spLocks noGrp="1"/>
+          </p:cNvSpPr>
+          <p:nvPr>
+            <p:ph type="body" idx="1"/>
+          </p:nvPr>
+        </p:nvSpPr>
+        <p:spPr>
+          <a:xfrm>
+            <a:off x="130629" y="552600"/>
+            <a:ext cx="8824685" cy="725138"/>
+          </a:xfrm>
+        </p:spPr>
+        <p:txBody>
+          <a:bodyPr/>
+          <a:lstStyle/>
+          <a:p>
+            <a:pPr marL="114300" indent="0">
+              <a:buNone/>
+            </a:pPr>
+            <a:r>
+              <a:rPr lang="en-VN" sz="1600"/>
+              <a:t>Theo giá trị biểu thức boolean, có thể đọc giá trị từ file cấu hình, hoặc theo phiên bản JDK… </a:t>
+            </a:r>
+          </a:p>
+          <a:p>
+            <a:pPr marL="114300" indent="0">
+              <a:buNone/>
+            </a:pPr>
+            <a:endParaRPr lang="en-VN" sz="1600"/>
+          </a:p>
+        </p:txBody>
+      </p:sp>
+      <p:sp>
+        <p:nvSpPr>
+          <p:cNvPr id="4" name="Rectangle 3">
+            <a:extLst>
+              <a:ext uri="{FF2B5EF4-FFF2-40B4-BE49-F238E27FC236}">
+                <a16:creationId xmlns:a16="http://schemas.microsoft.com/office/drawing/2014/main" id="{88D606BF-E80E-3C49-9E14-4F22FF6E7240}"/>
+              </a:ext>
+            </a:extLst>
+          </p:cNvPr>
+          <p:cNvSpPr/>
+          <p:nvPr/>
+        </p:nvSpPr>
+        <p:spPr>
+          <a:xfrm>
+            <a:off x="327685" y="1291516"/>
+            <a:ext cx="3728906" cy="307777"/>
+          </a:xfrm>
+          <a:prstGeom prst="rect">
+            <a:avLst/>
+          </a:prstGeom>
+          <a:solidFill>
+            <a:schemeClr val="bg2"/>
+          </a:solidFill>
+        </p:spPr>
+        <p:txBody>
+          <a:bodyPr wrap="none">
+            <a:spAutoFit/>
+          </a:bodyPr>
+          <a:lstStyle/>
+          <a:p>
+            <a:r>
+              <a:rPr lang="en-US">
+                <a:solidFill>
+                  <a:srgbClr val="D4D4D4"/>
+                </a:solidFill>
+                <a:latin typeface="Menlo" panose="020B0609030804020204" pitchFamily="49" charset="0"/>
+              </a:rPr>
+              <a:t>@</a:t>
+            </a:r>
+            <a:r>
+              <a:rPr lang="en-US">
+                <a:solidFill>
+                  <a:srgbClr val="4EC9B0"/>
+                </a:solidFill>
+                <a:latin typeface="Menlo" panose="020B0609030804020204" pitchFamily="49" charset="0"/>
+              </a:rPr>
+              <a:t>ConditionalOnExpression</a:t>
+            </a:r>
+            <a:r>
+              <a:rPr lang="en-US">
+                <a:solidFill>
+                  <a:srgbClr val="D4D4D4"/>
+                </a:solidFill>
+                <a:latin typeface="Menlo" panose="020B0609030804020204" pitchFamily="49" charset="0"/>
+              </a:rPr>
+              <a:t>(</a:t>
+            </a:r>
+            <a:r>
+              <a:rPr lang="en-US">
+                <a:solidFill>
+                  <a:srgbClr val="CE9178"/>
+                </a:solidFill>
+                <a:latin typeface="Menlo" panose="020B0609030804020204" pitchFamily="49" charset="0"/>
+              </a:rPr>
+              <a:t>"false"</a:t>
+            </a:r>
+            <a:r>
+              <a:rPr lang="en-US">
+                <a:solidFill>
+                  <a:srgbClr val="D4D4D4"/>
+                </a:solidFill>
+                <a:latin typeface="Menlo" panose="020B0609030804020204" pitchFamily="49" charset="0"/>
+              </a:rPr>
+              <a:t>)</a:t>
+            </a:r>
+          </a:p>
+        </p:txBody>
+      </p:sp>
+      <p:sp>
+        <p:nvSpPr>
+          <p:cNvPr id="5" name="Rectangle 4">
+            <a:extLst>
+              <a:ext uri="{FF2B5EF4-FFF2-40B4-BE49-F238E27FC236}">
+                <a16:creationId xmlns:a16="http://schemas.microsoft.com/office/drawing/2014/main" id="{7D27470B-E48A-D64E-9ACC-B6356CC7EB49}"/>
+              </a:ext>
+            </a:extLst>
+          </p:cNvPr>
+          <p:cNvSpPr/>
+          <p:nvPr/>
+        </p:nvSpPr>
+        <p:spPr>
+          <a:xfrm>
+            <a:off x="317922" y="1974268"/>
+            <a:ext cx="4572000" cy="3108543"/>
+          </a:xfrm>
+          <a:prstGeom prst="rect">
+            <a:avLst/>
+          </a:prstGeom>
+          <a:solidFill>
+            <a:schemeClr val="bg2"/>
+          </a:solidFill>
+        </p:spPr>
+        <p:txBody>
+          <a:bodyPr>
+            <a:spAutoFit/>
+          </a:bodyPr>
+          <a:lstStyle/>
+          <a:p>
+            <a:r>
+              <a:rPr lang="en-US">
+                <a:solidFill>
+                  <a:srgbClr val="D4D4D4"/>
+                </a:solidFill>
+                <a:latin typeface="Menlo" panose="020B0609030804020204" pitchFamily="49" charset="0"/>
+              </a:rPr>
+              <a:t>@</a:t>
+            </a:r>
+            <a:r>
+              <a:rPr lang="en-US">
+                <a:solidFill>
+                  <a:srgbClr val="4EC9B0"/>
+                </a:solidFill>
+                <a:latin typeface="Menlo" panose="020B0609030804020204" pitchFamily="49" charset="0"/>
+              </a:rPr>
+              <a:t>Configuration</a:t>
+            </a:r>
+            <a:endParaRPr lang="en-US">
+              <a:solidFill>
+                <a:srgbClr val="D4D4D4"/>
+              </a:solidFill>
+              <a:latin typeface="Menlo" panose="020B0609030804020204" pitchFamily="49" charset="0"/>
+            </a:endParaRPr>
+          </a:p>
+          <a:p>
+            <a:r>
+              <a:rPr lang="en-US">
+                <a:solidFill>
+                  <a:srgbClr val="569CD6"/>
+                </a:solidFill>
+                <a:latin typeface="Menlo" panose="020B0609030804020204" pitchFamily="49" charset="0"/>
+              </a:rPr>
+              <a:t>public</a:t>
+            </a:r>
+            <a:r>
+              <a:rPr lang="en-US">
+                <a:solidFill>
+                  <a:srgbClr val="D4D4D4"/>
+                </a:solidFill>
+                <a:latin typeface="Menlo" panose="020B0609030804020204" pitchFamily="49" charset="0"/>
+              </a:rPr>
+              <a:t> </a:t>
+            </a:r>
+            <a:r>
+              <a:rPr lang="en-US">
+                <a:solidFill>
+                  <a:srgbClr val="569CD6"/>
+                </a:solidFill>
+                <a:latin typeface="Menlo" panose="020B0609030804020204" pitchFamily="49" charset="0"/>
+              </a:rPr>
+              <a:t>class</a:t>
+            </a:r>
+            <a:r>
+              <a:rPr lang="en-US">
+                <a:solidFill>
+                  <a:srgbClr val="D4D4D4"/>
+                </a:solidFill>
+                <a:latin typeface="Menlo" panose="020B0609030804020204" pitchFamily="49" charset="0"/>
+              </a:rPr>
+              <a:t> </a:t>
+            </a:r>
+            <a:r>
+              <a:rPr lang="en-US">
+                <a:solidFill>
+                  <a:srgbClr val="4EC9B0"/>
+                </a:solidFill>
+                <a:latin typeface="Menlo" panose="020B0609030804020204" pitchFamily="49" charset="0"/>
+              </a:rPr>
+              <a:t>Config</a:t>
+            </a:r>
+            <a:r>
+              <a:rPr lang="en-US">
+                <a:solidFill>
+                  <a:srgbClr val="D4D4D4"/>
+                </a:solidFill>
+                <a:latin typeface="Menlo" panose="020B0609030804020204" pitchFamily="49" charset="0"/>
+              </a:rPr>
+              <a:t> {</a:t>
+            </a:r>
+          </a:p>
+          <a:p>
+            <a:r>
+              <a:rPr lang="en-US">
+                <a:solidFill>
+                  <a:srgbClr val="D4D4D4"/>
+                </a:solidFill>
+                <a:latin typeface="Menlo" panose="020B0609030804020204" pitchFamily="49" charset="0"/>
+              </a:rPr>
+              <a:t>  @</a:t>
+            </a:r>
+            <a:r>
+              <a:rPr lang="en-US">
+                <a:solidFill>
+                  <a:srgbClr val="4EC9B0"/>
+                </a:solidFill>
+                <a:latin typeface="Menlo" panose="020B0609030804020204" pitchFamily="49" charset="0"/>
+              </a:rPr>
+              <a:t>Profile</a:t>
+            </a:r>
+            <a:r>
+              <a:rPr lang="en-US">
+                <a:solidFill>
+                  <a:srgbClr val="D4D4D4"/>
+                </a:solidFill>
+                <a:latin typeface="Menlo" panose="020B0609030804020204" pitchFamily="49" charset="0"/>
+              </a:rPr>
+              <a:t>(</a:t>
+            </a:r>
+            <a:r>
+              <a:rPr lang="en-US">
+                <a:solidFill>
+                  <a:srgbClr val="CE9178"/>
+                </a:solidFill>
+                <a:latin typeface="Menlo" panose="020B0609030804020204" pitchFamily="49" charset="0"/>
+              </a:rPr>
+              <a:t>"dev"</a:t>
+            </a:r>
+            <a:r>
+              <a:rPr lang="en-US">
+                <a:solidFill>
+                  <a:srgbClr val="D4D4D4"/>
+                </a:solidFill>
+                <a:latin typeface="Menlo" panose="020B0609030804020204" pitchFamily="49" charset="0"/>
+              </a:rPr>
+              <a:t>)</a:t>
+            </a:r>
+          </a:p>
+          <a:p>
+            <a:r>
+              <a:rPr lang="en-US">
+                <a:solidFill>
+                  <a:srgbClr val="D4D4D4"/>
+                </a:solidFill>
+                <a:latin typeface="Menlo" panose="020B0609030804020204" pitchFamily="49" charset="0"/>
+              </a:rPr>
+              <a:t>  @</a:t>
+            </a:r>
+            <a:r>
+              <a:rPr lang="en-US">
+                <a:solidFill>
+                  <a:srgbClr val="4EC9B0"/>
+                </a:solidFill>
+                <a:latin typeface="Menlo" panose="020B0609030804020204" pitchFamily="49" charset="0"/>
+              </a:rPr>
+              <a:t>Bean</a:t>
+            </a:r>
+            <a:endParaRPr lang="en-US">
+              <a:solidFill>
+                <a:srgbClr val="D4D4D4"/>
+              </a:solidFill>
+              <a:latin typeface="Menlo" panose="020B0609030804020204" pitchFamily="49" charset="0"/>
+            </a:endParaRPr>
+          </a:p>
+          <a:p>
+            <a:r>
+              <a:rPr lang="en-US">
+                <a:solidFill>
+                  <a:srgbClr val="569CD6"/>
+                </a:solidFill>
+                <a:latin typeface="Menlo" panose="020B0609030804020204" pitchFamily="49" charset="0"/>
+              </a:rPr>
+              <a:t>  public</a:t>
+            </a:r>
+            <a:r>
+              <a:rPr lang="en-US">
+                <a:solidFill>
+                  <a:srgbClr val="D4D4D4"/>
+                </a:solidFill>
+                <a:latin typeface="Menlo" panose="020B0609030804020204" pitchFamily="49" charset="0"/>
+              </a:rPr>
+              <a:t> </a:t>
+            </a:r>
+            <a:r>
+              <a:rPr lang="en-US">
+                <a:solidFill>
+                  <a:srgbClr val="4EC9B0"/>
+                </a:solidFill>
+                <a:latin typeface="Menlo" panose="020B0609030804020204" pitchFamily="49" charset="0"/>
+              </a:rPr>
+              <a:t>Foo</a:t>
+            </a:r>
+            <a:r>
+              <a:rPr lang="en-US">
+                <a:solidFill>
+                  <a:srgbClr val="D4D4D4"/>
+                </a:solidFill>
+                <a:latin typeface="Menlo" panose="020B0609030804020204" pitchFamily="49" charset="0"/>
+              </a:rPr>
+              <a:t> </a:t>
+            </a:r>
+            <a:r>
+              <a:rPr lang="en-US">
+                <a:solidFill>
+                  <a:srgbClr val="DCDCAA"/>
+                </a:solidFill>
+                <a:latin typeface="Menlo" panose="020B0609030804020204" pitchFamily="49" charset="0"/>
+              </a:rPr>
+              <a:t>foo</a:t>
+            </a:r>
+            <a:r>
+              <a:rPr lang="en-US">
+                <a:solidFill>
+                  <a:srgbClr val="D4D4D4"/>
+                </a:solidFill>
+                <a:latin typeface="Menlo" panose="020B0609030804020204" pitchFamily="49" charset="0"/>
+              </a:rPr>
+              <a:t>() {</a:t>
+            </a:r>
+          </a:p>
+          <a:p>
+            <a:r>
+              <a:rPr lang="en-US">
+                <a:solidFill>
+                  <a:srgbClr val="C586C0"/>
+                </a:solidFill>
+                <a:latin typeface="Menlo" panose="020B0609030804020204" pitchFamily="49" charset="0"/>
+              </a:rPr>
+              <a:t>    return</a:t>
+            </a:r>
+            <a:r>
+              <a:rPr lang="en-US">
+                <a:solidFill>
+                  <a:srgbClr val="D4D4D4"/>
+                </a:solidFill>
+                <a:latin typeface="Menlo" panose="020B0609030804020204" pitchFamily="49" charset="0"/>
+              </a:rPr>
+              <a:t> </a:t>
+            </a:r>
+            <a:r>
+              <a:rPr lang="en-US">
+                <a:solidFill>
+                  <a:srgbClr val="C586C0"/>
+                </a:solidFill>
+                <a:latin typeface="Menlo" panose="020B0609030804020204" pitchFamily="49" charset="0"/>
+              </a:rPr>
+              <a:t>new</a:t>
+            </a:r>
+            <a:r>
+              <a:rPr lang="en-US">
+                <a:solidFill>
+                  <a:srgbClr val="D4D4D4"/>
+                </a:solidFill>
+                <a:latin typeface="Menlo" panose="020B0609030804020204" pitchFamily="49" charset="0"/>
+              </a:rPr>
+              <a:t> </a:t>
+            </a:r>
+            <a:r>
+              <a:rPr lang="en-US">
+                <a:solidFill>
+                  <a:srgbClr val="DCDCAA"/>
+                </a:solidFill>
+                <a:latin typeface="Menlo" panose="020B0609030804020204" pitchFamily="49" charset="0"/>
+              </a:rPr>
+              <a:t>Foo</a:t>
+            </a:r>
+            <a:r>
+              <a:rPr lang="en-US">
+                <a:solidFill>
+                  <a:srgbClr val="D4D4D4"/>
+                </a:solidFill>
+                <a:latin typeface="Menlo" panose="020B0609030804020204" pitchFamily="49" charset="0"/>
+              </a:rPr>
+              <a:t>();</a:t>
+            </a:r>
+          </a:p>
+          <a:p>
+            <a:r>
+              <a:rPr lang="en-US">
+                <a:solidFill>
+                  <a:srgbClr val="D4D4D4"/>
+                </a:solidFill>
+                <a:latin typeface="Menlo" panose="020B0609030804020204" pitchFamily="49" charset="0"/>
+              </a:rPr>
+              <a:t>  }</a:t>
+            </a:r>
+          </a:p>
+          <a:p>
+            <a:br>
+              <a:rPr lang="en-US">
+                <a:solidFill>
+                  <a:srgbClr val="D4D4D4"/>
+                </a:solidFill>
+                <a:latin typeface="Menlo" panose="020B0609030804020204" pitchFamily="49" charset="0"/>
+              </a:rPr>
+            </a:br>
+            <a:r>
+              <a:rPr lang="en-US">
+                <a:solidFill>
+                  <a:srgbClr val="D4D4D4"/>
+                </a:solidFill>
+                <a:latin typeface="Menlo" panose="020B0609030804020204" pitchFamily="49" charset="0"/>
+              </a:rPr>
+              <a:t>  @</a:t>
+            </a:r>
+            <a:r>
+              <a:rPr lang="en-US">
+                <a:solidFill>
+                  <a:srgbClr val="4EC9B0"/>
+                </a:solidFill>
+                <a:latin typeface="Menlo" panose="020B0609030804020204" pitchFamily="49" charset="0"/>
+              </a:rPr>
+              <a:t>Profile</a:t>
+            </a:r>
+            <a:r>
+              <a:rPr lang="en-US">
+                <a:solidFill>
+                  <a:srgbClr val="D4D4D4"/>
+                </a:solidFill>
+                <a:latin typeface="Menlo" panose="020B0609030804020204" pitchFamily="49" charset="0"/>
+              </a:rPr>
+              <a:t>(</a:t>
+            </a:r>
+            <a:r>
+              <a:rPr lang="en-US">
+                <a:solidFill>
+                  <a:srgbClr val="CE9178"/>
+                </a:solidFill>
+                <a:latin typeface="Menlo" panose="020B0609030804020204" pitchFamily="49" charset="0"/>
+              </a:rPr>
+              <a:t>"prod"</a:t>
+            </a:r>
+            <a:r>
+              <a:rPr lang="en-US">
+                <a:solidFill>
+                  <a:srgbClr val="D4D4D4"/>
+                </a:solidFill>
+                <a:latin typeface="Menlo" panose="020B0609030804020204" pitchFamily="49" charset="0"/>
+              </a:rPr>
+              <a:t>)</a:t>
+            </a:r>
+          </a:p>
+          <a:p>
+            <a:r>
+              <a:rPr lang="en-US">
+                <a:solidFill>
+                  <a:srgbClr val="D4D4D4"/>
+                </a:solidFill>
+                <a:latin typeface="Menlo" panose="020B0609030804020204" pitchFamily="49" charset="0"/>
+              </a:rPr>
+              <a:t>  @</a:t>
+            </a:r>
+            <a:r>
+              <a:rPr lang="en-US">
+                <a:solidFill>
+                  <a:srgbClr val="4EC9B0"/>
+                </a:solidFill>
+                <a:latin typeface="Menlo" panose="020B0609030804020204" pitchFamily="49" charset="0"/>
+              </a:rPr>
+              <a:t>Bean</a:t>
+            </a:r>
+            <a:endParaRPr lang="en-US">
+              <a:solidFill>
+                <a:srgbClr val="D4D4D4"/>
+              </a:solidFill>
+              <a:latin typeface="Menlo" panose="020B0609030804020204" pitchFamily="49" charset="0"/>
+            </a:endParaRPr>
+          </a:p>
+          <a:p>
+            <a:r>
+              <a:rPr lang="en-US">
+                <a:solidFill>
+                  <a:srgbClr val="569CD6"/>
+                </a:solidFill>
+                <a:latin typeface="Menlo" panose="020B0609030804020204" pitchFamily="49" charset="0"/>
+              </a:rPr>
+              <a:t>  public</a:t>
+            </a:r>
+            <a:r>
+              <a:rPr lang="en-US">
+                <a:solidFill>
+                  <a:srgbClr val="D4D4D4"/>
+                </a:solidFill>
+                <a:latin typeface="Menlo" panose="020B0609030804020204" pitchFamily="49" charset="0"/>
+              </a:rPr>
+              <a:t> </a:t>
+            </a:r>
+            <a:r>
+              <a:rPr lang="en-US">
+                <a:solidFill>
+                  <a:srgbClr val="4EC9B0"/>
+                </a:solidFill>
+                <a:latin typeface="Menlo" panose="020B0609030804020204" pitchFamily="49" charset="0"/>
+              </a:rPr>
+              <a:t>Bar</a:t>
+            </a:r>
+            <a:r>
+              <a:rPr lang="en-US">
+                <a:solidFill>
+                  <a:srgbClr val="D4D4D4"/>
+                </a:solidFill>
+                <a:latin typeface="Menlo" panose="020B0609030804020204" pitchFamily="49" charset="0"/>
+              </a:rPr>
+              <a:t> </a:t>
+            </a:r>
+            <a:r>
+              <a:rPr lang="en-US">
+                <a:solidFill>
+                  <a:srgbClr val="DCDCAA"/>
+                </a:solidFill>
+                <a:latin typeface="Menlo" panose="020B0609030804020204" pitchFamily="49" charset="0"/>
+              </a:rPr>
+              <a:t>bar</a:t>
+            </a:r>
+            <a:r>
+              <a:rPr lang="en-US">
+                <a:solidFill>
+                  <a:srgbClr val="D4D4D4"/>
+                </a:solidFill>
+                <a:latin typeface="Menlo" panose="020B0609030804020204" pitchFamily="49" charset="0"/>
+              </a:rPr>
+              <a:t>() {</a:t>
+            </a:r>
+          </a:p>
+          <a:p>
+            <a:r>
+              <a:rPr lang="en-US">
+                <a:solidFill>
+                  <a:srgbClr val="C586C0"/>
+                </a:solidFill>
+                <a:latin typeface="Menlo" panose="020B0609030804020204" pitchFamily="49" charset="0"/>
+              </a:rPr>
+              <a:t>    return</a:t>
+            </a:r>
+            <a:r>
+              <a:rPr lang="en-US">
+                <a:solidFill>
+                  <a:srgbClr val="D4D4D4"/>
+                </a:solidFill>
+                <a:latin typeface="Menlo" panose="020B0609030804020204" pitchFamily="49" charset="0"/>
+              </a:rPr>
+              <a:t> </a:t>
+            </a:r>
+            <a:r>
+              <a:rPr lang="en-US">
+                <a:solidFill>
+                  <a:srgbClr val="C586C0"/>
+                </a:solidFill>
+                <a:latin typeface="Menlo" panose="020B0609030804020204" pitchFamily="49" charset="0"/>
+              </a:rPr>
+              <a:t>new</a:t>
+            </a:r>
+            <a:r>
+              <a:rPr lang="en-US">
+                <a:solidFill>
+                  <a:srgbClr val="D4D4D4"/>
+                </a:solidFill>
+                <a:latin typeface="Menlo" panose="020B0609030804020204" pitchFamily="49" charset="0"/>
+              </a:rPr>
+              <a:t> </a:t>
+            </a:r>
+            <a:r>
+              <a:rPr lang="en-US">
+                <a:solidFill>
+                  <a:srgbClr val="DCDCAA"/>
+                </a:solidFill>
+                <a:latin typeface="Menlo" panose="020B0609030804020204" pitchFamily="49" charset="0"/>
+              </a:rPr>
+              <a:t>Bar</a:t>
+            </a:r>
+            <a:r>
+              <a:rPr lang="en-US">
+                <a:solidFill>
+                  <a:srgbClr val="D4D4D4"/>
+                </a:solidFill>
+                <a:latin typeface="Menlo" panose="020B0609030804020204" pitchFamily="49" charset="0"/>
+              </a:rPr>
+              <a:t>();</a:t>
+            </a:r>
+          </a:p>
+          <a:p>
+            <a:r>
+              <a:rPr lang="en-US">
+                <a:solidFill>
+                  <a:srgbClr val="D4D4D4"/>
+                </a:solidFill>
+                <a:latin typeface="Menlo" panose="020B0609030804020204" pitchFamily="49" charset="0"/>
+              </a:rPr>
+              <a:t>  } </a:t>
+            </a:r>
+          </a:p>
+          <a:p>
+            <a:r>
+              <a:rPr lang="en-US">
+                <a:solidFill>
+                  <a:srgbClr val="D4D4D4"/>
+                </a:solidFill>
+                <a:latin typeface="Menlo" panose="020B0609030804020204" pitchFamily="49" charset="0"/>
+              </a:rPr>
+              <a:t>}</a:t>
+            </a:r>
+          </a:p>
+        </p:txBody>
+      </p:sp>
+      <p:sp>
+        <p:nvSpPr>
+          <p:cNvPr id="6" name="TextBox 5">
+            <a:extLst>
+              <a:ext uri="{FF2B5EF4-FFF2-40B4-BE49-F238E27FC236}">
+                <a16:creationId xmlns:a16="http://schemas.microsoft.com/office/drawing/2014/main" id="{9F54F20D-AAA2-504F-8B3D-110E3CAA3667}"/>
+              </a:ext>
+            </a:extLst>
+          </p:cNvPr>
+          <p:cNvSpPr txBox="1"/>
+          <p:nvPr/>
+        </p:nvSpPr>
+        <p:spPr>
+          <a:xfrm>
+            <a:off x="2876426" y="3257928"/>
+            <a:ext cx="2052165" cy="738664"/>
+          </a:xfrm>
+          <a:prstGeom prst="rect">
+            <a:avLst/>
+          </a:prstGeom>
+          <a:solidFill>
+            <a:schemeClr val="accent1"/>
+          </a:solidFill>
+        </p:spPr>
+        <p:txBody>
+          <a:bodyPr wrap="none" rtlCol="0">
+            <a:spAutoFit/>
+          </a:bodyPr>
+          <a:lstStyle/>
+          <a:p>
+            <a:r>
+              <a:rPr lang="en-VN">
+                <a:solidFill>
+                  <a:schemeClr val="bg1"/>
+                </a:solidFill>
+              </a:rPr>
+              <a:t>Bật tắt bean theo</a:t>
+            </a:r>
+          </a:p>
+          <a:p>
+            <a:r>
+              <a:rPr lang="en-US">
+                <a:solidFill>
+                  <a:schemeClr val="bg1"/>
+                </a:solidFill>
+              </a:rPr>
+              <a:t>c</a:t>
+            </a:r>
+            <a:r>
+              <a:rPr lang="en-VN">
+                <a:solidFill>
+                  <a:schemeClr val="bg1"/>
+                </a:solidFill>
+              </a:rPr>
+              <a:t>ấu hình profile</a:t>
+            </a:r>
+          </a:p>
+          <a:p>
+            <a:r>
+              <a:rPr lang="en-US">
+                <a:solidFill>
+                  <a:schemeClr val="bg1"/>
+                </a:solidFill>
+              </a:rPr>
+              <a:t>ở application.properties</a:t>
+            </a:r>
+            <a:endParaRPr lang="en-VN">
+              <a:solidFill>
+                <a:schemeClr val="bg1"/>
+              </a:solidFill>
+            </a:endParaRPr>
+          </a:p>
+        </p:txBody>
+      </p:sp>
+      <p:cxnSp>
+        <p:nvCxnSpPr>
+          <p:cNvPr id="8" name="Straight Arrow Connector 7">
+            <a:extLst>
+              <a:ext uri="{FF2B5EF4-FFF2-40B4-BE49-F238E27FC236}">
+                <a16:creationId xmlns:a16="http://schemas.microsoft.com/office/drawing/2014/main" id="{1C50B3D6-F631-534E-964E-3D329B7797DC}"/>
+              </a:ext>
+            </a:extLst>
+          </p:cNvPr>
+          <p:cNvCxnSpPr/>
+          <p:nvPr/>
+        </p:nvCxnSpPr>
+        <p:spPr>
+          <a:xfrm flipH="1" flipV="1">
+            <a:off x="2234527" y="2573642"/>
+            <a:ext cx="1659243" cy="678231"/>
+          </a:xfrm>
+          <a:prstGeom prst="straightConnector1">
+            <a:avLst/>
+          </a:prstGeom>
+          <a:ln w="28575">
+            <a:solidFill>
+              <a:schemeClr val="bg1"/>
+            </a:solidFill>
+            <a:tailEnd type="triangle"/>
+          </a:ln>
+        </p:spPr>
+        <p:style>
+          <a:lnRef idx="1">
+            <a:schemeClr val="accent1"/>
+          </a:lnRef>
+          <a:fillRef idx="0">
+            <a:schemeClr val="accent1"/>
+          </a:fillRef>
+          <a:effectRef idx="0">
+            <a:schemeClr val="accent1"/>
+          </a:effectRef>
+          <a:fontRef idx="minor">
+            <a:schemeClr val="tx1"/>
+          </a:fontRef>
+        </p:style>
+      </p:cxnSp>
+      <p:cxnSp>
+        <p:nvCxnSpPr>
+          <p:cNvPr id="10" name="Straight Arrow Connector 9">
+            <a:extLst>
+              <a:ext uri="{FF2B5EF4-FFF2-40B4-BE49-F238E27FC236}">
+                <a16:creationId xmlns:a16="http://schemas.microsoft.com/office/drawing/2014/main" id="{CDC726A4-A6F5-9E47-AC19-A700470785B6}"/>
+              </a:ext>
+            </a:extLst>
+          </p:cNvPr>
+          <p:cNvCxnSpPr/>
+          <p:nvPr/>
+        </p:nvCxnSpPr>
+        <p:spPr>
+          <a:xfrm flipH="1">
+            <a:off x="2301139" y="3845325"/>
+            <a:ext cx="502617" cy="0"/>
+          </a:xfrm>
+          <a:prstGeom prst="straightConnector1">
+            <a:avLst/>
+          </a:prstGeom>
+          <a:ln w="28575">
+            <a:solidFill>
+              <a:schemeClr val="bg1"/>
+            </a:solidFill>
+            <a:tailEnd type="triangle"/>
+          </a:ln>
+        </p:spPr>
+        <p:style>
+          <a:lnRef idx="1">
+            <a:schemeClr val="accent1"/>
+          </a:lnRef>
+          <a:fillRef idx="0">
+            <a:schemeClr val="accent1"/>
+          </a:fillRef>
+          <a:effectRef idx="0">
+            <a:schemeClr val="accent1"/>
+          </a:effectRef>
+          <a:fontRef idx="minor">
+            <a:schemeClr val="tx1"/>
+          </a:fontRef>
+        </p:style>
+      </p:cxnSp>
+      <p:sp>
+        <p:nvSpPr>
+          <p:cNvPr id="11" name="Folded Corner 10">
+            <a:extLst>
+              <a:ext uri="{FF2B5EF4-FFF2-40B4-BE49-F238E27FC236}">
+                <a16:creationId xmlns:a16="http://schemas.microsoft.com/office/drawing/2014/main" id="{4E672C7A-F7CC-434F-8F05-4C6A65504B0D}"/>
+              </a:ext>
+            </a:extLst>
+          </p:cNvPr>
+          <p:cNvSpPr/>
+          <p:nvPr/>
+        </p:nvSpPr>
+        <p:spPr>
+          <a:xfrm>
+            <a:off x="5607512" y="2252695"/>
+            <a:ext cx="2464641" cy="490505"/>
+          </a:xfrm>
+          <a:prstGeom prst="foldedCorner">
+            <a:avLst/>
+          </a:prstGeom>
+        </p:spPr>
+        <p:style>
+          <a:lnRef idx="2">
+            <a:schemeClr val="accent1">
+              <a:shade val="50000"/>
+            </a:schemeClr>
+          </a:lnRef>
+          <a:fillRef idx="1">
+            <a:schemeClr val="accent1"/>
+          </a:fillRef>
+          <a:effectRef idx="0">
+            <a:schemeClr val="accent1"/>
+          </a:effectRef>
+          <a:fontRef idx="minor">
+            <a:schemeClr val="lt1"/>
+          </a:fontRef>
+        </p:style>
+        <p:txBody>
+          <a:bodyPr rtlCol="0" anchor="ctr"/>
+          <a:lstStyle/>
+          <a:p>
+            <a:pPr algn="ctr"/>
+            <a:r>
+              <a:rPr lang="en-US"/>
+              <a:t>spring.profiles.active=prod</a:t>
+            </a:r>
+          </a:p>
+        </p:txBody>
+      </p:sp>
+      <p:sp>
+        <p:nvSpPr>
+          <p:cNvPr id="12" name="TextBox 11">
+            <a:extLst>
+              <a:ext uri="{FF2B5EF4-FFF2-40B4-BE49-F238E27FC236}">
+                <a16:creationId xmlns:a16="http://schemas.microsoft.com/office/drawing/2014/main" id="{6F1A8726-04EB-C441-A800-E74CC61D86A7}"/>
+              </a:ext>
+            </a:extLst>
+          </p:cNvPr>
+          <p:cNvSpPr txBox="1"/>
+          <p:nvPr/>
+        </p:nvSpPr>
+        <p:spPr>
+          <a:xfrm>
+            <a:off x="5949354" y="1992304"/>
+            <a:ext cx="2001687" cy="276999"/>
+          </a:xfrm>
+          <a:prstGeom prst="rect">
+            <a:avLst/>
+          </a:prstGeom>
+          <a:noFill/>
+        </p:spPr>
+        <p:txBody>
+          <a:bodyPr wrap="square" rtlCol="0">
+            <a:spAutoFit/>
+          </a:bodyPr>
+          <a:lstStyle/>
+          <a:p>
+            <a:r>
+              <a:rPr lang="en-VN" sz="1200"/>
+              <a:t>application.properties</a:t>
+            </a:r>
+          </a:p>
+        </p:txBody>
+      </p:sp>
+      <p:sp>
+        <p:nvSpPr>
+          <p:cNvPr id="13" name="Down Arrow 12">
+            <a:extLst>
+              <a:ext uri="{FF2B5EF4-FFF2-40B4-BE49-F238E27FC236}">
+                <a16:creationId xmlns:a16="http://schemas.microsoft.com/office/drawing/2014/main" id="{A4B073A5-B92C-6943-939E-65645CFC606E}"/>
+              </a:ext>
+            </a:extLst>
+          </p:cNvPr>
+          <p:cNvSpPr/>
+          <p:nvPr/>
+        </p:nvSpPr>
+        <p:spPr>
+          <a:xfrm>
+            <a:off x="6715694" y="2834034"/>
+            <a:ext cx="278559" cy="345171"/>
+          </a:xfrm>
+          <a:prstGeom prst="downArrow">
+            <a:avLst/>
+          </a:prstGeom>
+        </p:spPr>
+        <p:style>
+          <a:lnRef idx="2">
+            <a:schemeClr val="accent1">
+              <a:shade val="50000"/>
+            </a:schemeClr>
+          </a:lnRef>
+          <a:fillRef idx="1">
+            <a:schemeClr val="accent1"/>
+          </a:fillRef>
+          <a:effectRef idx="0">
+            <a:schemeClr val="accent1"/>
+          </a:effectRef>
+          <a:fontRef idx="minor">
+            <a:schemeClr val="lt1"/>
+          </a:fontRef>
+        </p:style>
+        <p:txBody>
+          <a:bodyPr rtlCol="0" anchor="ctr"/>
+          <a:lstStyle/>
+          <a:p>
+            <a:pPr algn="ctr"/>
+            <a:endParaRPr lang="en-VN"/>
+          </a:p>
+        </p:txBody>
+      </p:sp>
+      <p:sp>
+        <p:nvSpPr>
+          <p:cNvPr id="14" name="TextBox 13">
+            <a:extLst>
+              <a:ext uri="{FF2B5EF4-FFF2-40B4-BE49-F238E27FC236}">
+                <a16:creationId xmlns:a16="http://schemas.microsoft.com/office/drawing/2014/main" id="{FC23A7C0-950E-6F44-9B2E-8E06E5E6631C}"/>
+              </a:ext>
+            </a:extLst>
+          </p:cNvPr>
+          <p:cNvSpPr txBox="1"/>
+          <p:nvPr/>
+        </p:nvSpPr>
+        <p:spPr>
+          <a:xfrm>
+            <a:off x="5668068" y="3179206"/>
+            <a:ext cx="2661306" cy="523220"/>
+          </a:xfrm>
+          <a:prstGeom prst="rect">
+            <a:avLst/>
+          </a:prstGeom>
+          <a:noFill/>
+        </p:spPr>
+        <p:txBody>
+          <a:bodyPr wrap="none" rtlCol="0">
+            <a:spAutoFit/>
+          </a:bodyPr>
+          <a:lstStyle/>
+          <a:p>
+            <a:r>
+              <a:rPr lang="en-VN"/>
+              <a:t>Sẽ chỉ quét Bar mà bỏ qua Foo</a:t>
+            </a:r>
+          </a:p>
+          <a:p>
+            <a:r>
+              <a:rPr lang="en-VN"/>
+              <a:t>khi component scan</a:t>
+            </a:r>
+          </a:p>
+        </p:txBody>
+      </p:sp>
+    </p:spTree>
+    <p:extLst>
+      <p:ext uri="{BB962C8B-B14F-4D97-AF65-F5344CB8AC3E}">
+        <p14:creationId xmlns:p14="http://schemas.microsoft.com/office/powerpoint/2010/main" val="647263105"/>
+      </p:ext>
+    </p:extLst>
+  </p:cSld>
+  <p:clrMapOvr>
+    <a:masterClrMapping/>
+  </p:clrMapOvr>
+</p:sld>
+</file>
+
+<file path=ppt/slides/slide29.xml><?xml version="1.0" encoding="utf-8"?>
 <p:sld xmlns:a="http://schemas.openxmlformats.org/drawingml/2006/main" xmlns:r="http://schemas.openxmlformats.org/officeDocument/2006/relationships" xmlns:p="http://schemas.openxmlformats.org/presentationml/2006/main">
   <p:cSld>
     <p:spTree>
@@ -12958,7 +13995,135 @@
 </p:sld>
 </file>
 
-<file path=ppt/slides/slide29.xml><?xml version="1.0" encoding="utf-8"?>
+<file path=ppt/slides/slide3.xml><?xml version="1.0" encoding="utf-8"?>
+<p:sld xmlns:a="http://schemas.openxmlformats.org/drawingml/2006/main" xmlns:r="http://schemas.openxmlformats.org/officeDocument/2006/relationships" xmlns:p="http://schemas.openxmlformats.org/presentationml/2006/main">
+  <p:cSld>
+    <p:spTree>
+      <p:nvGrpSpPr>
+        <p:cNvPr id="1" name=""/>
+        <p:cNvGrpSpPr/>
+        <p:nvPr/>
+      </p:nvGrpSpPr>
+      <p:grpSpPr>
+        <a:xfrm>
+          <a:off x="0" y="0"/>
+          <a:ext cx="0" cy="0"/>
+          <a:chOff x="0" y="0"/>
+          <a:chExt cx="0" cy="0"/>
+        </a:xfrm>
+      </p:grpSpPr>
+      <p:sp>
+        <p:nvSpPr>
+          <p:cNvPr id="2" name="Title 1">
+            <a:extLst>
+              <a:ext uri="{FF2B5EF4-FFF2-40B4-BE49-F238E27FC236}">
+                <a16:creationId xmlns:a16="http://schemas.microsoft.com/office/drawing/2014/main" id="{5DCBC548-50DA-1A4C-B710-70A02FD0A664}"/>
+              </a:ext>
+            </a:extLst>
+          </p:cNvPr>
+          <p:cNvSpPr>
+            <a:spLocks noGrp="1"/>
+          </p:cNvSpPr>
+          <p:nvPr>
+            <p:ph type="title"/>
+          </p:nvPr>
+        </p:nvSpPr>
+        <p:spPr/>
+        <p:txBody>
+          <a:bodyPr/>
+          <a:lstStyle/>
+          <a:p>
+            <a:r>
+              <a:rPr lang="en-VN"/>
+              <a:t>Dependency Injection ~ Tiêm sự phụ thuộc</a:t>
+            </a:r>
+          </a:p>
+        </p:txBody>
+      </p:sp>
+      <p:sp>
+        <p:nvSpPr>
+          <p:cNvPr id="3" name="Text Placeholder 2">
+            <a:extLst>
+              <a:ext uri="{FF2B5EF4-FFF2-40B4-BE49-F238E27FC236}">
+                <a16:creationId xmlns:a16="http://schemas.microsoft.com/office/drawing/2014/main" id="{52B41B33-A6C1-4D4C-9934-4685F28E13D6}"/>
+              </a:ext>
+            </a:extLst>
+          </p:cNvPr>
+          <p:cNvSpPr>
+            <a:spLocks noGrp="1"/>
+          </p:cNvSpPr>
+          <p:nvPr>
+            <p:ph type="body" idx="1"/>
+          </p:nvPr>
+        </p:nvSpPr>
+        <p:spPr/>
+        <p:txBody>
+          <a:bodyPr/>
+          <a:lstStyle/>
+          <a:p>
+            <a:r>
+              <a:rPr lang="en-VN"/>
+              <a:t>Dependency Injection có thể hiểu theo cách dễ hơn:</a:t>
+            </a:r>
+          </a:p>
+          <a:p>
+            <a:pPr lvl="1"/>
+            <a:r>
+              <a:rPr lang="en-VN"/>
+              <a:t>Configurable Dependency</a:t>
+            </a:r>
+          </a:p>
+          <a:p>
+            <a:pPr lvl="1"/>
+            <a:r>
+              <a:rPr lang="en-VN"/>
+              <a:t>Dynamic Dependency</a:t>
+            </a:r>
+          </a:p>
+          <a:p>
+            <a:pPr lvl="1"/>
+            <a:r>
+              <a:rPr lang="en-VN"/>
+              <a:t>Auto configurable Dependency</a:t>
+            </a:r>
+          </a:p>
+          <a:p>
+            <a:pPr lvl="1"/>
+            <a:r>
+              <a:rPr lang="en-VN"/>
+              <a:t>Resolvable Dependency</a:t>
+            </a:r>
+          </a:p>
+          <a:p>
+            <a:r>
+              <a:rPr lang="en-VN"/>
+              <a:t>Để các bạn không bị rối trí bởi từ ngữ khó hiểu, các bạn hãy hiểu Dependency Injection là </a:t>
+            </a:r>
+            <a:r>
+              <a:rPr lang="en-VN" b="1">
+                <a:solidFill>
+                  <a:srgbClr val="7030A0"/>
+                </a:solidFill>
+              </a:rPr>
+              <a:t>lắp ghép các thành phần lại</a:t>
+            </a:r>
+          </a:p>
+        </p:txBody>
+      </p:sp>
+    </p:spTree>
+    <p:extLst>
+      <p:ext uri="{BB962C8B-B14F-4D97-AF65-F5344CB8AC3E}">
+        <p14:creationId xmlns:p14="http://schemas.microsoft.com/office/powerpoint/2010/main" val="3481705799"/>
+      </p:ext>
+    </p:extLst>
+  </p:cSld>
+  <p:clrMapOvr>
+    <a:masterClrMapping/>
+  </p:clrMapOvr>
+</p:sld>
+</file>
+
+<file path=ppt/slides/slide30.xml><?xml version="1.0" encoding="utf-8"?>
 <p:sld xmlns:a="http://schemas.openxmlformats.org/drawingml/2006/main" xmlns:r="http://schemas.openxmlformats.org/officeDocument/2006/relationships" xmlns:p="http://schemas.openxmlformats.org/presentationml/2006/main">
   <p:cSld>
     <p:spTree>
@@ -13540,135 +14705,7 @@
 </p:sld>
 </file>
 
-<file path=ppt/slides/slide3.xml><?xml version="1.0" encoding="utf-8"?>
-<p:sld xmlns:a="http://schemas.openxmlformats.org/drawingml/2006/main" xmlns:r="http://schemas.openxmlformats.org/officeDocument/2006/relationships" xmlns:p="http://schemas.openxmlformats.org/presentationml/2006/main">
-  <p:cSld>
-    <p:spTree>
-      <p:nvGrpSpPr>
-        <p:cNvPr id="1" name=""/>
-        <p:cNvGrpSpPr/>
-        <p:nvPr/>
-      </p:nvGrpSpPr>
-      <p:grpSpPr>
-        <a:xfrm>
-          <a:off x="0" y="0"/>
-          <a:ext cx="0" cy="0"/>
-          <a:chOff x="0" y="0"/>
-          <a:chExt cx="0" cy="0"/>
-        </a:xfrm>
-      </p:grpSpPr>
-      <p:sp>
-        <p:nvSpPr>
-          <p:cNvPr id="2" name="Title 1">
-            <a:extLst>
-              <a:ext uri="{FF2B5EF4-FFF2-40B4-BE49-F238E27FC236}">
-                <a16:creationId xmlns:a16="http://schemas.microsoft.com/office/drawing/2014/main" id="{5DCBC548-50DA-1A4C-B710-70A02FD0A664}"/>
-              </a:ext>
-            </a:extLst>
-          </p:cNvPr>
-          <p:cNvSpPr>
-            <a:spLocks noGrp="1"/>
-          </p:cNvSpPr>
-          <p:nvPr>
-            <p:ph type="title"/>
-          </p:nvPr>
-        </p:nvSpPr>
-        <p:spPr/>
-        <p:txBody>
-          <a:bodyPr/>
-          <a:lstStyle/>
-          <a:p>
-            <a:r>
-              <a:rPr lang="en-VN"/>
-              <a:t>Dependency Injection ~ Tiêm sự phụ thuộc</a:t>
-            </a:r>
-          </a:p>
-        </p:txBody>
-      </p:sp>
-      <p:sp>
-        <p:nvSpPr>
-          <p:cNvPr id="3" name="Text Placeholder 2">
-            <a:extLst>
-              <a:ext uri="{FF2B5EF4-FFF2-40B4-BE49-F238E27FC236}">
-                <a16:creationId xmlns:a16="http://schemas.microsoft.com/office/drawing/2014/main" id="{52B41B33-A6C1-4D4C-9934-4685F28E13D6}"/>
-              </a:ext>
-            </a:extLst>
-          </p:cNvPr>
-          <p:cNvSpPr>
-            <a:spLocks noGrp="1"/>
-          </p:cNvSpPr>
-          <p:nvPr>
-            <p:ph type="body" idx="1"/>
-          </p:nvPr>
-        </p:nvSpPr>
-        <p:spPr/>
-        <p:txBody>
-          <a:bodyPr/>
-          <a:lstStyle/>
-          <a:p>
-            <a:r>
-              <a:rPr lang="en-VN"/>
-              <a:t>Dependency Injection có thể hiểu theo cách dễ hơn:</a:t>
-            </a:r>
-          </a:p>
-          <a:p>
-            <a:pPr lvl="1"/>
-            <a:r>
-              <a:rPr lang="en-VN"/>
-              <a:t>Configurable Dependency</a:t>
-            </a:r>
-          </a:p>
-          <a:p>
-            <a:pPr lvl="1"/>
-            <a:r>
-              <a:rPr lang="en-VN"/>
-              <a:t>Dynamic Dependency</a:t>
-            </a:r>
-          </a:p>
-          <a:p>
-            <a:pPr lvl="1"/>
-            <a:r>
-              <a:rPr lang="en-VN"/>
-              <a:t>Auto configurable Dependency</a:t>
-            </a:r>
-          </a:p>
-          <a:p>
-            <a:pPr lvl="1"/>
-            <a:r>
-              <a:rPr lang="en-VN"/>
-              <a:t>Resolvable Dependency</a:t>
-            </a:r>
-          </a:p>
-          <a:p>
-            <a:r>
-              <a:rPr lang="en-VN"/>
-              <a:t>Để các bạn không bị rối trí bởi từ ngữ khó hiểu, các bạn hãy hiểu Dependency Injection là </a:t>
-            </a:r>
-            <a:r>
-              <a:rPr lang="en-VN" b="1">
-                <a:solidFill>
-                  <a:srgbClr val="7030A0"/>
-                </a:solidFill>
-              </a:rPr>
-              <a:t>lắp ghép các thành phần lại</a:t>
-            </a:r>
-          </a:p>
-        </p:txBody>
-      </p:sp>
-    </p:spTree>
-    <p:extLst>
-      <p:ext uri="{BB962C8B-B14F-4D97-AF65-F5344CB8AC3E}">
-        <p14:creationId xmlns:p14="http://schemas.microsoft.com/office/powerpoint/2010/main" val="3481705799"/>
-      </p:ext>
-    </p:extLst>
-  </p:cSld>
-  <p:clrMapOvr>
-    <a:masterClrMapping/>
-  </p:clrMapOvr>
-</p:sld>
-</file>
-
-<file path=ppt/slides/slide30.xml><?xml version="1.0" encoding="utf-8"?>
+<file path=ppt/slides/slide31.xml><?xml version="1.0" encoding="utf-8"?>
 <p:sld xmlns:a="http://schemas.openxmlformats.org/drawingml/2006/main" xmlns:r="http://schemas.openxmlformats.org/officeDocument/2006/relationships" xmlns:p="http://schemas.openxmlformats.org/presentationml/2006/main">
   <p:cSld>
     <p:spTree>
